--- a/HTML/1. Présentation/Cours HTML - v1.0.pptx
+++ b/HTML/1. Présentation/Cours HTML - v1.0.pptx
@@ -6,7 +6,11 @@
   </p:sldMasterIdLst>
   <p:sldIdLst>
     <p:sldId id="256" r:id="rId2"/>
-    <p:sldId id="257" r:id="rId3"/>
+    <p:sldId id="259" r:id="rId3"/>
+    <p:sldId id="260" r:id="rId4"/>
+    <p:sldId id="257" r:id="rId5"/>
+    <p:sldId id="258" r:id="rId6"/>
+    <p:sldId id="261" r:id="rId7"/>
   </p:sldIdLst>
   <p:sldSz cx="12192000" cy="6858000"/>
   <p:notesSz cx="6858000" cy="9144000"/>
@@ -105,6 +109,11 @@
       </a:defRPr>
     </a:lvl9pPr>
   </p:defaultTextStyle>
+  <p:extLst>
+    <p:ext uri="{EFAFB233-063F-42B5-8137-9DF3F51BA10A}">
+      <p15:sldGuideLst xmlns:p15="http://schemas.microsoft.com/office/powerpoint/2012/main"/>
+    </p:ext>
+  </p:extLst>
 </p:presentation>
 </file>
 
@@ -261,7 +270,7 @@
           <a:p>
             <a:fld id="{7946004B-0E6B-4AC3-A8D3-BFF0512C2F93}" type="datetimeFigureOut">
               <a:rPr lang="fr-CA" smtClean="0"/>
-              <a:t>2018-01-29</a:t>
+              <a:t>2018-02-06</a:t>
             </a:fld>
             <a:endParaRPr lang="fr-CA"/>
           </a:p>
@@ -461,7 +470,7 @@
           <a:p>
             <a:fld id="{7946004B-0E6B-4AC3-A8D3-BFF0512C2F93}" type="datetimeFigureOut">
               <a:rPr lang="fr-CA" smtClean="0"/>
-              <a:t>2018-01-29</a:t>
+              <a:t>2018-02-06</a:t>
             </a:fld>
             <a:endParaRPr lang="fr-CA"/>
           </a:p>
@@ -671,7 +680,7 @@
           <a:p>
             <a:fld id="{7946004B-0E6B-4AC3-A8D3-BFF0512C2F93}" type="datetimeFigureOut">
               <a:rPr lang="fr-CA" smtClean="0"/>
-              <a:t>2018-01-29</a:t>
+              <a:t>2018-02-06</a:t>
             </a:fld>
             <a:endParaRPr lang="fr-CA"/>
           </a:p>
@@ -871,7 +880,7 @@
           <a:p>
             <a:fld id="{7946004B-0E6B-4AC3-A8D3-BFF0512C2F93}" type="datetimeFigureOut">
               <a:rPr lang="fr-CA" smtClean="0"/>
-              <a:t>2018-01-29</a:t>
+              <a:t>2018-02-06</a:t>
             </a:fld>
             <a:endParaRPr lang="fr-CA"/>
           </a:p>
@@ -1147,7 +1156,7 @@
           <a:p>
             <a:fld id="{7946004B-0E6B-4AC3-A8D3-BFF0512C2F93}" type="datetimeFigureOut">
               <a:rPr lang="fr-CA" smtClean="0"/>
-              <a:t>2018-01-29</a:t>
+              <a:t>2018-02-06</a:t>
             </a:fld>
             <a:endParaRPr lang="fr-CA"/>
           </a:p>
@@ -1415,7 +1424,7 @@
           <a:p>
             <a:fld id="{7946004B-0E6B-4AC3-A8D3-BFF0512C2F93}" type="datetimeFigureOut">
               <a:rPr lang="fr-CA" smtClean="0"/>
-              <a:t>2018-01-29</a:t>
+              <a:t>2018-02-06</a:t>
             </a:fld>
             <a:endParaRPr lang="fr-CA"/>
           </a:p>
@@ -1830,7 +1839,7 @@
           <a:p>
             <a:fld id="{7946004B-0E6B-4AC3-A8D3-BFF0512C2F93}" type="datetimeFigureOut">
               <a:rPr lang="fr-CA" smtClean="0"/>
-              <a:t>2018-01-29</a:t>
+              <a:t>2018-02-06</a:t>
             </a:fld>
             <a:endParaRPr lang="fr-CA"/>
           </a:p>
@@ -1972,7 +1981,7 @@
           <a:p>
             <a:fld id="{7946004B-0E6B-4AC3-A8D3-BFF0512C2F93}" type="datetimeFigureOut">
               <a:rPr lang="fr-CA" smtClean="0"/>
-              <a:t>2018-01-29</a:t>
+              <a:t>2018-02-06</a:t>
             </a:fld>
             <a:endParaRPr lang="fr-CA"/>
           </a:p>
@@ -2085,7 +2094,7 @@
           <a:p>
             <a:fld id="{7946004B-0E6B-4AC3-A8D3-BFF0512C2F93}" type="datetimeFigureOut">
               <a:rPr lang="fr-CA" smtClean="0"/>
-              <a:t>2018-01-29</a:t>
+              <a:t>2018-02-06</a:t>
             </a:fld>
             <a:endParaRPr lang="fr-CA"/>
           </a:p>
@@ -2398,7 +2407,7 @@
           <a:p>
             <a:fld id="{7946004B-0E6B-4AC3-A8D3-BFF0512C2F93}" type="datetimeFigureOut">
               <a:rPr lang="fr-CA" smtClean="0"/>
-              <a:t>2018-01-29</a:t>
+              <a:t>2018-02-06</a:t>
             </a:fld>
             <a:endParaRPr lang="fr-CA"/>
           </a:p>
@@ -2687,7 +2696,7 @@
           <a:p>
             <a:fld id="{7946004B-0E6B-4AC3-A8D3-BFF0512C2F93}" type="datetimeFigureOut">
               <a:rPr lang="fr-CA" smtClean="0"/>
-              <a:t>2018-01-29</a:t>
+              <a:t>2018-02-06</a:t>
             </a:fld>
             <a:endParaRPr lang="fr-CA"/>
           </a:p>
@@ -2930,7 +2939,7 @@
           <a:p>
             <a:fld id="{7946004B-0E6B-4AC3-A8D3-BFF0512C2F93}" type="datetimeFigureOut">
               <a:rPr lang="fr-CA" smtClean="0"/>
-              <a:t>2018-01-29</a:t>
+              <a:t>2018-02-06</a:t>
             </a:fld>
             <a:endParaRPr lang="fr-CA"/>
           </a:p>
@@ -3573,6 +3582,1077 @@
           <a:chExt cx="0" cy="0"/>
         </a:xfrm>
       </p:grpSpPr>
+      <p:pic>
+        <p:nvPicPr>
+          <p:cNvPr id="2050" name="Picture 2" descr="linckedin, social icon">
+            <a:extLst>
+              <a:ext uri="{FF2B5EF4-FFF2-40B4-BE49-F238E27FC236}">
+                <a16:creationId xmlns:a16="http://schemas.microsoft.com/office/drawing/2014/main" id="{3C355A2B-48A0-433B-9645-7B8F9030384E}"/>
+              </a:ext>
+            </a:extLst>
+          </p:cNvPr>
+          <p:cNvPicPr>
+            <a:picLocks noChangeAspect="1" noChangeArrowheads="1"/>
+          </p:cNvPicPr>
+          <p:nvPr/>
+        </p:nvPicPr>
+        <p:blipFill>
+          <a:blip r:embed="rId2">
+            <a:extLst>
+              <a:ext uri="{28A0092B-C50C-407E-A947-70E740481C1C}">
+                <a14:useLocalDpi xmlns:a14="http://schemas.microsoft.com/office/drawing/2010/main" val="0"/>
+              </a:ext>
+            </a:extLst>
+          </a:blip>
+          <a:srcRect/>
+          <a:stretch>
+            <a:fillRect/>
+          </a:stretch>
+        </p:blipFill>
+        <p:spPr bwMode="auto">
+          <a:xfrm>
+            <a:off x="500743" y="1476568"/>
+            <a:ext cx="1219200" cy="1219200"/>
+          </a:xfrm>
+          <a:prstGeom prst="rect">
+            <a:avLst/>
+          </a:prstGeom>
+          <a:noFill/>
+          <a:extLst>
+            <a:ext uri="{909E8E84-426E-40DD-AFC4-6F175D3DCCD1}">
+              <a14:hiddenFill xmlns:a14="http://schemas.microsoft.com/office/drawing/2010/main">
+                <a:solidFill>
+                  <a:srgbClr val="FFFFFF"/>
+                </a:solidFill>
+              </a14:hiddenFill>
+            </a:ext>
+          </a:extLst>
+        </p:spPr>
+      </p:pic>
+      <p:pic>
+        <p:nvPicPr>
+          <p:cNvPr id="2052" name="Picture 4" descr="facebook, social icon">
+            <a:extLst>
+              <a:ext uri="{FF2B5EF4-FFF2-40B4-BE49-F238E27FC236}">
+                <a16:creationId xmlns:a16="http://schemas.microsoft.com/office/drawing/2014/main" id="{7D031034-5117-4935-A59B-0DB18C3D7A8D}"/>
+              </a:ext>
+            </a:extLst>
+          </p:cNvPr>
+          <p:cNvPicPr>
+            <a:picLocks noChangeAspect="1" noChangeArrowheads="1"/>
+          </p:cNvPicPr>
+          <p:nvPr/>
+        </p:nvPicPr>
+        <p:blipFill>
+          <a:blip r:embed="rId3">
+            <a:extLst>
+              <a:ext uri="{28A0092B-C50C-407E-A947-70E740481C1C}">
+                <a14:useLocalDpi xmlns:a14="http://schemas.microsoft.com/office/drawing/2010/main" val="0"/>
+              </a:ext>
+            </a:extLst>
+          </a:blip>
+          <a:srcRect/>
+          <a:stretch>
+            <a:fillRect/>
+          </a:stretch>
+        </p:blipFill>
+        <p:spPr bwMode="auto">
+          <a:xfrm>
+            <a:off x="500743" y="2693436"/>
+            <a:ext cx="1219200" cy="1219200"/>
+          </a:xfrm>
+          <a:prstGeom prst="rect">
+            <a:avLst/>
+          </a:prstGeom>
+          <a:noFill/>
+          <a:extLst>
+            <a:ext uri="{909E8E84-426E-40DD-AFC4-6F175D3DCCD1}">
+              <a14:hiddenFill xmlns:a14="http://schemas.microsoft.com/office/drawing/2010/main">
+                <a:solidFill>
+                  <a:srgbClr val="FFFFFF"/>
+                </a:solidFill>
+              </a14:hiddenFill>
+            </a:ext>
+          </a:extLst>
+        </p:spPr>
+      </p:pic>
+      <p:pic>
+        <p:nvPicPr>
+          <p:cNvPr id="2054" name="Picture 6" descr="social, youtube icon">
+            <a:extLst>
+              <a:ext uri="{FF2B5EF4-FFF2-40B4-BE49-F238E27FC236}">
+                <a16:creationId xmlns:a16="http://schemas.microsoft.com/office/drawing/2014/main" id="{12AA9078-C096-4E3A-A4E5-C7AF0673492A}"/>
+              </a:ext>
+            </a:extLst>
+          </p:cNvPr>
+          <p:cNvPicPr>
+            <a:picLocks noChangeAspect="1" noChangeArrowheads="1"/>
+          </p:cNvPicPr>
+          <p:nvPr/>
+        </p:nvPicPr>
+        <p:blipFill>
+          <a:blip r:embed="rId4">
+            <a:extLst>
+              <a:ext uri="{28A0092B-C50C-407E-A947-70E740481C1C}">
+                <a14:useLocalDpi xmlns:a14="http://schemas.microsoft.com/office/drawing/2010/main" val="0"/>
+              </a:ext>
+            </a:extLst>
+          </a:blip>
+          <a:srcRect/>
+          <a:stretch>
+            <a:fillRect/>
+          </a:stretch>
+        </p:blipFill>
+        <p:spPr bwMode="auto">
+          <a:xfrm>
+            <a:off x="6040410" y="5132624"/>
+            <a:ext cx="1219200" cy="1219200"/>
+          </a:xfrm>
+          <a:prstGeom prst="rect">
+            <a:avLst/>
+          </a:prstGeom>
+          <a:noFill/>
+          <a:extLst>
+            <a:ext uri="{909E8E84-426E-40DD-AFC4-6F175D3DCCD1}">
+              <a14:hiddenFill xmlns:a14="http://schemas.microsoft.com/office/drawing/2010/main">
+                <a:solidFill>
+                  <a:srgbClr val="FFFFFF"/>
+                </a:solidFill>
+              </a14:hiddenFill>
+            </a:ext>
+          </a:extLst>
+        </p:spPr>
+      </p:pic>
+      <p:pic>
+        <p:nvPicPr>
+          <p:cNvPr id="2056" name="Picture 8" descr="social, twitter icon">
+            <a:extLst>
+              <a:ext uri="{FF2B5EF4-FFF2-40B4-BE49-F238E27FC236}">
+                <a16:creationId xmlns:a16="http://schemas.microsoft.com/office/drawing/2014/main" id="{74E935D1-F935-4E6B-B0CD-2D1760D4AA6B}"/>
+              </a:ext>
+            </a:extLst>
+          </p:cNvPr>
+          <p:cNvPicPr>
+            <a:picLocks noChangeAspect="1" noChangeArrowheads="1"/>
+          </p:cNvPicPr>
+          <p:nvPr/>
+        </p:nvPicPr>
+        <p:blipFill>
+          <a:blip r:embed="rId5">
+            <a:extLst>
+              <a:ext uri="{28A0092B-C50C-407E-A947-70E740481C1C}">
+                <a14:useLocalDpi xmlns:a14="http://schemas.microsoft.com/office/drawing/2010/main" val="0"/>
+              </a:ext>
+            </a:extLst>
+          </a:blip>
+          <a:srcRect/>
+          <a:stretch>
+            <a:fillRect/>
+          </a:stretch>
+        </p:blipFill>
+        <p:spPr bwMode="auto">
+          <a:xfrm>
+            <a:off x="500743" y="5132624"/>
+            <a:ext cx="1219200" cy="1219200"/>
+          </a:xfrm>
+          <a:prstGeom prst="rect">
+            <a:avLst/>
+          </a:prstGeom>
+          <a:noFill/>
+          <a:extLst>
+            <a:ext uri="{909E8E84-426E-40DD-AFC4-6F175D3DCCD1}">
+              <a14:hiddenFill xmlns:a14="http://schemas.microsoft.com/office/drawing/2010/main">
+                <a:solidFill>
+                  <a:srgbClr val="FFFFFF"/>
+                </a:solidFill>
+              </a14:hiddenFill>
+            </a:ext>
+          </a:extLst>
+        </p:spPr>
+      </p:pic>
+      <p:pic>
+        <p:nvPicPr>
+          <p:cNvPr id="2058" name="Picture 10" descr="github, social icon">
+            <a:extLst>
+              <a:ext uri="{FF2B5EF4-FFF2-40B4-BE49-F238E27FC236}">
+                <a16:creationId xmlns:a16="http://schemas.microsoft.com/office/drawing/2014/main" id="{C91DE01B-00F0-4E1D-B3E3-A5DE7D9DAC5A}"/>
+              </a:ext>
+            </a:extLst>
+          </p:cNvPr>
+          <p:cNvPicPr>
+            <a:picLocks noChangeAspect="1" noChangeArrowheads="1"/>
+          </p:cNvPicPr>
+          <p:nvPr/>
+        </p:nvPicPr>
+        <p:blipFill>
+          <a:blip r:embed="rId6">
+            <a:extLst>
+              <a:ext uri="{28A0092B-C50C-407E-A947-70E740481C1C}">
+                <a14:useLocalDpi xmlns:a14="http://schemas.microsoft.com/office/drawing/2010/main" val="0"/>
+              </a:ext>
+            </a:extLst>
+          </a:blip>
+          <a:srcRect/>
+          <a:stretch>
+            <a:fillRect/>
+          </a:stretch>
+        </p:blipFill>
+        <p:spPr bwMode="auto">
+          <a:xfrm>
+            <a:off x="500743" y="3912636"/>
+            <a:ext cx="1219200" cy="1219200"/>
+          </a:xfrm>
+          <a:prstGeom prst="rect">
+            <a:avLst/>
+          </a:prstGeom>
+          <a:noFill/>
+          <a:extLst>
+            <a:ext uri="{909E8E84-426E-40DD-AFC4-6F175D3DCCD1}">
+              <a14:hiddenFill xmlns:a14="http://schemas.microsoft.com/office/drawing/2010/main">
+                <a:solidFill>
+                  <a:srgbClr val="FFFFFF"/>
+                </a:solidFill>
+              </a14:hiddenFill>
+            </a:ext>
+          </a:extLst>
+        </p:spPr>
+      </p:pic>
+      <p:pic>
+        <p:nvPicPr>
+          <p:cNvPr id="2060" name="Picture 12" descr="instagram, social icon">
+            <a:extLst>
+              <a:ext uri="{FF2B5EF4-FFF2-40B4-BE49-F238E27FC236}">
+                <a16:creationId xmlns:a16="http://schemas.microsoft.com/office/drawing/2014/main" id="{38203E2D-D9A2-4915-9CCF-03EE9E2A269C}"/>
+              </a:ext>
+            </a:extLst>
+          </p:cNvPr>
+          <p:cNvPicPr>
+            <a:picLocks noChangeAspect="1" noChangeArrowheads="1"/>
+          </p:cNvPicPr>
+          <p:nvPr/>
+        </p:nvPicPr>
+        <p:blipFill>
+          <a:blip r:embed="rId7">
+            <a:extLst>
+              <a:ext uri="{28A0092B-C50C-407E-A947-70E740481C1C}">
+                <a14:useLocalDpi xmlns:a14="http://schemas.microsoft.com/office/drawing/2010/main" val="0"/>
+              </a:ext>
+            </a:extLst>
+          </a:blip>
+          <a:srcRect/>
+          <a:stretch>
+            <a:fillRect/>
+          </a:stretch>
+        </p:blipFill>
+        <p:spPr bwMode="auto">
+          <a:xfrm>
+            <a:off x="6040410" y="3913424"/>
+            <a:ext cx="1219200" cy="1219200"/>
+          </a:xfrm>
+          <a:prstGeom prst="rect">
+            <a:avLst/>
+          </a:prstGeom>
+          <a:noFill/>
+          <a:extLst>
+            <a:ext uri="{909E8E84-426E-40DD-AFC4-6F175D3DCCD1}">
+              <a14:hiddenFill xmlns:a14="http://schemas.microsoft.com/office/drawing/2010/main">
+                <a:solidFill>
+                  <a:srgbClr val="FFFFFF"/>
+                </a:solidFill>
+              </a14:hiddenFill>
+            </a:ext>
+          </a:extLst>
+        </p:spPr>
+      </p:pic>
+      <p:pic>
+        <p:nvPicPr>
+          <p:cNvPr id="2062" name="Picture 14" descr="html5, internet, web icon">
+            <a:extLst>
+              <a:ext uri="{FF2B5EF4-FFF2-40B4-BE49-F238E27FC236}">
+                <a16:creationId xmlns:a16="http://schemas.microsoft.com/office/drawing/2014/main" id="{84604306-78DA-42F6-8F7F-804FB8F315CD}"/>
+              </a:ext>
+            </a:extLst>
+          </p:cNvPr>
+          <p:cNvPicPr>
+            <a:picLocks noChangeAspect="1" noChangeArrowheads="1"/>
+          </p:cNvPicPr>
+          <p:nvPr/>
+        </p:nvPicPr>
+        <p:blipFill>
+          <a:blip r:embed="rId8">
+            <a:extLst>
+              <a:ext uri="{28A0092B-C50C-407E-A947-70E740481C1C}">
+                <a14:useLocalDpi xmlns:a14="http://schemas.microsoft.com/office/drawing/2010/main" val="0"/>
+              </a:ext>
+            </a:extLst>
+          </a:blip>
+          <a:srcRect/>
+          <a:stretch>
+            <a:fillRect/>
+          </a:stretch>
+        </p:blipFill>
+        <p:spPr bwMode="auto">
+          <a:xfrm>
+            <a:off x="500743" y="311408"/>
+            <a:ext cx="1219200" cy="1219200"/>
+          </a:xfrm>
+          <a:prstGeom prst="rect">
+            <a:avLst/>
+          </a:prstGeom>
+          <a:noFill/>
+          <a:extLst>
+            <a:ext uri="{909E8E84-426E-40DD-AFC4-6F175D3DCCD1}">
+              <a14:hiddenFill xmlns:a14="http://schemas.microsoft.com/office/drawing/2010/main">
+                <a:solidFill>
+                  <a:srgbClr val="FFFFFF"/>
+                </a:solidFill>
+              </a14:hiddenFill>
+            </a:ext>
+          </a:extLst>
+        </p:spPr>
+      </p:pic>
+      <p:sp>
+        <p:nvSpPr>
+          <p:cNvPr id="5" name="ZoneTexte 4">
+            <a:extLst>
+              <a:ext uri="{FF2B5EF4-FFF2-40B4-BE49-F238E27FC236}">
+                <a16:creationId xmlns:a16="http://schemas.microsoft.com/office/drawing/2014/main" id="{8408D1D5-5179-43F4-9E46-1EFB5782457B}"/>
+              </a:ext>
+            </a:extLst>
+          </p:cNvPr>
+          <p:cNvSpPr txBox="1"/>
+          <p:nvPr/>
+        </p:nvSpPr>
+        <p:spPr>
+          <a:xfrm>
+            <a:off x="1871377" y="597842"/>
+            <a:ext cx="2502288" cy="646331"/>
+          </a:xfrm>
+          <a:prstGeom prst="rect">
+            <a:avLst/>
+          </a:prstGeom>
+          <a:noFill/>
+        </p:spPr>
+        <p:txBody>
+          <a:bodyPr wrap="none" rtlCol="0">
+            <a:spAutoFit/>
+          </a:bodyPr>
+          <a:lstStyle/>
+          <a:p>
+            <a:r>
+              <a:rPr lang="fr-CA" dirty="0">
+                <a:solidFill>
+                  <a:schemeClr val="accent6"/>
+                </a:solidFill>
+                <a:hlinkClick r:id="rId9"/>
+              </a:rPr>
+              <a:t>http://blog.ezoqc.com/</a:t>
+            </a:r>
+            <a:endParaRPr lang="fr-CA" dirty="0">
+              <a:solidFill>
+                <a:schemeClr val="accent6"/>
+              </a:solidFill>
+            </a:endParaRPr>
+          </a:p>
+          <a:p>
+            <a:r>
+              <a:rPr lang="fr-CA" dirty="0">
+                <a:solidFill>
+                  <a:schemeClr val="accent6"/>
+                </a:solidFill>
+                <a:hlinkClick r:id="rId10"/>
+              </a:rPr>
+              <a:t>http://www.ezoqc.com/</a:t>
+            </a:r>
+            <a:r>
+              <a:rPr lang="fr-CA" dirty="0">
+                <a:solidFill>
+                  <a:schemeClr val="accent6"/>
+                </a:solidFill>
+              </a:rPr>
+              <a:t> </a:t>
+            </a:r>
+          </a:p>
+        </p:txBody>
+      </p:sp>
+      <p:sp>
+        <p:nvSpPr>
+          <p:cNvPr id="6" name="ZoneTexte 5">
+            <a:extLst>
+              <a:ext uri="{FF2B5EF4-FFF2-40B4-BE49-F238E27FC236}">
+                <a16:creationId xmlns:a16="http://schemas.microsoft.com/office/drawing/2014/main" id="{2DC2E840-DD8B-41DE-A8F1-7CA7B93FAA6A}"/>
+              </a:ext>
+            </a:extLst>
+          </p:cNvPr>
+          <p:cNvSpPr txBox="1"/>
+          <p:nvPr/>
+        </p:nvSpPr>
+        <p:spPr>
+          <a:xfrm>
+            <a:off x="5322533" y="818541"/>
+            <a:ext cx="4898585" cy="1107996"/>
+          </a:xfrm>
+          <a:prstGeom prst="rect">
+            <a:avLst/>
+          </a:prstGeom>
+          <a:noFill/>
+        </p:spPr>
+        <p:txBody>
+          <a:bodyPr wrap="none" rtlCol="0">
+            <a:spAutoFit/>
+          </a:bodyPr>
+          <a:lstStyle/>
+          <a:p>
+            <a:r>
+              <a:rPr lang="fr-CA" sz="6600" dirty="0"/>
+              <a:t>Suivez-nous…</a:t>
+            </a:r>
+          </a:p>
+        </p:txBody>
+      </p:sp>
+      <p:sp>
+        <p:nvSpPr>
+          <p:cNvPr id="7" name="ZoneTexte 6">
+            <a:extLst>
+              <a:ext uri="{FF2B5EF4-FFF2-40B4-BE49-F238E27FC236}">
+                <a16:creationId xmlns:a16="http://schemas.microsoft.com/office/drawing/2014/main" id="{AAB56927-27C9-46D4-A8F5-60F6307D7261}"/>
+              </a:ext>
+            </a:extLst>
+          </p:cNvPr>
+          <p:cNvSpPr txBox="1"/>
+          <p:nvPr/>
+        </p:nvSpPr>
+        <p:spPr>
+          <a:xfrm>
+            <a:off x="1871377" y="1901502"/>
+            <a:ext cx="2703369" cy="369332"/>
+          </a:xfrm>
+          <a:prstGeom prst="rect">
+            <a:avLst/>
+          </a:prstGeom>
+          <a:noFill/>
+        </p:spPr>
+        <p:txBody>
+          <a:bodyPr wrap="none" rtlCol="0">
+            <a:spAutoFit/>
+          </a:bodyPr>
+          <a:lstStyle/>
+          <a:p>
+            <a:r>
+              <a:rPr lang="fr-CA" dirty="0">
+                <a:hlinkClick r:id="rId11"/>
+              </a:rPr>
+              <a:t>http://linkedin.ezoqc.com/</a:t>
+            </a:r>
+            <a:endParaRPr lang="fr-CA" dirty="0"/>
+          </a:p>
+        </p:txBody>
+      </p:sp>
+      <p:sp>
+        <p:nvSpPr>
+          <p:cNvPr id="8" name="ZoneTexte 7">
+            <a:extLst>
+              <a:ext uri="{FF2B5EF4-FFF2-40B4-BE49-F238E27FC236}">
+                <a16:creationId xmlns:a16="http://schemas.microsoft.com/office/drawing/2014/main" id="{2FF25C3B-60A6-46B6-9E15-B8F9F484D96C}"/>
+              </a:ext>
+            </a:extLst>
+          </p:cNvPr>
+          <p:cNvSpPr txBox="1"/>
+          <p:nvPr/>
+        </p:nvSpPr>
+        <p:spPr>
+          <a:xfrm>
+            <a:off x="7312879" y="4338358"/>
+            <a:ext cx="2945935" cy="369332"/>
+          </a:xfrm>
+          <a:prstGeom prst="rect">
+            <a:avLst/>
+          </a:prstGeom>
+          <a:noFill/>
+        </p:spPr>
+        <p:txBody>
+          <a:bodyPr wrap="none" rtlCol="0">
+            <a:spAutoFit/>
+          </a:bodyPr>
+          <a:lstStyle/>
+          <a:p>
+            <a:r>
+              <a:rPr lang="fr-CA" dirty="0">
+                <a:hlinkClick r:id="rId12"/>
+              </a:rPr>
+              <a:t>http://instagram.ezoqc.com/</a:t>
+            </a:r>
+            <a:r>
+              <a:rPr lang="fr-CA" dirty="0"/>
+              <a:t> </a:t>
+            </a:r>
+          </a:p>
+        </p:txBody>
+      </p:sp>
+      <p:sp>
+        <p:nvSpPr>
+          <p:cNvPr id="9" name="ZoneTexte 8">
+            <a:extLst>
+              <a:ext uri="{FF2B5EF4-FFF2-40B4-BE49-F238E27FC236}">
+                <a16:creationId xmlns:a16="http://schemas.microsoft.com/office/drawing/2014/main" id="{8C7C6AF8-C92A-47B0-AF9D-E01A3DDC7406}"/>
+              </a:ext>
+            </a:extLst>
+          </p:cNvPr>
+          <p:cNvSpPr txBox="1"/>
+          <p:nvPr/>
+        </p:nvSpPr>
+        <p:spPr>
+          <a:xfrm>
+            <a:off x="7312879" y="5557558"/>
+            <a:ext cx="2748188" cy="369332"/>
+          </a:xfrm>
+          <a:prstGeom prst="rect">
+            <a:avLst/>
+          </a:prstGeom>
+          <a:noFill/>
+        </p:spPr>
+        <p:txBody>
+          <a:bodyPr wrap="none" rtlCol="0">
+            <a:spAutoFit/>
+          </a:bodyPr>
+          <a:lstStyle/>
+          <a:p>
+            <a:r>
+              <a:rPr lang="fr-CA" dirty="0">
+                <a:hlinkClick r:id="rId13"/>
+              </a:rPr>
+              <a:t>http://youtube.ezoqc.com/</a:t>
+            </a:r>
+            <a:endParaRPr lang="fr-CA" dirty="0"/>
+          </a:p>
+        </p:txBody>
+      </p:sp>
+      <p:sp>
+        <p:nvSpPr>
+          <p:cNvPr id="10" name="ZoneTexte 9">
+            <a:extLst>
+              <a:ext uri="{FF2B5EF4-FFF2-40B4-BE49-F238E27FC236}">
+                <a16:creationId xmlns:a16="http://schemas.microsoft.com/office/drawing/2014/main" id="{976C13B7-BE76-450D-8510-86A002B79D2F}"/>
+              </a:ext>
+            </a:extLst>
+          </p:cNvPr>
+          <p:cNvSpPr txBox="1"/>
+          <p:nvPr/>
+        </p:nvSpPr>
+        <p:spPr>
+          <a:xfrm>
+            <a:off x="1871377" y="3118370"/>
+            <a:ext cx="2879443" cy="369332"/>
+          </a:xfrm>
+          <a:prstGeom prst="rect">
+            <a:avLst/>
+          </a:prstGeom>
+          <a:noFill/>
+        </p:spPr>
+        <p:txBody>
+          <a:bodyPr wrap="none" rtlCol="0">
+            <a:spAutoFit/>
+          </a:bodyPr>
+          <a:lstStyle/>
+          <a:p>
+            <a:r>
+              <a:rPr lang="fr-CA" dirty="0">
+                <a:hlinkClick r:id="rId14"/>
+              </a:rPr>
+              <a:t>http://facebook.ezoqc.com/</a:t>
+            </a:r>
+            <a:r>
+              <a:rPr lang="fr-CA" dirty="0"/>
+              <a:t> </a:t>
+            </a:r>
+          </a:p>
+        </p:txBody>
+      </p:sp>
+      <p:sp>
+        <p:nvSpPr>
+          <p:cNvPr id="11" name="ZoneTexte 10">
+            <a:extLst>
+              <a:ext uri="{FF2B5EF4-FFF2-40B4-BE49-F238E27FC236}">
+                <a16:creationId xmlns:a16="http://schemas.microsoft.com/office/drawing/2014/main" id="{5399FF74-7FDB-4B77-B6BD-C53759200C9D}"/>
+              </a:ext>
+            </a:extLst>
+          </p:cNvPr>
+          <p:cNvSpPr txBox="1"/>
+          <p:nvPr/>
+        </p:nvSpPr>
+        <p:spPr>
+          <a:xfrm>
+            <a:off x="1871377" y="4337570"/>
+            <a:ext cx="2477601" cy="369332"/>
+          </a:xfrm>
+          <a:prstGeom prst="rect">
+            <a:avLst/>
+          </a:prstGeom>
+          <a:noFill/>
+        </p:spPr>
+        <p:txBody>
+          <a:bodyPr wrap="none" rtlCol="0">
+            <a:spAutoFit/>
+          </a:bodyPr>
+          <a:lstStyle/>
+          <a:p>
+            <a:r>
+              <a:rPr lang="fr-CA" dirty="0">
+                <a:hlinkClick r:id="rId15"/>
+              </a:rPr>
+              <a:t>http://github.ezoqc.com</a:t>
+            </a:r>
+            <a:endParaRPr lang="fr-CA" dirty="0"/>
+          </a:p>
+        </p:txBody>
+      </p:sp>
+      <p:sp>
+        <p:nvSpPr>
+          <p:cNvPr id="12" name="ZoneTexte 11">
+            <a:extLst>
+              <a:ext uri="{FF2B5EF4-FFF2-40B4-BE49-F238E27FC236}">
+                <a16:creationId xmlns:a16="http://schemas.microsoft.com/office/drawing/2014/main" id="{A05B7974-D352-4DF1-A294-75AC456B524B}"/>
+              </a:ext>
+            </a:extLst>
+          </p:cNvPr>
+          <p:cNvSpPr txBox="1"/>
+          <p:nvPr/>
+        </p:nvSpPr>
+        <p:spPr>
+          <a:xfrm>
+            <a:off x="1871377" y="5556770"/>
+            <a:ext cx="2635337" cy="369332"/>
+          </a:xfrm>
+          <a:prstGeom prst="rect">
+            <a:avLst/>
+          </a:prstGeom>
+          <a:noFill/>
+        </p:spPr>
+        <p:txBody>
+          <a:bodyPr wrap="none" rtlCol="0">
+            <a:spAutoFit/>
+          </a:bodyPr>
+          <a:lstStyle/>
+          <a:p>
+            <a:r>
+              <a:rPr lang="fr-CA" dirty="0">
+                <a:hlinkClick r:id="rId16"/>
+              </a:rPr>
+              <a:t>http://twitter.ezoqc.com/</a:t>
+            </a:r>
+            <a:r>
+              <a:rPr lang="fr-CA" dirty="0"/>
+              <a:t> </a:t>
+            </a:r>
+          </a:p>
+        </p:txBody>
+      </p:sp>
+      <p:pic>
+        <p:nvPicPr>
+          <p:cNvPr id="2066" name="Picture 18" descr="Image result for npm">
+            <a:extLst>
+              <a:ext uri="{FF2B5EF4-FFF2-40B4-BE49-F238E27FC236}">
+                <a16:creationId xmlns:a16="http://schemas.microsoft.com/office/drawing/2014/main" id="{1B6E0C22-6535-48B6-98C0-F1092ABAADB6}"/>
+              </a:ext>
+            </a:extLst>
+          </p:cNvPr>
+          <p:cNvPicPr>
+            <a:picLocks noChangeAspect="1" noChangeArrowheads="1"/>
+          </p:cNvPicPr>
+          <p:nvPr/>
+        </p:nvPicPr>
+        <p:blipFill>
+          <a:blip r:embed="rId17">
+            <a:extLst>
+              <a:ext uri="{28A0092B-C50C-407E-A947-70E740481C1C}">
+                <a14:useLocalDpi xmlns:a14="http://schemas.microsoft.com/office/drawing/2010/main" val="0"/>
+              </a:ext>
+            </a:extLst>
+          </a:blip>
+          <a:srcRect/>
+          <a:stretch>
+            <a:fillRect/>
+          </a:stretch>
+        </p:blipFill>
+        <p:spPr bwMode="auto">
+          <a:xfrm>
+            <a:off x="6040410" y="3066369"/>
+            <a:ext cx="1216599" cy="473333"/>
+          </a:xfrm>
+          <a:prstGeom prst="rect">
+            <a:avLst/>
+          </a:prstGeom>
+          <a:noFill/>
+          <a:extLst>
+            <a:ext uri="{909E8E84-426E-40DD-AFC4-6F175D3DCCD1}">
+              <a14:hiddenFill xmlns:a14="http://schemas.microsoft.com/office/drawing/2010/main">
+                <a:solidFill>
+                  <a:srgbClr val="FFFFFF"/>
+                </a:solidFill>
+              </a14:hiddenFill>
+            </a:ext>
+          </a:extLst>
+        </p:spPr>
+      </p:pic>
+      <p:sp>
+        <p:nvSpPr>
+          <p:cNvPr id="14" name="ZoneTexte 13">
+            <a:extLst>
+              <a:ext uri="{FF2B5EF4-FFF2-40B4-BE49-F238E27FC236}">
+                <a16:creationId xmlns:a16="http://schemas.microsoft.com/office/drawing/2014/main" id="{E6BB9346-FE25-46D0-99E6-AF08FFFE6E0B}"/>
+              </a:ext>
+            </a:extLst>
+          </p:cNvPr>
+          <p:cNvSpPr txBox="1"/>
+          <p:nvPr/>
+        </p:nvSpPr>
+        <p:spPr>
+          <a:xfrm>
+            <a:off x="7312879" y="3057307"/>
+            <a:ext cx="2539285" cy="369332"/>
+          </a:xfrm>
+          <a:prstGeom prst="rect">
+            <a:avLst/>
+          </a:prstGeom>
+          <a:noFill/>
+        </p:spPr>
+        <p:txBody>
+          <a:bodyPr wrap="none" rtlCol="0">
+            <a:spAutoFit/>
+          </a:bodyPr>
+          <a:lstStyle/>
+          <a:p>
+            <a:r>
+              <a:rPr lang="fr-CA" dirty="0">
+                <a:hlinkClick r:id="rId18"/>
+              </a:rPr>
+              <a:t>http://npmjs.ezoqc.com/</a:t>
+            </a:r>
+            <a:endParaRPr lang="fr-CA" dirty="0"/>
+          </a:p>
+        </p:txBody>
+      </p:sp>
+      <p:sp>
+        <p:nvSpPr>
+          <p:cNvPr id="15" name="ZoneTexte 14">
+            <a:extLst>
+              <a:ext uri="{FF2B5EF4-FFF2-40B4-BE49-F238E27FC236}">
+                <a16:creationId xmlns:a16="http://schemas.microsoft.com/office/drawing/2014/main" id="{FA0F7E6D-A8F6-48E2-8957-7D4031CE76C5}"/>
+              </a:ext>
+            </a:extLst>
+          </p:cNvPr>
+          <p:cNvSpPr txBox="1"/>
+          <p:nvPr/>
+        </p:nvSpPr>
+        <p:spPr>
+          <a:xfrm>
+            <a:off x="5857179" y="1583587"/>
+            <a:ext cx="1578445" cy="584775"/>
+          </a:xfrm>
+          <a:prstGeom prst="rect">
+            <a:avLst/>
+          </a:prstGeom>
+          <a:noFill/>
+        </p:spPr>
+        <p:txBody>
+          <a:bodyPr wrap="none" rtlCol="0">
+            <a:spAutoFit/>
+          </a:bodyPr>
+          <a:lstStyle/>
+          <a:p>
+            <a:r>
+              <a:rPr lang="fr-CA" sz="3200" dirty="0"/>
+              <a:t>partout!</a:t>
+            </a:r>
+          </a:p>
+        </p:txBody>
+      </p:sp>
+      <p:sp>
+        <p:nvSpPr>
+          <p:cNvPr id="16" name="ZoneTexte 15">
+            <a:extLst>
+              <a:ext uri="{FF2B5EF4-FFF2-40B4-BE49-F238E27FC236}">
+                <a16:creationId xmlns:a16="http://schemas.microsoft.com/office/drawing/2014/main" id="{927DA3E9-4EA5-46C5-93C3-FC61696BF9D3}"/>
+              </a:ext>
+            </a:extLst>
+          </p:cNvPr>
+          <p:cNvSpPr txBox="1"/>
+          <p:nvPr/>
+        </p:nvSpPr>
+        <p:spPr>
+          <a:xfrm>
+            <a:off x="5563048" y="2156335"/>
+            <a:ext cx="4658070" cy="369332"/>
+          </a:xfrm>
+          <a:prstGeom prst="rect">
+            <a:avLst/>
+          </a:prstGeom>
+          <a:noFill/>
+        </p:spPr>
+        <p:txBody>
+          <a:bodyPr wrap="none" rtlCol="0">
+            <a:spAutoFit/>
+          </a:bodyPr>
+          <a:lstStyle/>
+          <a:p>
+            <a:r>
+              <a:rPr lang="fr-CA" u="sng" dirty="0"/>
+              <a:t>LA</a:t>
+            </a:r>
+            <a:r>
+              <a:rPr lang="fr-CA" dirty="0"/>
+              <a:t> référence pour les développeurs du Québec.</a:t>
+            </a:r>
+          </a:p>
+        </p:txBody>
+      </p:sp>
+    </p:spTree>
+    <p:extLst>
+      <p:ext uri="{BB962C8B-B14F-4D97-AF65-F5344CB8AC3E}">
+        <p14:creationId xmlns:p14="http://schemas.microsoft.com/office/powerpoint/2010/main" val="3598002737"/>
+      </p:ext>
+    </p:extLst>
+  </p:cSld>
+  <p:clrMapOvr>
+    <a:masterClrMapping/>
+  </p:clrMapOvr>
+</p:sld>
+</file>
+
+<file path=ppt/slides/slide3.xml><?xml version="1.0" encoding="utf-8"?>
+<p:sld xmlns:a="http://schemas.openxmlformats.org/drawingml/2006/main" xmlns:r="http://schemas.openxmlformats.org/officeDocument/2006/relationships" xmlns:p="http://schemas.openxmlformats.org/presentationml/2006/main">
+  <p:cSld>
+    <p:spTree>
+      <p:nvGrpSpPr>
+        <p:cNvPr id="1" name=""/>
+        <p:cNvGrpSpPr/>
+        <p:nvPr/>
+      </p:nvGrpSpPr>
+      <p:grpSpPr>
+        <a:xfrm>
+          <a:off x="0" y="0"/>
+          <a:ext cx="0" cy="0"/>
+          <a:chOff x="0" y="0"/>
+          <a:chExt cx="0" cy="0"/>
+        </a:xfrm>
+      </p:grpSpPr>
+      <p:sp>
+        <p:nvSpPr>
+          <p:cNvPr id="2" name="Titre 1">
+            <a:extLst>
+              <a:ext uri="{FF2B5EF4-FFF2-40B4-BE49-F238E27FC236}">
+                <a16:creationId xmlns:a16="http://schemas.microsoft.com/office/drawing/2014/main" id="{2568979B-42D7-4F7A-8480-B0D5AA66FAC9}"/>
+              </a:ext>
+            </a:extLst>
+          </p:cNvPr>
+          <p:cNvSpPr>
+            <a:spLocks noGrp="1"/>
+          </p:cNvSpPr>
+          <p:nvPr>
+            <p:ph type="title"/>
+          </p:nvPr>
+        </p:nvSpPr>
+        <p:spPr/>
+        <p:txBody>
+          <a:bodyPr/>
+          <a:lstStyle/>
+          <a:p>
+            <a:r>
+              <a:rPr lang="fr-CA" dirty="0"/>
+              <a:t>Qui suis-je?</a:t>
+            </a:r>
+          </a:p>
+        </p:txBody>
+      </p:sp>
+      <p:sp>
+        <p:nvSpPr>
+          <p:cNvPr id="3" name="Espace réservé du contenu 2">
+            <a:extLst>
+              <a:ext uri="{FF2B5EF4-FFF2-40B4-BE49-F238E27FC236}">
+                <a16:creationId xmlns:a16="http://schemas.microsoft.com/office/drawing/2014/main" id="{1174FFCB-81FE-4A5E-AFE8-D1ED56E48199}"/>
+              </a:ext>
+            </a:extLst>
+          </p:cNvPr>
+          <p:cNvSpPr>
+            <a:spLocks noGrp="1"/>
+          </p:cNvSpPr>
+          <p:nvPr>
+            <p:ph idx="1"/>
+          </p:nvPr>
+        </p:nvSpPr>
+        <p:spPr>
+          <a:xfrm>
+            <a:off x="838200" y="1798992"/>
+            <a:ext cx="7107315" cy="4351338"/>
+          </a:xfrm>
+        </p:spPr>
+        <p:txBody>
+          <a:bodyPr/>
+          <a:lstStyle/>
+          <a:p>
+            <a:r>
+              <a:rPr lang="fr-CA" dirty="0"/>
+              <a:t>Coprésident et cofondateur (1 an)</a:t>
+            </a:r>
+          </a:p>
+          <a:p>
+            <a:r>
+              <a:rPr lang="fr-CA" dirty="0"/>
+              <a:t>Architecte organique (2+ ans)</a:t>
+            </a:r>
+          </a:p>
+          <a:p>
+            <a:r>
+              <a:rPr lang="fr-CA" dirty="0"/>
+              <a:t>Développeur Full-Stack (6+ ans)</a:t>
+            </a:r>
+          </a:p>
+          <a:p>
+            <a:r>
+              <a:rPr lang="fr-CA" dirty="0"/>
+              <a:t>Spécialisation en Web</a:t>
+            </a:r>
+          </a:p>
+          <a:p>
+            <a:pPr lvl="1"/>
+            <a:r>
+              <a:rPr lang="fr-CA" dirty="0"/>
+              <a:t>Java, C#, PHP, JavaScript, </a:t>
+            </a:r>
+            <a:r>
+              <a:rPr lang="fr-CA" dirty="0" err="1"/>
+              <a:t>TypeScript</a:t>
+            </a:r>
+            <a:r>
+              <a:rPr lang="fr-CA" dirty="0"/>
+              <a:t>, Ruby on Rails, CSS3, HTML5</a:t>
+            </a:r>
+          </a:p>
+          <a:p>
+            <a:r>
+              <a:rPr lang="fr-CA" i="1" dirty="0"/>
+              <a:t>Coach</a:t>
+            </a:r>
+            <a:r>
+              <a:rPr lang="fr-CA" dirty="0"/>
+              <a:t> technique et formateur</a:t>
+            </a:r>
+          </a:p>
+          <a:p>
+            <a:pPr lvl="1"/>
+            <a:r>
+              <a:rPr lang="fr-CA" dirty="0"/>
+              <a:t>Bonnes pratiques, code propre, architecture propre, principes OO avancés</a:t>
+            </a:r>
+          </a:p>
+        </p:txBody>
+      </p:sp>
+      <p:pic>
+        <p:nvPicPr>
+          <p:cNvPr id="5" name="Image 4">
+            <a:extLst>
+              <a:ext uri="{FF2B5EF4-FFF2-40B4-BE49-F238E27FC236}">
+                <a16:creationId xmlns:a16="http://schemas.microsoft.com/office/drawing/2014/main" id="{0DF294AB-DB58-426F-8F23-E8D5F3CEA80D}"/>
+              </a:ext>
+            </a:extLst>
+          </p:cNvPr>
+          <p:cNvPicPr>
+            <a:picLocks noChangeAspect="1"/>
+          </p:cNvPicPr>
+          <p:nvPr/>
+        </p:nvPicPr>
+        <p:blipFill>
+          <a:blip r:embed="rId2">
+            <a:extLst>
+              <a:ext uri="{28A0092B-C50C-407E-A947-70E740481C1C}">
+                <a14:useLocalDpi xmlns:a14="http://schemas.microsoft.com/office/drawing/2010/main" val="0"/>
+              </a:ext>
+            </a:extLst>
+          </a:blip>
+          <a:stretch>
+            <a:fillRect/>
+          </a:stretch>
+        </p:blipFill>
+        <p:spPr>
+          <a:xfrm>
+            <a:off x="7945515" y="1267603"/>
+            <a:ext cx="3175130" cy="4233507"/>
+          </a:xfrm>
+          <a:prstGeom prst="rect">
+            <a:avLst/>
+          </a:prstGeom>
+        </p:spPr>
+      </p:pic>
+      <p:sp>
+        <p:nvSpPr>
+          <p:cNvPr id="6" name="ZoneTexte 5">
+            <a:extLst>
+              <a:ext uri="{FF2B5EF4-FFF2-40B4-BE49-F238E27FC236}">
+                <a16:creationId xmlns:a16="http://schemas.microsoft.com/office/drawing/2014/main" id="{86154FAF-CACE-42BB-9846-549EAB3A534E}"/>
+              </a:ext>
+            </a:extLst>
+          </p:cNvPr>
+          <p:cNvSpPr txBox="1"/>
+          <p:nvPr/>
+        </p:nvSpPr>
+        <p:spPr>
+          <a:xfrm>
+            <a:off x="8256159" y="5501110"/>
+            <a:ext cx="2553841" cy="369332"/>
+          </a:xfrm>
+          <a:prstGeom prst="rect">
+            <a:avLst/>
+          </a:prstGeom>
+          <a:noFill/>
+        </p:spPr>
+        <p:txBody>
+          <a:bodyPr wrap="none" rtlCol="0">
+            <a:spAutoFit/>
+          </a:bodyPr>
+          <a:lstStyle/>
+          <a:p>
+            <a:r>
+              <a:rPr lang="fr-CA" dirty="0"/>
+              <a:t>Sylvain Cloutier – Ezo </a:t>
+            </a:r>
+            <a:r>
+              <a:rPr lang="fr-CA" dirty="0" err="1"/>
+              <a:t>inc.</a:t>
+            </a:r>
+            <a:endParaRPr lang="fr-CA" dirty="0"/>
+          </a:p>
+        </p:txBody>
+      </p:sp>
+    </p:spTree>
+    <p:extLst>
+      <p:ext uri="{BB962C8B-B14F-4D97-AF65-F5344CB8AC3E}">
+        <p14:creationId xmlns:p14="http://schemas.microsoft.com/office/powerpoint/2010/main" val="969844067"/>
+      </p:ext>
+    </p:extLst>
+  </p:cSld>
+  <p:clrMapOvr>
+    <a:masterClrMapping/>
+  </p:clrMapOvr>
+</p:sld>
+</file>
+
+<file path=ppt/slides/slide4.xml><?xml version="1.0" encoding="utf-8"?>
+<p:sld xmlns:a="http://schemas.openxmlformats.org/drawingml/2006/main" xmlns:r="http://schemas.openxmlformats.org/officeDocument/2006/relationships" xmlns:p="http://schemas.openxmlformats.org/presentationml/2006/main">
+  <p:cSld>
+    <p:spTree>
+      <p:nvGrpSpPr>
+        <p:cNvPr id="1" name=""/>
+        <p:cNvGrpSpPr/>
+        <p:nvPr/>
+      </p:nvGrpSpPr>
+      <p:grpSpPr>
+        <a:xfrm>
+          <a:off x="0" y="0"/>
+          <a:ext cx="0" cy="0"/>
+          <a:chOff x="0" y="0"/>
+          <a:chExt cx="0" cy="0"/>
+        </a:xfrm>
+      </p:grpSpPr>
       <p:sp>
         <p:nvSpPr>
           <p:cNvPr id="2" name="Titre 1">
@@ -3622,7 +4702,46 @@
           <a:bodyPr/>
           <a:lstStyle/>
           <a:p>
-            <a:endParaRPr lang="fr-CA" dirty="0"/>
+            <a:r>
+              <a:rPr lang="fr-CA" dirty="0"/>
+              <a:t>Présentation et historique</a:t>
+            </a:r>
+          </a:p>
+          <a:p>
+            <a:r>
+              <a:rPr lang="fr-CA" dirty="0"/>
+              <a:t>Fonctionnement d’un site web</a:t>
+            </a:r>
+          </a:p>
+          <a:p>
+            <a:r>
+              <a:rPr lang="fr-CA" dirty="0"/>
+              <a:t>Les bases : Éléments et attributs</a:t>
+            </a:r>
+          </a:p>
+          <a:p>
+            <a:r>
+              <a:rPr lang="fr-CA" dirty="0"/>
+              <a:t>Le squelette HTML5</a:t>
+            </a:r>
+          </a:p>
+          <a:p>
+            <a:r>
+              <a:rPr lang="fr-CA" dirty="0"/>
+              <a:t>Texte et mise en page</a:t>
+            </a:r>
+          </a:p>
+          <a:p>
+            <a:r>
+              <a:rPr lang="fr-CA" dirty="0"/>
+              <a:t>Contrôles utilisateurs et formulaires</a:t>
+            </a:r>
+          </a:p>
+          <a:p>
+            <a:r>
+              <a:rPr lang="fr-CA" dirty="0"/>
+              <a:t>Les ressources externes</a:t>
+            </a:r>
           </a:p>
         </p:txBody>
       </p:sp>
@@ -3630,6 +4749,364 @@
     <p:extLst>
       <p:ext uri="{BB962C8B-B14F-4D97-AF65-F5344CB8AC3E}">
         <p14:creationId xmlns:p14="http://schemas.microsoft.com/office/powerpoint/2010/main" val="2773367191"/>
+      </p:ext>
+    </p:extLst>
+  </p:cSld>
+  <p:clrMapOvr>
+    <a:masterClrMapping/>
+  </p:clrMapOvr>
+</p:sld>
+</file>
+
+<file path=ppt/slides/slide5.xml><?xml version="1.0" encoding="utf-8"?>
+<p:sld xmlns:a="http://schemas.openxmlformats.org/drawingml/2006/main" xmlns:r="http://schemas.openxmlformats.org/officeDocument/2006/relationships" xmlns:p="http://schemas.openxmlformats.org/presentationml/2006/main">
+  <p:cSld>
+    <p:spTree>
+      <p:nvGrpSpPr>
+        <p:cNvPr id="1" name=""/>
+        <p:cNvGrpSpPr/>
+        <p:nvPr/>
+      </p:nvGrpSpPr>
+      <p:grpSpPr>
+        <a:xfrm>
+          <a:off x="0" y="0"/>
+          <a:ext cx="0" cy="0"/>
+          <a:chOff x="0" y="0"/>
+          <a:chExt cx="0" cy="0"/>
+        </a:xfrm>
+      </p:grpSpPr>
+      <p:sp>
+        <p:nvSpPr>
+          <p:cNvPr id="2" name="Titre 1">
+            <a:extLst>
+              <a:ext uri="{FF2B5EF4-FFF2-40B4-BE49-F238E27FC236}">
+                <a16:creationId xmlns:a16="http://schemas.microsoft.com/office/drawing/2014/main" id="{300C8506-5D9D-4F33-802B-DDDFCAF516E1}"/>
+              </a:ext>
+            </a:extLst>
+          </p:cNvPr>
+          <p:cNvSpPr>
+            <a:spLocks noGrp="1"/>
+          </p:cNvSpPr>
+          <p:nvPr>
+            <p:ph type="title"/>
+          </p:nvPr>
+        </p:nvSpPr>
+        <p:spPr/>
+        <p:txBody>
+          <a:bodyPr/>
+          <a:lstStyle/>
+          <a:p>
+            <a:r>
+              <a:rPr lang="fr-CA" dirty="0"/>
+              <a:t>HyperText </a:t>
+            </a:r>
+            <a:r>
+              <a:rPr lang="fr-CA" dirty="0" err="1"/>
+              <a:t>Markup</a:t>
+            </a:r>
+            <a:r>
+              <a:rPr lang="fr-CA" dirty="0"/>
+              <a:t> </a:t>
+            </a:r>
+            <a:r>
+              <a:rPr lang="fr-CA" dirty="0" err="1"/>
+              <a:t>Language</a:t>
+            </a:r>
+            <a:endParaRPr lang="fr-CA" dirty="0"/>
+          </a:p>
+        </p:txBody>
+      </p:sp>
+      <p:sp>
+        <p:nvSpPr>
+          <p:cNvPr id="3" name="Espace réservé du contenu 2">
+            <a:extLst>
+              <a:ext uri="{FF2B5EF4-FFF2-40B4-BE49-F238E27FC236}">
+                <a16:creationId xmlns:a16="http://schemas.microsoft.com/office/drawing/2014/main" id="{27B5F310-4421-4A90-BE49-9B7303992010}"/>
+              </a:ext>
+            </a:extLst>
+          </p:cNvPr>
+          <p:cNvSpPr>
+            <a:spLocks noGrp="1"/>
+          </p:cNvSpPr>
+          <p:nvPr>
+            <p:ph idx="1"/>
+          </p:nvPr>
+        </p:nvSpPr>
+        <p:spPr>
+          <a:xfrm>
+            <a:off x="838200" y="1825625"/>
+            <a:ext cx="6255058" cy="4351338"/>
+          </a:xfrm>
+        </p:spPr>
+        <p:txBody>
+          <a:bodyPr/>
+          <a:lstStyle/>
+          <a:p>
+            <a:r>
+              <a:rPr lang="fr-CA" dirty="0"/>
+              <a:t>Créé en 1993 (25 ans </a:t>
+            </a:r>
+            <a:r>
+              <a:rPr lang="fr-CA" dirty="0">
+                <a:sym typeface="Wingdings" panose="05000000000000000000" pitchFamily="2" charset="2"/>
+              </a:rPr>
+              <a:t>)</a:t>
+            </a:r>
+          </a:p>
+          <a:p>
+            <a:r>
+              <a:rPr lang="fr-CA" dirty="0">
+                <a:sym typeface="Wingdings" panose="05000000000000000000" pitchFamily="2" charset="2"/>
+              </a:rPr>
+              <a:t>Version 5.1 2</a:t>
+            </a:r>
+            <a:r>
+              <a:rPr lang="fr-CA" baseline="30000" dirty="0">
+                <a:sym typeface="Wingdings" panose="05000000000000000000" pitchFamily="2" charset="2"/>
+              </a:rPr>
+              <a:t>nd</a:t>
+            </a:r>
+            <a:r>
+              <a:rPr lang="fr-CA" dirty="0">
+                <a:sym typeface="Wingdings" panose="05000000000000000000" pitchFamily="2" charset="2"/>
+              </a:rPr>
+              <a:t> Edition (5.2 en cours)</a:t>
+            </a:r>
+          </a:p>
+          <a:p>
+            <a:r>
+              <a:rPr lang="fr-CA" dirty="0"/>
+              <a:t>Est une extension du SGML (standard </a:t>
+            </a:r>
+            <a:r>
+              <a:rPr lang="fr-CA" dirty="0" err="1"/>
+              <a:t>generalized</a:t>
+            </a:r>
+            <a:r>
+              <a:rPr lang="fr-CA" dirty="0"/>
+              <a:t> </a:t>
+            </a:r>
+            <a:r>
+              <a:rPr lang="fr-CA" dirty="0" err="1"/>
+              <a:t>markup</a:t>
+            </a:r>
+            <a:r>
+              <a:rPr lang="fr-CA" dirty="0"/>
+              <a:t> </a:t>
+            </a:r>
+            <a:r>
+              <a:rPr lang="fr-CA" dirty="0" err="1"/>
+              <a:t>language</a:t>
+            </a:r>
+            <a:r>
+              <a:rPr lang="fr-CA" dirty="0"/>
+              <a:t>)</a:t>
+            </a:r>
+          </a:p>
+          <a:p>
+            <a:r>
+              <a:rPr lang="fr-CA" dirty="0"/>
+              <a:t>Est étendu sous XHTML (</a:t>
+            </a:r>
+            <a:r>
+              <a:rPr lang="fr-CA" dirty="0" err="1"/>
+              <a:t>eXtensible</a:t>
+            </a:r>
+            <a:r>
+              <a:rPr lang="fr-CA" dirty="0"/>
+              <a:t> HTML)</a:t>
+            </a:r>
+          </a:p>
+          <a:p>
+            <a:r>
+              <a:rPr lang="fr-CA" dirty="0"/>
+              <a:t>Séparer la présentation du contenu</a:t>
+            </a:r>
+          </a:p>
+          <a:p>
+            <a:r>
+              <a:rPr lang="fr-CA" dirty="0"/>
+              <a:t>HTML Sémantique</a:t>
+            </a:r>
+          </a:p>
+          <a:p>
+            <a:endParaRPr lang="fr-CA" dirty="0"/>
+          </a:p>
+        </p:txBody>
+      </p:sp>
+      <p:pic>
+        <p:nvPicPr>
+          <p:cNvPr id="1026" name="Picture 2" descr="HTML5 logo and wordmark.svg">
+            <a:extLst>
+              <a:ext uri="{FF2B5EF4-FFF2-40B4-BE49-F238E27FC236}">
+                <a16:creationId xmlns:a16="http://schemas.microsoft.com/office/drawing/2014/main" id="{B6DA7031-558B-4229-AB94-9407C1EA367A}"/>
+              </a:ext>
+            </a:extLst>
+          </p:cNvPr>
+          <p:cNvPicPr>
+            <a:picLocks noChangeAspect="1" noChangeArrowheads="1"/>
+          </p:cNvPicPr>
+          <p:nvPr/>
+        </p:nvPicPr>
+        <p:blipFill>
+          <a:blip r:embed="rId2">
+            <a:extLst>
+              <a:ext uri="{28A0092B-C50C-407E-A947-70E740481C1C}">
+                <a14:useLocalDpi xmlns:a14="http://schemas.microsoft.com/office/drawing/2010/main" val="0"/>
+              </a:ext>
+            </a:extLst>
+          </a:blip>
+          <a:srcRect/>
+          <a:stretch>
+            <a:fillRect/>
+          </a:stretch>
+        </p:blipFill>
+        <p:spPr bwMode="auto">
+          <a:xfrm>
+            <a:off x="7093258" y="809523"/>
+            <a:ext cx="4876800" cy="4876800"/>
+          </a:xfrm>
+          <a:prstGeom prst="rect">
+            <a:avLst/>
+          </a:prstGeom>
+          <a:noFill/>
+          <a:extLst>
+            <a:ext uri="{909E8E84-426E-40DD-AFC4-6F175D3DCCD1}">
+              <a14:hiddenFill xmlns:a14="http://schemas.microsoft.com/office/drawing/2010/main">
+                <a:solidFill>
+                  <a:srgbClr val="FFFFFF"/>
+                </a:solidFill>
+              </a14:hiddenFill>
+            </a:ext>
+          </a:extLst>
+        </p:spPr>
+      </p:pic>
+    </p:spTree>
+    <p:extLst>
+      <p:ext uri="{BB962C8B-B14F-4D97-AF65-F5344CB8AC3E}">
+        <p14:creationId xmlns:p14="http://schemas.microsoft.com/office/powerpoint/2010/main" val="3245321743"/>
+      </p:ext>
+    </p:extLst>
+  </p:cSld>
+  <p:clrMapOvr>
+    <a:masterClrMapping/>
+  </p:clrMapOvr>
+</p:sld>
+</file>
+
+<file path=ppt/slides/slide6.xml><?xml version="1.0" encoding="utf-8"?>
+<p:sld xmlns:a="http://schemas.openxmlformats.org/drawingml/2006/main" xmlns:r="http://schemas.openxmlformats.org/officeDocument/2006/relationships" xmlns:p="http://schemas.openxmlformats.org/presentationml/2006/main">
+  <p:cSld>
+    <p:spTree>
+      <p:nvGrpSpPr>
+        <p:cNvPr id="1" name=""/>
+        <p:cNvGrpSpPr/>
+        <p:nvPr/>
+      </p:nvGrpSpPr>
+      <p:grpSpPr>
+        <a:xfrm>
+          <a:off x="0" y="0"/>
+          <a:ext cx="0" cy="0"/>
+          <a:chOff x="0" y="0"/>
+          <a:chExt cx="0" cy="0"/>
+        </a:xfrm>
+      </p:grpSpPr>
+      <p:sp>
+        <p:nvSpPr>
+          <p:cNvPr id="2" name="Titre 1">
+            <a:extLst>
+              <a:ext uri="{FF2B5EF4-FFF2-40B4-BE49-F238E27FC236}">
+                <a16:creationId xmlns:a16="http://schemas.microsoft.com/office/drawing/2014/main" id="{F712F2C4-3CAD-4400-9051-7A83BC7C3063}"/>
+              </a:ext>
+            </a:extLst>
+          </p:cNvPr>
+          <p:cNvSpPr>
+            <a:spLocks noGrp="1"/>
+          </p:cNvSpPr>
+          <p:nvPr>
+            <p:ph type="title"/>
+          </p:nvPr>
+        </p:nvSpPr>
+        <p:spPr/>
+        <p:txBody>
+          <a:bodyPr/>
+          <a:lstStyle/>
+          <a:p>
+            <a:r>
+              <a:rPr lang="fr-CA" dirty="0"/>
+              <a:t>Qu’est-ce qu’un site web?</a:t>
+            </a:r>
+          </a:p>
+        </p:txBody>
+      </p:sp>
+      <p:sp>
+        <p:nvSpPr>
+          <p:cNvPr id="3" name="Espace réservé du contenu 2">
+            <a:extLst>
+              <a:ext uri="{FF2B5EF4-FFF2-40B4-BE49-F238E27FC236}">
+                <a16:creationId xmlns:a16="http://schemas.microsoft.com/office/drawing/2014/main" id="{E80DFC92-1605-4366-B4EC-C23BBEEBEE8F}"/>
+              </a:ext>
+            </a:extLst>
+          </p:cNvPr>
+          <p:cNvSpPr>
+            <a:spLocks noGrp="1"/>
+          </p:cNvSpPr>
+          <p:nvPr>
+            <p:ph idx="1"/>
+          </p:nvPr>
+        </p:nvSpPr>
+        <p:spPr/>
+        <p:txBody>
+          <a:bodyPr/>
+          <a:lstStyle/>
+          <a:p>
+            <a:r>
+              <a:rPr lang="fr-CA" dirty="0"/>
+              <a:t>Client (visiteur)</a:t>
+            </a:r>
+          </a:p>
+          <a:p>
+            <a:r>
+              <a:rPr lang="fr-CA" dirty="0"/>
+              <a:t>Fureteur</a:t>
+            </a:r>
+          </a:p>
+          <a:p>
+            <a:r>
+              <a:rPr lang="fr-CA" dirty="0"/>
+              <a:t>Protocol HTTP (requêtes et réponses)</a:t>
+            </a:r>
+          </a:p>
+          <a:p>
+            <a:r>
+              <a:rPr lang="fr-CA" dirty="0"/>
+              <a:t>Les serveurs web</a:t>
+            </a:r>
+          </a:p>
+          <a:p>
+            <a:r>
+              <a:rPr lang="fr-CA" dirty="0"/>
+              <a:t>Les Cookies/Sessions</a:t>
+            </a:r>
+          </a:p>
+          <a:p>
+            <a:r>
+              <a:rPr lang="fr-CA" dirty="0"/>
+              <a:t>Sites dynamiques vs statiques</a:t>
+            </a:r>
+          </a:p>
+          <a:p>
+            <a:r>
+              <a:rPr lang="fr-CA" dirty="0"/>
+              <a:t>Réactifs vs Adaptatifs</a:t>
+            </a:r>
+          </a:p>
+        </p:txBody>
+      </p:sp>
+    </p:spTree>
+    <p:extLst>
+      <p:ext uri="{BB962C8B-B14F-4D97-AF65-F5344CB8AC3E}">
+        <p14:creationId xmlns:p14="http://schemas.microsoft.com/office/powerpoint/2010/main" val="1860759266"/>
       </p:ext>
     </p:extLst>
   </p:cSld>

--- a/HTML/1. Présentation/Cours HTML - v1.0.pptx
+++ b/HTML/1. Présentation/Cours HTML - v1.0.pptx
@@ -11,6 +11,9 @@
     <p:sldId id="257" r:id="rId5"/>
     <p:sldId id="258" r:id="rId6"/>
     <p:sldId id="261" r:id="rId7"/>
+    <p:sldId id="262" r:id="rId8"/>
+    <p:sldId id="263" r:id="rId9"/>
+    <p:sldId id="264" r:id="rId10"/>
   </p:sldIdLst>
   <p:sldSz cx="12192000" cy="6858000"/>
   <p:notesSz cx="6858000" cy="9144000"/>
@@ -270,7 +273,7 @@
           <a:p>
             <a:fld id="{7946004B-0E6B-4AC3-A8D3-BFF0512C2F93}" type="datetimeFigureOut">
               <a:rPr lang="fr-CA" smtClean="0"/>
-              <a:t>2018-02-06</a:t>
+              <a:t>2018-02-07</a:t>
             </a:fld>
             <a:endParaRPr lang="fr-CA"/>
           </a:p>
@@ -470,7 +473,7 @@
           <a:p>
             <a:fld id="{7946004B-0E6B-4AC3-A8D3-BFF0512C2F93}" type="datetimeFigureOut">
               <a:rPr lang="fr-CA" smtClean="0"/>
-              <a:t>2018-02-06</a:t>
+              <a:t>2018-02-07</a:t>
             </a:fld>
             <a:endParaRPr lang="fr-CA"/>
           </a:p>
@@ -680,7 +683,7 @@
           <a:p>
             <a:fld id="{7946004B-0E6B-4AC3-A8D3-BFF0512C2F93}" type="datetimeFigureOut">
               <a:rPr lang="fr-CA" smtClean="0"/>
-              <a:t>2018-02-06</a:t>
+              <a:t>2018-02-07</a:t>
             </a:fld>
             <a:endParaRPr lang="fr-CA"/>
           </a:p>
@@ -880,7 +883,7 @@
           <a:p>
             <a:fld id="{7946004B-0E6B-4AC3-A8D3-BFF0512C2F93}" type="datetimeFigureOut">
               <a:rPr lang="fr-CA" smtClean="0"/>
-              <a:t>2018-02-06</a:t>
+              <a:t>2018-02-07</a:t>
             </a:fld>
             <a:endParaRPr lang="fr-CA"/>
           </a:p>
@@ -1156,7 +1159,7 @@
           <a:p>
             <a:fld id="{7946004B-0E6B-4AC3-A8D3-BFF0512C2F93}" type="datetimeFigureOut">
               <a:rPr lang="fr-CA" smtClean="0"/>
-              <a:t>2018-02-06</a:t>
+              <a:t>2018-02-07</a:t>
             </a:fld>
             <a:endParaRPr lang="fr-CA"/>
           </a:p>
@@ -1424,7 +1427,7 @@
           <a:p>
             <a:fld id="{7946004B-0E6B-4AC3-A8D3-BFF0512C2F93}" type="datetimeFigureOut">
               <a:rPr lang="fr-CA" smtClean="0"/>
-              <a:t>2018-02-06</a:t>
+              <a:t>2018-02-07</a:t>
             </a:fld>
             <a:endParaRPr lang="fr-CA"/>
           </a:p>
@@ -1839,7 +1842,7 @@
           <a:p>
             <a:fld id="{7946004B-0E6B-4AC3-A8D3-BFF0512C2F93}" type="datetimeFigureOut">
               <a:rPr lang="fr-CA" smtClean="0"/>
-              <a:t>2018-02-06</a:t>
+              <a:t>2018-02-07</a:t>
             </a:fld>
             <a:endParaRPr lang="fr-CA"/>
           </a:p>
@@ -1981,7 +1984,7 @@
           <a:p>
             <a:fld id="{7946004B-0E6B-4AC3-A8D3-BFF0512C2F93}" type="datetimeFigureOut">
               <a:rPr lang="fr-CA" smtClean="0"/>
-              <a:t>2018-02-06</a:t>
+              <a:t>2018-02-07</a:t>
             </a:fld>
             <a:endParaRPr lang="fr-CA"/>
           </a:p>
@@ -2094,7 +2097,7 @@
           <a:p>
             <a:fld id="{7946004B-0E6B-4AC3-A8D3-BFF0512C2F93}" type="datetimeFigureOut">
               <a:rPr lang="fr-CA" smtClean="0"/>
-              <a:t>2018-02-06</a:t>
+              <a:t>2018-02-07</a:t>
             </a:fld>
             <a:endParaRPr lang="fr-CA"/>
           </a:p>
@@ -2407,7 +2410,7 @@
           <a:p>
             <a:fld id="{7946004B-0E6B-4AC3-A8D3-BFF0512C2F93}" type="datetimeFigureOut">
               <a:rPr lang="fr-CA" smtClean="0"/>
-              <a:t>2018-02-06</a:t>
+              <a:t>2018-02-07</a:t>
             </a:fld>
             <a:endParaRPr lang="fr-CA"/>
           </a:p>
@@ -2696,7 +2699,7 @@
           <a:p>
             <a:fld id="{7946004B-0E6B-4AC3-A8D3-BFF0512C2F93}" type="datetimeFigureOut">
               <a:rPr lang="fr-CA" smtClean="0"/>
-              <a:t>2018-02-06</a:t>
+              <a:t>2018-02-07</a:t>
             </a:fld>
             <a:endParaRPr lang="fr-CA"/>
           </a:p>
@@ -2939,7 +2942,7 @@
           <a:p>
             <a:fld id="{7946004B-0E6B-4AC3-A8D3-BFF0512C2F93}" type="datetimeFigureOut">
               <a:rPr lang="fr-CA" smtClean="0"/>
-              <a:t>2018-02-06</a:t>
+              <a:t>2018-02-07</a:t>
             </a:fld>
             <a:endParaRPr lang="fr-CA"/>
           </a:p>
@@ -5011,6 +5014,36 @@
           <a:chExt cx="0" cy="0"/>
         </a:xfrm>
       </p:grpSpPr>
+      <p:pic>
+        <p:nvPicPr>
+          <p:cNvPr id="4" name="Image 3">
+            <a:extLst>
+              <a:ext uri="{FF2B5EF4-FFF2-40B4-BE49-F238E27FC236}">
+                <a16:creationId xmlns:a16="http://schemas.microsoft.com/office/drawing/2014/main" id="{4E653798-60C9-4511-ACBB-0C2E7A7BC65F}"/>
+              </a:ext>
+            </a:extLst>
+          </p:cNvPr>
+          <p:cNvPicPr>
+            <a:picLocks noChangeAspect="1"/>
+          </p:cNvPicPr>
+          <p:nvPr/>
+        </p:nvPicPr>
+        <p:blipFill>
+          <a:blip r:embed="rId2"/>
+          <a:stretch>
+            <a:fillRect/>
+          </a:stretch>
+        </p:blipFill>
+        <p:spPr>
+          <a:xfrm>
+            <a:off x="6064898" y="1723112"/>
+            <a:ext cx="6127102" cy="5134888"/>
+          </a:xfrm>
+          <a:prstGeom prst="rect">
+            <a:avLst/>
+          </a:prstGeom>
+        </p:spPr>
+      </p:pic>
       <p:sp>
         <p:nvSpPr>
           <p:cNvPr id="2" name="Titre 1">
@@ -5055,7 +5088,12 @@
             <p:ph idx="1"/>
           </p:nvPr>
         </p:nvSpPr>
-        <p:spPr/>
+        <p:spPr>
+          <a:xfrm>
+            <a:off x="838200" y="1825625"/>
+            <a:ext cx="3784600" cy="4351338"/>
+          </a:xfrm>
+        </p:spPr>
         <p:txBody>
           <a:bodyPr/>
           <a:lstStyle/>
@@ -5107,6 +5145,298 @@
     <p:extLst>
       <p:ext uri="{BB962C8B-B14F-4D97-AF65-F5344CB8AC3E}">
         <p14:creationId xmlns:p14="http://schemas.microsoft.com/office/powerpoint/2010/main" val="1860759266"/>
+      </p:ext>
+    </p:extLst>
+  </p:cSld>
+  <p:clrMapOvr>
+    <a:masterClrMapping/>
+  </p:clrMapOvr>
+</p:sld>
+</file>
+
+<file path=ppt/slides/slide7.xml><?xml version="1.0" encoding="utf-8"?>
+<p:sld xmlns:a="http://schemas.openxmlformats.org/drawingml/2006/main" xmlns:r="http://schemas.openxmlformats.org/officeDocument/2006/relationships" xmlns:p="http://schemas.openxmlformats.org/presentationml/2006/main">
+  <p:cSld>
+    <p:spTree>
+      <p:nvGrpSpPr>
+        <p:cNvPr id="1" name=""/>
+        <p:cNvGrpSpPr/>
+        <p:nvPr/>
+      </p:nvGrpSpPr>
+      <p:grpSpPr>
+        <a:xfrm>
+          <a:off x="0" y="0"/>
+          <a:ext cx="0" cy="0"/>
+          <a:chOff x="0" y="0"/>
+          <a:chExt cx="0" cy="0"/>
+        </a:xfrm>
+      </p:grpSpPr>
+      <p:pic>
+        <p:nvPicPr>
+          <p:cNvPr id="7" name="Espace réservé du contenu 6">
+            <a:extLst>
+              <a:ext uri="{FF2B5EF4-FFF2-40B4-BE49-F238E27FC236}">
+                <a16:creationId xmlns:a16="http://schemas.microsoft.com/office/drawing/2014/main" id="{FDCBD8B9-F6BF-4964-BE31-8F1454EC1AC8}"/>
+              </a:ext>
+            </a:extLst>
+          </p:cNvPr>
+          <p:cNvPicPr>
+            <a:picLocks noGrp="1" noChangeAspect="1"/>
+          </p:cNvPicPr>
+          <p:nvPr>
+            <p:ph sz="half" idx="1"/>
+          </p:nvPr>
+        </p:nvPicPr>
+        <p:blipFill>
+          <a:blip r:embed="rId2"/>
+          <a:stretch>
+            <a:fillRect/>
+          </a:stretch>
+        </p:blipFill>
+        <p:spPr>
+          <a:xfrm>
+            <a:off x="1240972" y="1026218"/>
+            <a:ext cx="8630816" cy="5573164"/>
+          </a:xfrm>
+          <a:prstGeom prst="rect">
+            <a:avLst/>
+          </a:prstGeom>
+        </p:spPr>
+      </p:pic>
+      <p:sp>
+        <p:nvSpPr>
+          <p:cNvPr id="8" name="ZoneTexte 7">
+            <a:extLst>
+              <a:ext uri="{FF2B5EF4-FFF2-40B4-BE49-F238E27FC236}">
+                <a16:creationId xmlns:a16="http://schemas.microsoft.com/office/drawing/2014/main" id="{77595D3C-4D68-4A3F-BD9D-0D250F963574}"/>
+              </a:ext>
+            </a:extLst>
+          </p:cNvPr>
+          <p:cNvSpPr txBox="1"/>
+          <p:nvPr/>
+        </p:nvSpPr>
+        <p:spPr>
+          <a:xfrm>
+            <a:off x="1520717" y="656886"/>
+            <a:ext cx="1781321" cy="369332"/>
+          </a:xfrm>
+          <a:prstGeom prst="rect">
+            <a:avLst/>
+          </a:prstGeom>
+          <a:noFill/>
+        </p:spPr>
+        <p:txBody>
+          <a:bodyPr wrap="none" rtlCol="0">
+            <a:spAutoFit/>
+          </a:bodyPr>
+          <a:lstStyle/>
+          <a:p>
+            <a:r>
+              <a:rPr lang="fr-CA" dirty="0"/>
+              <a:t>Le </a:t>
+            </a:r>
+            <a:r>
+              <a:rPr lang="fr-CA" dirty="0" err="1"/>
+              <a:t>protocol</a:t>
+            </a:r>
+            <a:r>
+              <a:rPr lang="fr-CA" dirty="0"/>
+              <a:t> HTTP</a:t>
+            </a:r>
+          </a:p>
+        </p:txBody>
+      </p:sp>
+    </p:spTree>
+    <p:extLst>
+      <p:ext uri="{BB962C8B-B14F-4D97-AF65-F5344CB8AC3E}">
+        <p14:creationId xmlns:p14="http://schemas.microsoft.com/office/powerpoint/2010/main" val="2201622437"/>
+      </p:ext>
+    </p:extLst>
+  </p:cSld>
+  <p:clrMapOvr>
+    <a:masterClrMapping/>
+  </p:clrMapOvr>
+</p:sld>
+</file>
+
+<file path=ppt/slides/slide8.xml><?xml version="1.0" encoding="utf-8"?>
+<p:sld xmlns:a="http://schemas.openxmlformats.org/drawingml/2006/main" xmlns:r="http://schemas.openxmlformats.org/officeDocument/2006/relationships" xmlns:p="http://schemas.openxmlformats.org/presentationml/2006/main">
+  <p:cSld>
+    <p:spTree>
+      <p:nvGrpSpPr>
+        <p:cNvPr id="1" name=""/>
+        <p:cNvGrpSpPr/>
+        <p:nvPr/>
+      </p:nvGrpSpPr>
+      <p:grpSpPr>
+        <a:xfrm>
+          <a:off x="0" y="0"/>
+          <a:ext cx="0" cy="0"/>
+          <a:chOff x="0" y="0"/>
+          <a:chExt cx="0" cy="0"/>
+        </a:xfrm>
+      </p:grpSpPr>
+      <p:sp>
+        <p:nvSpPr>
+          <p:cNvPr id="5" name="Titre 4">
+            <a:extLst>
+              <a:ext uri="{FF2B5EF4-FFF2-40B4-BE49-F238E27FC236}">
+                <a16:creationId xmlns:a16="http://schemas.microsoft.com/office/drawing/2014/main" id="{4906A919-D020-479A-AC5A-D9F539FF3D33}"/>
+              </a:ext>
+            </a:extLst>
+          </p:cNvPr>
+          <p:cNvSpPr>
+            <a:spLocks noGrp="1"/>
+          </p:cNvSpPr>
+          <p:nvPr>
+            <p:ph type="ctrTitle"/>
+          </p:nvPr>
+        </p:nvSpPr>
+        <p:spPr/>
+        <p:txBody>
+          <a:bodyPr/>
+          <a:lstStyle/>
+          <a:p>
+            <a:r>
+              <a:rPr lang="fr-CA" dirty="0"/>
+              <a:t>Exercice #1</a:t>
+            </a:r>
+          </a:p>
+        </p:txBody>
+      </p:sp>
+      <p:sp>
+        <p:nvSpPr>
+          <p:cNvPr id="6" name="Sous-titre 5">
+            <a:extLst>
+              <a:ext uri="{FF2B5EF4-FFF2-40B4-BE49-F238E27FC236}">
+                <a16:creationId xmlns:a16="http://schemas.microsoft.com/office/drawing/2014/main" id="{D4E8AAF7-3291-42EF-8749-155B01266A3A}"/>
+              </a:ext>
+            </a:extLst>
+          </p:cNvPr>
+          <p:cNvSpPr>
+            <a:spLocks noGrp="1"/>
+          </p:cNvSpPr>
+          <p:nvPr>
+            <p:ph type="subTitle" idx="1"/>
+          </p:nvPr>
+        </p:nvSpPr>
+        <p:spPr/>
+        <p:txBody>
+          <a:bodyPr/>
+          <a:lstStyle/>
+          <a:p>
+            <a:r>
+              <a:rPr lang="fr-CA" dirty="0">
+                <a:latin typeface="Consolas" panose="020B0609020204030204" pitchFamily="49" charset="0"/>
+                <a:cs typeface="Consolas" panose="020B0609020204030204" pitchFamily="49" charset="0"/>
+              </a:rPr>
+              <a:t>git clone https://github.com/EzoQC/SAAQ.git</a:t>
+            </a:r>
+          </a:p>
+        </p:txBody>
+      </p:sp>
+    </p:spTree>
+    <p:extLst>
+      <p:ext uri="{BB962C8B-B14F-4D97-AF65-F5344CB8AC3E}">
+        <p14:creationId xmlns:p14="http://schemas.microsoft.com/office/powerpoint/2010/main" val="1086577132"/>
+      </p:ext>
+    </p:extLst>
+  </p:cSld>
+  <p:clrMapOvr>
+    <a:masterClrMapping/>
+  </p:clrMapOvr>
+</p:sld>
+</file>
+
+<file path=ppt/slides/slide9.xml><?xml version="1.0" encoding="utf-8"?>
+<p:sld xmlns:a="http://schemas.openxmlformats.org/drawingml/2006/main" xmlns:r="http://schemas.openxmlformats.org/officeDocument/2006/relationships" xmlns:p="http://schemas.openxmlformats.org/presentationml/2006/main">
+  <p:cSld>
+    <p:spTree>
+      <p:nvGrpSpPr>
+        <p:cNvPr id="1" name=""/>
+        <p:cNvGrpSpPr/>
+        <p:nvPr/>
+      </p:nvGrpSpPr>
+      <p:grpSpPr>
+        <a:xfrm>
+          <a:off x="0" y="0"/>
+          <a:ext cx="0" cy="0"/>
+          <a:chOff x="0" y="0"/>
+          <a:chExt cx="0" cy="0"/>
+        </a:xfrm>
+      </p:grpSpPr>
+      <p:sp>
+        <p:nvSpPr>
+          <p:cNvPr id="2" name="Titre 1">
+            <a:extLst>
+              <a:ext uri="{FF2B5EF4-FFF2-40B4-BE49-F238E27FC236}">
+                <a16:creationId xmlns:a16="http://schemas.microsoft.com/office/drawing/2014/main" id="{5963B50C-81C4-4D24-BDEF-BABC44FB24A7}"/>
+              </a:ext>
+            </a:extLst>
+          </p:cNvPr>
+          <p:cNvSpPr>
+            <a:spLocks noGrp="1"/>
+          </p:cNvSpPr>
+          <p:nvPr>
+            <p:ph type="title"/>
+          </p:nvPr>
+        </p:nvSpPr>
+        <p:spPr/>
+        <p:txBody>
+          <a:bodyPr/>
+          <a:lstStyle/>
+          <a:p>
+            <a:r>
+              <a:rPr lang="fr-CA" dirty="0"/>
+              <a:t>Prérequis</a:t>
+            </a:r>
+          </a:p>
+        </p:txBody>
+      </p:sp>
+      <p:sp>
+        <p:nvSpPr>
+          <p:cNvPr id="3" name="Espace réservé du contenu 2">
+            <a:extLst>
+              <a:ext uri="{FF2B5EF4-FFF2-40B4-BE49-F238E27FC236}">
+                <a16:creationId xmlns:a16="http://schemas.microsoft.com/office/drawing/2014/main" id="{B3E0400B-9B16-4FD8-B968-CBBBBB5413AE}"/>
+              </a:ext>
+            </a:extLst>
+          </p:cNvPr>
+          <p:cNvSpPr>
+            <a:spLocks noGrp="1"/>
+          </p:cNvSpPr>
+          <p:nvPr>
+            <p:ph idx="1"/>
+          </p:nvPr>
+        </p:nvSpPr>
+        <p:spPr/>
+        <p:txBody>
+          <a:bodyPr/>
+          <a:lstStyle/>
+          <a:p>
+            <a:r>
+              <a:rPr lang="fr-CA" dirty="0"/>
+              <a:t>Git</a:t>
+            </a:r>
+          </a:p>
+          <a:p>
+            <a:r>
+              <a:rPr lang="fr-CA" dirty="0"/>
+              <a:t>Node.js</a:t>
+            </a:r>
+          </a:p>
+          <a:p>
+            <a:r>
+              <a:rPr lang="fr-CA" dirty="0"/>
+              <a:t>http-server</a:t>
+            </a:r>
+          </a:p>
+        </p:txBody>
+      </p:sp>
+    </p:spTree>
+    <p:extLst>
+      <p:ext uri="{BB962C8B-B14F-4D97-AF65-F5344CB8AC3E}">
+        <p14:creationId xmlns:p14="http://schemas.microsoft.com/office/powerpoint/2010/main" val="3742702963"/>
       </p:ext>
     </p:extLst>
   </p:cSld>

--- a/HTML/1. Présentation/Cours HTML - v1.0.pptx
+++ b/HTML/1. Présentation/Cours HTML - v1.0.pptx
@@ -5,7 +5,7 @@
     <p:sldMasterId id="2147483684" r:id="rId1"/>
   </p:sldMasterIdLst>
   <p:notesMasterIdLst>
-    <p:notesMasterId r:id="rId45"/>
+    <p:notesMasterId r:id="rId52"/>
   </p:notesMasterIdLst>
   <p:sldIdLst>
     <p:sldId id="256" r:id="rId2"/>
@@ -51,6 +51,13 @@
     <p:sldId id="297" r:id="rId42"/>
     <p:sldId id="298" r:id="rId43"/>
     <p:sldId id="299" r:id="rId44"/>
+    <p:sldId id="306" r:id="rId45"/>
+    <p:sldId id="305" r:id="rId46"/>
+    <p:sldId id="303" r:id="rId47"/>
+    <p:sldId id="304" r:id="rId48"/>
+    <p:sldId id="300" r:id="rId49"/>
+    <p:sldId id="301" r:id="rId50"/>
+    <p:sldId id="302" r:id="rId51"/>
   </p:sldIdLst>
   <p:sldSz cx="12192000" cy="6858000"/>
   <p:notesSz cx="6858000" cy="9144000"/>
@@ -937,6 +944,757 @@
   <dgm:styleLbl name="revTx">
     <dgm:fillClrLst meth="repeat">
       <a:schemeClr val="lt1">
+        <a:alpha val="0"/>
+      </a:schemeClr>
+    </dgm:fillClrLst>
+    <dgm:linClrLst meth="repeat">
+      <a:schemeClr val="dk1">
+        <a:alpha val="0"/>
+      </a:schemeClr>
+    </dgm:linClrLst>
+    <dgm:effectClrLst/>
+    <dgm:txLinClrLst/>
+    <dgm:txFillClrLst meth="repeat">
+      <a:schemeClr val="tx1"/>
+    </dgm:txFillClrLst>
+    <dgm:txEffectClrLst/>
+  </dgm:styleLbl>
+</dgm:colorsDef>
+</file>
+
+<file path=ppt/diagrams/colors10.xml><?xml version="1.0" encoding="utf-8"?>
+<dgm:colorsDef xmlns:dgm="http://schemas.openxmlformats.org/drawingml/2006/diagram" xmlns:a="http://schemas.openxmlformats.org/drawingml/2006/main" uniqueId="urn:microsoft.com/office/officeart/2005/8/colors/accent0_3">
+  <dgm:title val=""/>
+  <dgm:desc val=""/>
+  <dgm:catLst>
+    <dgm:cat type="mainScheme" pri="10300"/>
+  </dgm:catLst>
+  <dgm:styleLbl name="node0">
+    <dgm:fillClrLst meth="repeat">
+      <a:schemeClr val="dk2"/>
+    </dgm:fillClrLst>
+    <dgm:linClrLst meth="repeat">
+      <a:schemeClr val="lt2"/>
+    </dgm:linClrLst>
+    <dgm:effectClrLst/>
+    <dgm:txLinClrLst/>
+    <dgm:txFillClrLst/>
+    <dgm:txEffectClrLst/>
+  </dgm:styleLbl>
+  <dgm:styleLbl name="alignNode1">
+    <dgm:fillClrLst meth="repeat">
+      <a:schemeClr val="dk2"/>
+    </dgm:fillClrLst>
+    <dgm:linClrLst meth="repeat">
+      <a:schemeClr val="dk2"/>
+    </dgm:linClrLst>
+    <dgm:effectClrLst/>
+    <dgm:txLinClrLst/>
+    <dgm:txFillClrLst/>
+    <dgm:txEffectClrLst/>
+  </dgm:styleLbl>
+  <dgm:styleLbl name="node1">
+    <dgm:fillClrLst meth="repeat">
+      <a:schemeClr val="dk2"/>
+    </dgm:fillClrLst>
+    <dgm:linClrLst meth="repeat">
+      <a:schemeClr val="lt2"/>
+    </dgm:linClrLst>
+    <dgm:effectClrLst/>
+    <dgm:txLinClrLst/>
+    <dgm:txFillClrLst/>
+    <dgm:txEffectClrLst/>
+  </dgm:styleLbl>
+  <dgm:styleLbl name="lnNode1">
+    <dgm:fillClrLst meth="repeat">
+      <a:schemeClr val="dk2"/>
+    </dgm:fillClrLst>
+    <dgm:linClrLst meth="repeat">
+      <a:schemeClr val="lt2"/>
+    </dgm:linClrLst>
+    <dgm:effectClrLst/>
+    <dgm:txLinClrLst/>
+    <dgm:txFillClrLst/>
+    <dgm:txEffectClrLst/>
+  </dgm:styleLbl>
+  <dgm:styleLbl name="vennNode1">
+    <dgm:fillClrLst meth="repeat">
+      <a:schemeClr val="dk2">
+        <a:alpha val="50000"/>
+      </a:schemeClr>
+    </dgm:fillClrLst>
+    <dgm:linClrLst meth="repeat">
+      <a:schemeClr val="lt2"/>
+    </dgm:linClrLst>
+    <dgm:effectClrLst/>
+    <dgm:txLinClrLst/>
+    <dgm:txFillClrLst/>
+    <dgm:txEffectClrLst/>
+  </dgm:styleLbl>
+  <dgm:styleLbl name="node2">
+    <dgm:fillClrLst meth="repeat">
+      <a:schemeClr val="dk2"/>
+    </dgm:fillClrLst>
+    <dgm:linClrLst meth="repeat">
+      <a:schemeClr val="lt2"/>
+    </dgm:linClrLst>
+    <dgm:effectClrLst/>
+    <dgm:txLinClrLst/>
+    <dgm:txFillClrLst/>
+    <dgm:txEffectClrLst/>
+  </dgm:styleLbl>
+  <dgm:styleLbl name="node3">
+    <dgm:fillClrLst meth="repeat">
+      <a:schemeClr val="dk2"/>
+    </dgm:fillClrLst>
+    <dgm:linClrLst meth="repeat">
+      <a:schemeClr val="lt2"/>
+    </dgm:linClrLst>
+    <dgm:effectClrLst/>
+    <dgm:txLinClrLst/>
+    <dgm:txFillClrLst/>
+    <dgm:txEffectClrLst/>
+  </dgm:styleLbl>
+  <dgm:styleLbl name="node4">
+    <dgm:fillClrLst meth="repeat">
+      <a:schemeClr val="dk2"/>
+    </dgm:fillClrLst>
+    <dgm:linClrLst meth="repeat">
+      <a:schemeClr val="lt2"/>
+    </dgm:linClrLst>
+    <dgm:effectClrLst/>
+    <dgm:txLinClrLst/>
+    <dgm:txFillClrLst/>
+    <dgm:txEffectClrLst/>
+  </dgm:styleLbl>
+  <dgm:styleLbl name="fgImgPlace1">
+    <dgm:fillClrLst meth="repeat">
+      <a:schemeClr val="dk2">
+        <a:tint val="50000"/>
+      </a:schemeClr>
+    </dgm:fillClrLst>
+    <dgm:linClrLst meth="repeat">
+      <a:schemeClr val="lt2"/>
+    </dgm:linClrLst>
+    <dgm:effectClrLst/>
+    <dgm:txLinClrLst/>
+    <dgm:txFillClrLst meth="repeat">
+      <a:schemeClr val="lt2"/>
+    </dgm:txFillClrLst>
+    <dgm:txEffectClrLst/>
+  </dgm:styleLbl>
+  <dgm:styleLbl name="alignImgPlace1">
+    <dgm:fillClrLst meth="repeat">
+      <a:schemeClr val="dk2">
+        <a:tint val="50000"/>
+      </a:schemeClr>
+    </dgm:fillClrLst>
+    <dgm:linClrLst meth="repeat">
+      <a:schemeClr val="dk2">
+        <a:shade val="80000"/>
+      </a:schemeClr>
+    </dgm:linClrLst>
+    <dgm:effectClrLst/>
+    <dgm:txLinClrLst/>
+    <dgm:txFillClrLst meth="repeat">
+      <a:schemeClr val="lt2"/>
+    </dgm:txFillClrLst>
+    <dgm:txEffectClrLst/>
+  </dgm:styleLbl>
+  <dgm:styleLbl name="bgImgPlace1">
+    <dgm:fillClrLst meth="repeat">
+      <a:schemeClr val="dk2">
+        <a:tint val="50000"/>
+      </a:schemeClr>
+    </dgm:fillClrLst>
+    <dgm:linClrLst meth="repeat">
+      <a:schemeClr val="dk2">
+        <a:shade val="80000"/>
+      </a:schemeClr>
+    </dgm:linClrLst>
+    <dgm:effectClrLst/>
+    <dgm:txLinClrLst/>
+    <dgm:txFillClrLst meth="repeat">
+      <a:schemeClr val="lt2"/>
+    </dgm:txFillClrLst>
+    <dgm:txEffectClrLst/>
+  </dgm:styleLbl>
+  <dgm:styleLbl name="sibTrans2D1">
+    <dgm:fillClrLst meth="repeat">
+      <a:schemeClr val="dk2">
+        <a:tint val="60000"/>
+      </a:schemeClr>
+    </dgm:fillClrLst>
+    <dgm:linClrLst meth="repeat">
+      <a:schemeClr val="dk2">
+        <a:tint val="60000"/>
+      </a:schemeClr>
+    </dgm:linClrLst>
+    <dgm:effectClrLst/>
+    <dgm:txLinClrLst/>
+    <dgm:txFillClrLst/>
+    <dgm:txEffectClrLst/>
+  </dgm:styleLbl>
+  <dgm:styleLbl name="fgSibTrans2D1">
+    <dgm:fillClrLst meth="repeat">
+      <a:schemeClr val="dk2">
+        <a:tint val="60000"/>
+      </a:schemeClr>
+    </dgm:fillClrLst>
+    <dgm:linClrLst meth="repeat">
+      <a:schemeClr val="dk2">
+        <a:tint val="60000"/>
+      </a:schemeClr>
+    </dgm:linClrLst>
+    <dgm:effectClrLst/>
+    <dgm:txLinClrLst/>
+    <dgm:txFillClrLst/>
+    <dgm:txEffectClrLst/>
+  </dgm:styleLbl>
+  <dgm:styleLbl name="bgSibTrans2D1">
+    <dgm:fillClrLst meth="repeat">
+      <a:schemeClr val="dk2">
+        <a:tint val="60000"/>
+      </a:schemeClr>
+    </dgm:fillClrLst>
+    <dgm:linClrLst meth="repeat">
+      <a:schemeClr val="dk2">
+        <a:tint val="60000"/>
+      </a:schemeClr>
+    </dgm:linClrLst>
+    <dgm:effectClrLst/>
+    <dgm:txLinClrLst/>
+    <dgm:txFillClrLst/>
+    <dgm:txEffectClrLst/>
+  </dgm:styleLbl>
+  <dgm:styleLbl name="sibTrans1D1">
+    <dgm:fillClrLst meth="repeat">
+      <a:schemeClr val="dk2"/>
+    </dgm:fillClrLst>
+    <dgm:linClrLst meth="repeat">
+      <a:schemeClr val="dk2"/>
+    </dgm:linClrLst>
+    <dgm:effectClrLst/>
+    <dgm:txLinClrLst/>
+    <dgm:txFillClrLst meth="repeat">
+      <a:schemeClr val="lt2"/>
+    </dgm:txFillClrLst>
+    <dgm:txEffectClrLst/>
+  </dgm:styleLbl>
+  <dgm:styleLbl name="callout">
+    <dgm:fillClrLst meth="repeat">
+      <a:schemeClr val="dk2"/>
+    </dgm:fillClrLst>
+    <dgm:linClrLst meth="repeat">
+      <a:schemeClr val="dk2">
+        <a:tint val="50000"/>
+      </a:schemeClr>
+    </dgm:linClrLst>
+    <dgm:effectClrLst/>
+    <dgm:txLinClrLst/>
+    <dgm:txFillClrLst meth="repeat">
+      <a:schemeClr val="lt2"/>
+    </dgm:txFillClrLst>
+    <dgm:txEffectClrLst/>
+  </dgm:styleLbl>
+  <dgm:styleLbl name="asst0">
+    <dgm:fillClrLst meth="repeat">
+      <a:schemeClr val="dk2"/>
+    </dgm:fillClrLst>
+    <dgm:linClrLst meth="repeat">
+      <a:schemeClr val="lt2"/>
+    </dgm:linClrLst>
+    <dgm:effectClrLst/>
+    <dgm:txLinClrLst/>
+    <dgm:txFillClrLst/>
+    <dgm:txEffectClrLst/>
+  </dgm:styleLbl>
+  <dgm:styleLbl name="asst1">
+    <dgm:fillClrLst meth="repeat">
+      <a:schemeClr val="dk2"/>
+    </dgm:fillClrLst>
+    <dgm:linClrLst meth="repeat">
+      <a:schemeClr val="lt2"/>
+    </dgm:linClrLst>
+    <dgm:effectClrLst/>
+    <dgm:txLinClrLst/>
+    <dgm:txFillClrLst/>
+    <dgm:txEffectClrLst/>
+  </dgm:styleLbl>
+  <dgm:styleLbl name="asst2">
+    <dgm:fillClrLst meth="repeat">
+      <a:schemeClr val="dk2"/>
+    </dgm:fillClrLst>
+    <dgm:linClrLst meth="repeat">
+      <a:schemeClr val="lt2"/>
+    </dgm:linClrLst>
+    <dgm:effectClrLst/>
+    <dgm:txLinClrLst/>
+    <dgm:txFillClrLst/>
+    <dgm:txEffectClrLst/>
+  </dgm:styleLbl>
+  <dgm:styleLbl name="asst3">
+    <dgm:fillClrLst meth="repeat">
+      <a:schemeClr val="dk2"/>
+    </dgm:fillClrLst>
+    <dgm:linClrLst meth="repeat">
+      <a:schemeClr val="lt2"/>
+    </dgm:linClrLst>
+    <dgm:effectClrLst/>
+    <dgm:txLinClrLst/>
+    <dgm:txFillClrLst/>
+    <dgm:txEffectClrLst/>
+  </dgm:styleLbl>
+  <dgm:styleLbl name="asst4">
+    <dgm:fillClrLst meth="repeat">
+      <a:schemeClr val="dk2"/>
+    </dgm:fillClrLst>
+    <dgm:linClrLst meth="repeat">
+      <a:schemeClr val="lt2"/>
+    </dgm:linClrLst>
+    <dgm:effectClrLst/>
+    <dgm:txLinClrLst/>
+    <dgm:txFillClrLst/>
+    <dgm:txEffectClrLst/>
+  </dgm:styleLbl>
+  <dgm:styleLbl name="parChTrans2D1">
+    <dgm:fillClrLst meth="repeat">
+      <a:schemeClr val="dk2">
+        <a:tint val="60000"/>
+      </a:schemeClr>
+    </dgm:fillClrLst>
+    <dgm:linClrLst meth="repeat">
+      <a:schemeClr val="dk2">
+        <a:tint val="60000"/>
+      </a:schemeClr>
+    </dgm:linClrLst>
+    <dgm:effectClrLst/>
+    <dgm:txLinClrLst/>
+    <dgm:txFillClrLst meth="repeat">
+      <a:schemeClr val="lt2"/>
+    </dgm:txFillClrLst>
+    <dgm:txEffectClrLst/>
+  </dgm:styleLbl>
+  <dgm:styleLbl name="parChTrans2D2">
+    <dgm:fillClrLst meth="repeat">
+      <a:schemeClr val="dk2"/>
+    </dgm:fillClrLst>
+    <dgm:linClrLst meth="repeat">
+      <a:schemeClr val="dk2"/>
+    </dgm:linClrLst>
+    <dgm:effectClrLst/>
+    <dgm:txLinClrLst/>
+    <dgm:txFillClrLst meth="repeat">
+      <a:schemeClr val="lt2"/>
+    </dgm:txFillClrLst>
+    <dgm:txEffectClrLst/>
+  </dgm:styleLbl>
+  <dgm:styleLbl name="parChTrans2D3">
+    <dgm:fillClrLst meth="repeat">
+      <a:schemeClr val="dk2"/>
+    </dgm:fillClrLst>
+    <dgm:linClrLst meth="repeat">
+      <a:schemeClr val="dk2"/>
+    </dgm:linClrLst>
+    <dgm:effectClrLst/>
+    <dgm:txLinClrLst/>
+    <dgm:txFillClrLst meth="repeat">
+      <a:schemeClr val="lt2"/>
+    </dgm:txFillClrLst>
+    <dgm:txEffectClrLst/>
+  </dgm:styleLbl>
+  <dgm:styleLbl name="parChTrans2D4">
+    <dgm:fillClrLst meth="repeat">
+      <a:schemeClr val="dk2"/>
+    </dgm:fillClrLst>
+    <dgm:linClrLst meth="repeat">
+      <a:schemeClr val="dk2"/>
+    </dgm:linClrLst>
+    <dgm:effectClrLst/>
+    <dgm:txLinClrLst/>
+    <dgm:txFillClrLst meth="repeat">
+      <a:schemeClr val="lt2"/>
+    </dgm:txFillClrLst>
+    <dgm:txEffectClrLst/>
+  </dgm:styleLbl>
+  <dgm:styleLbl name="parChTrans1D1">
+    <dgm:fillClrLst meth="repeat">
+      <a:schemeClr val="dk2"/>
+    </dgm:fillClrLst>
+    <dgm:linClrLst meth="repeat">
+      <a:schemeClr val="dk2">
+        <a:shade val="60000"/>
+      </a:schemeClr>
+    </dgm:linClrLst>
+    <dgm:effectClrLst/>
+    <dgm:txLinClrLst/>
+    <dgm:txFillClrLst meth="repeat">
+      <a:schemeClr val="tx1"/>
+    </dgm:txFillClrLst>
+    <dgm:txEffectClrLst/>
+  </dgm:styleLbl>
+  <dgm:styleLbl name="parChTrans1D2">
+    <dgm:fillClrLst meth="repeat">
+      <a:schemeClr val="dk2"/>
+    </dgm:fillClrLst>
+    <dgm:linClrLst meth="repeat">
+      <a:schemeClr val="dk2">
+        <a:shade val="60000"/>
+      </a:schemeClr>
+    </dgm:linClrLst>
+    <dgm:effectClrLst/>
+    <dgm:txLinClrLst/>
+    <dgm:txFillClrLst meth="repeat">
+      <a:schemeClr val="tx1"/>
+    </dgm:txFillClrLst>
+    <dgm:txEffectClrLst/>
+  </dgm:styleLbl>
+  <dgm:styleLbl name="parChTrans1D3">
+    <dgm:fillClrLst meth="repeat">
+      <a:schemeClr val="dk2"/>
+    </dgm:fillClrLst>
+    <dgm:linClrLst meth="repeat">
+      <a:schemeClr val="dk2">
+        <a:shade val="80000"/>
+      </a:schemeClr>
+    </dgm:linClrLst>
+    <dgm:effectClrLst/>
+    <dgm:txLinClrLst/>
+    <dgm:txFillClrLst meth="repeat">
+      <a:schemeClr val="tx1"/>
+    </dgm:txFillClrLst>
+    <dgm:txEffectClrLst/>
+  </dgm:styleLbl>
+  <dgm:styleLbl name="parChTrans1D4">
+    <dgm:fillClrLst meth="repeat">
+      <a:schemeClr val="dk2"/>
+    </dgm:fillClrLst>
+    <dgm:linClrLst meth="repeat">
+      <a:schemeClr val="dk2">
+        <a:shade val="80000"/>
+      </a:schemeClr>
+    </dgm:linClrLst>
+    <dgm:effectClrLst/>
+    <dgm:txLinClrLst/>
+    <dgm:txFillClrLst meth="repeat">
+      <a:schemeClr val="tx1"/>
+    </dgm:txFillClrLst>
+    <dgm:txEffectClrLst/>
+  </dgm:styleLbl>
+  <dgm:styleLbl name="fgAcc1">
+    <dgm:fillClrLst meth="repeat">
+      <a:schemeClr val="lt2">
+        <a:alpha val="90000"/>
+      </a:schemeClr>
+    </dgm:fillClrLst>
+    <dgm:linClrLst meth="repeat">
+      <a:schemeClr val="dk2"/>
+    </dgm:linClrLst>
+    <dgm:effectClrLst/>
+    <dgm:txLinClrLst/>
+    <dgm:txFillClrLst meth="repeat">
+      <a:schemeClr val="dk1"/>
+    </dgm:txFillClrLst>
+    <dgm:txEffectClrLst/>
+  </dgm:styleLbl>
+  <dgm:styleLbl name="conFgAcc1">
+    <dgm:fillClrLst meth="repeat">
+      <a:schemeClr val="lt2">
+        <a:alpha val="90000"/>
+      </a:schemeClr>
+    </dgm:fillClrLst>
+    <dgm:linClrLst meth="repeat">
+      <a:schemeClr val="dk2"/>
+    </dgm:linClrLst>
+    <dgm:effectClrLst/>
+    <dgm:txLinClrLst/>
+    <dgm:txFillClrLst meth="repeat">
+      <a:schemeClr val="dk1"/>
+    </dgm:txFillClrLst>
+    <dgm:txEffectClrLst/>
+  </dgm:styleLbl>
+  <dgm:styleLbl name="alignAcc1">
+    <dgm:fillClrLst meth="repeat">
+      <a:schemeClr val="lt2">
+        <a:alpha val="90000"/>
+      </a:schemeClr>
+    </dgm:fillClrLst>
+    <dgm:linClrLst meth="repeat">
+      <a:schemeClr val="dk2"/>
+    </dgm:linClrLst>
+    <dgm:effectClrLst/>
+    <dgm:txLinClrLst/>
+    <dgm:txFillClrLst meth="repeat">
+      <a:schemeClr val="dk1"/>
+    </dgm:txFillClrLst>
+    <dgm:txEffectClrLst/>
+  </dgm:styleLbl>
+  <dgm:styleLbl name="trAlignAcc1">
+    <dgm:fillClrLst meth="repeat">
+      <a:schemeClr val="lt2">
+        <a:alpha val="40000"/>
+      </a:schemeClr>
+    </dgm:fillClrLst>
+    <dgm:linClrLst meth="repeat">
+      <a:schemeClr val="dk2"/>
+    </dgm:linClrLst>
+    <dgm:effectClrLst/>
+    <dgm:txLinClrLst/>
+    <dgm:txFillClrLst meth="repeat">
+      <a:schemeClr val="dk1"/>
+    </dgm:txFillClrLst>
+    <dgm:txEffectClrLst/>
+  </dgm:styleLbl>
+  <dgm:styleLbl name="bgAcc1">
+    <dgm:fillClrLst meth="repeat">
+      <a:schemeClr val="lt2">
+        <a:alpha val="90000"/>
+      </a:schemeClr>
+    </dgm:fillClrLst>
+    <dgm:linClrLst meth="repeat">
+      <a:schemeClr val="dk2"/>
+    </dgm:linClrLst>
+    <dgm:effectClrLst/>
+    <dgm:txLinClrLst/>
+    <dgm:txFillClrLst meth="repeat">
+      <a:schemeClr val="dk1"/>
+    </dgm:txFillClrLst>
+    <dgm:txEffectClrLst/>
+  </dgm:styleLbl>
+  <dgm:styleLbl name="solidFgAcc1">
+    <dgm:fillClrLst meth="repeat">
+      <a:schemeClr val="lt2"/>
+    </dgm:fillClrLst>
+    <dgm:linClrLst meth="repeat">
+      <a:schemeClr val="dk2"/>
+    </dgm:linClrLst>
+    <dgm:effectClrLst/>
+    <dgm:txLinClrLst/>
+    <dgm:txFillClrLst meth="repeat">
+      <a:schemeClr val="dk1"/>
+    </dgm:txFillClrLst>
+    <dgm:txEffectClrLst/>
+  </dgm:styleLbl>
+  <dgm:styleLbl name="solidAlignAcc1">
+    <dgm:fillClrLst meth="repeat">
+      <a:schemeClr val="lt2"/>
+    </dgm:fillClrLst>
+    <dgm:linClrLst meth="repeat">
+      <a:schemeClr val="dk2"/>
+    </dgm:linClrLst>
+    <dgm:effectClrLst/>
+    <dgm:txLinClrLst/>
+    <dgm:txFillClrLst meth="repeat">
+      <a:schemeClr val="dk1"/>
+    </dgm:txFillClrLst>
+    <dgm:txEffectClrLst/>
+  </dgm:styleLbl>
+  <dgm:styleLbl name="solidBgAcc1">
+    <dgm:fillClrLst meth="repeat">
+      <a:schemeClr val="lt2"/>
+    </dgm:fillClrLst>
+    <dgm:linClrLst meth="repeat">
+      <a:schemeClr val="dk2"/>
+    </dgm:linClrLst>
+    <dgm:effectClrLst/>
+    <dgm:txLinClrLst/>
+    <dgm:txFillClrLst meth="repeat">
+      <a:schemeClr val="dk1"/>
+    </dgm:txFillClrLst>
+    <dgm:txEffectClrLst/>
+  </dgm:styleLbl>
+  <dgm:styleLbl name="fgAccFollowNode1">
+    <dgm:fillClrLst meth="repeat">
+      <a:schemeClr val="dk2">
+        <a:alpha val="90000"/>
+        <a:tint val="40000"/>
+      </a:schemeClr>
+    </dgm:fillClrLst>
+    <dgm:linClrLst meth="repeat">
+      <a:schemeClr val="dk2">
+        <a:alpha val="90000"/>
+        <a:tint val="40000"/>
+      </a:schemeClr>
+    </dgm:linClrLst>
+    <dgm:effectClrLst/>
+    <dgm:txLinClrLst/>
+    <dgm:txFillClrLst meth="repeat">
+      <a:schemeClr val="dk1"/>
+    </dgm:txFillClrLst>
+    <dgm:txEffectClrLst/>
+  </dgm:styleLbl>
+  <dgm:styleLbl name="alignAccFollowNode1">
+    <dgm:fillClrLst meth="repeat">
+      <a:schemeClr val="dk2">
+        <a:alpha val="90000"/>
+        <a:tint val="40000"/>
+      </a:schemeClr>
+    </dgm:fillClrLst>
+    <dgm:linClrLst meth="repeat">
+      <a:schemeClr val="dk2">
+        <a:alpha val="90000"/>
+        <a:tint val="40000"/>
+      </a:schemeClr>
+    </dgm:linClrLst>
+    <dgm:effectClrLst/>
+    <dgm:txLinClrLst/>
+    <dgm:txFillClrLst meth="repeat">
+      <a:schemeClr val="dk1"/>
+    </dgm:txFillClrLst>
+    <dgm:txEffectClrLst/>
+  </dgm:styleLbl>
+  <dgm:styleLbl name="bgAccFollowNode1">
+    <dgm:fillClrLst meth="repeat">
+      <a:schemeClr val="dk2">
+        <a:alpha val="90000"/>
+        <a:tint val="40000"/>
+      </a:schemeClr>
+    </dgm:fillClrLst>
+    <dgm:linClrLst meth="repeat">
+      <a:schemeClr val="dk2">
+        <a:alpha val="90000"/>
+        <a:tint val="40000"/>
+      </a:schemeClr>
+    </dgm:linClrLst>
+    <dgm:effectClrLst/>
+    <dgm:txLinClrLst/>
+    <dgm:txFillClrLst meth="repeat">
+      <a:schemeClr val="dk1"/>
+    </dgm:txFillClrLst>
+    <dgm:txEffectClrLst/>
+  </dgm:styleLbl>
+  <dgm:styleLbl name="fgAcc0">
+    <dgm:fillClrLst meth="repeat">
+      <a:schemeClr val="lt2">
+        <a:alpha val="90000"/>
+      </a:schemeClr>
+    </dgm:fillClrLst>
+    <dgm:linClrLst meth="repeat">
+      <a:schemeClr val="dk2"/>
+    </dgm:linClrLst>
+    <dgm:effectClrLst/>
+    <dgm:txLinClrLst/>
+    <dgm:txFillClrLst meth="repeat">
+      <a:schemeClr val="dk1"/>
+    </dgm:txFillClrLst>
+    <dgm:txEffectClrLst/>
+  </dgm:styleLbl>
+  <dgm:styleLbl name="fgAcc2">
+    <dgm:fillClrLst meth="repeat">
+      <a:schemeClr val="lt2">
+        <a:alpha val="90000"/>
+      </a:schemeClr>
+    </dgm:fillClrLst>
+    <dgm:linClrLst meth="repeat">
+      <a:schemeClr val="dk2"/>
+    </dgm:linClrLst>
+    <dgm:effectClrLst/>
+    <dgm:txLinClrLst/>
+    <dgm:txFillClrLst meth="repeat">
+      <a:schemeClr val="dk1"/>
+    </dgm:txFillClrLst>
+    <dgm:txEffectClrLst/>
+  </dgm:styleLbl>
+  <dgm:styleLbl name="fgAcc3">
+    <dgm:fillClrLst meth="repeat">
+      <a:schemeClr val="lt2">
+        <a:alpha val="90000"/>
+      </a:schemeClr>
+    </dgm:fillClrLst>
+    <dgm:linClrLst meth="repeat">
+      <a:schemeClr val="dk2"/>
+    </dgm:linClrLst>
+    <dgm:effectClrLst/>
+    <dgm:txLinClrLst/>
+    <dgm:txFillClrLst meth="repeat">
+      <a:schemeClr val="dk1"/>
+    </dgm:txFillClrLst>
+    <dgm:txEffectClrLst/>
+  </dgm:styleLbl>
+  <dgm:styleLbl name="fgAcc4">
+    <dgm:fillClrLst meth="repeat">
+      <a:schemeClr val="lt2">
+        <a:alpha val="90000"/>
+      </a:schemeClr>
+    </dgm:fillClrLst>
+    <dgm:linClrLst meth="repeat">
+      <a:schemeClr val="dk2"/>
+    </dgm:linClrLst>
+    <dgm:effectClrLst/>
+    <dgm:txLinClrLst/>
+    <dgm:txFillClrLst meth="repeat">
+      <a:schemeClr val="dk1"/>
+    </dgm:txFillClrLst>
+    <dgm:txEffectClrLst/>
+  </dgm:styleLbl>
+  <dgm:styleLbl name="bgShp">
+    <dgm:fillClrLst meth="repeat">
+      <a:schemeClr val="dk2">
+        <a:tint val="40000"/>
+      </a:schemeClr>
+    </dgm:fillClrLst>
+    <dgm:linClrLst meth="repeat">
+      <a:schemeClr val="dk2"/>
+    </dgm:linClrLst>
+    <dgm:effectClrLst/>
+    <dgm:txLinClrLst/>
+    <dgm:txFillClrLst meth="repeat">
+      <a:schemeClr val="dk1"/>
+    </dgm:txFillClrLst>
+    <dgm:txEffectClrLst/>
+  </dgm:styleLbl>
+  <dgm:styleLbl name="dkBgShp">
+    <dgm:fillClrLst meth="repeat">
+      <a:schemeClr val="dk2">
+        <a:shade val="80000"/>
+      </a:schemeClr>
+    </dgm:fillClrLst>
+    <dgm:linClrLst meth="repeat">
+      <a:schemeClr val="dk2"/>
+    </dgm:linClrLst>
+    <dgm:effectClrLst/>
+    <dgm:txLinClrLst/>
+    <dgm:txFillClrLst meth="repeat">
+      <a:schemeClr val="lt1"/>
+    </dgm:txFillClrLst>
+    <dgm:txEffectClrLst/>
+  </dgm:styleLbl>
+  <dgm:styleLbl name="trBgShp">
+    <dgm:fillClrLst meth="repeat">
+      <a:schemeClr val="dk2">
+        <a:tint val="50000"/>
+        <a:alpha val="40000"/>
+      </a:schemeClr>
+    </dgm:fillClrLst>
+    <dgm:linClrLst meth="repeat">
+      <a:schemeClr val="dk2"/>
+    </dgm:linClrLst>
+    <dgm:effectClrLst/>
+    <dgm:txLinClrLst/>
+    <dgm:txFillClrLst meth="repeat">
+      <a:schemeClr val="lt1"/>
+    </dgm:txFillClrLst>
+    <dgm:txEffectClrLst/>
+  </dgm:styleLbl>
+  <dgm:styleLbl name="fgShp">
+    <dgm:fillClrLst meth="repeat">
+      <a:schemeClr val="dk2">
+        <a:tint val="60000"/>
+      </a:schemeClr>
+    </dgm:fillClrLst>
+    <dgm:linClrLst meth="repeat">
+      <a:schemeClr val="lt2"/>
+    </dgm:linClrLst>
+    <dgm:effectClrLst/>
+    <dgm:txLinClrLst/>
+    <dgm:txFillClrLst meth="repeat">
+      <a:schemeClr val="dk1"/>
+    </dgm:txFillClrLst>
+    <dgm:txEffectClrLst/>
+  </dgm:styleLbl>
+  <dgm:styleLbl name="revTx">
+    <dgm:fillClrLst meth="repeat">
+      <a:schemeClr val="lt2">
         <a:alpha val="0"/>
       </a:schemeClr>
     </dgm:fillClrLst>
@@ -7554,6 +8312,292 @@
     <dgm:cxn modelId="{B3C938CA-DD71-4994-B45B-AAE81BF28354}" type="presParOf" srcId="{65D2CCCE-1F48-4EBE-8A64-30A1B823EA1B}" destId="{580B4C72-457D-4688-B975-1667CA2CA524}" srcOrd="0" destOrd="0" presId="urn:microsoft.com/office/officeart/2016/7/layout/LinearBlockProcessNumbered"/>
     <dgm:cxn modelId="{4B88D634-7E37-417B-A79A-14FC52D6623D}" type="presParOf" srcId="{65D2CCCE-1F48-4EBE-8A64-30A1B823EA1B}" destId="{17661AF8-79D7-45AC-AC82-DF956C1B6996}" srcOrd="1" destOrd="0" presId="urn:microsoft.com/office/officeart/2016/7/layout/LinearBlockProcessNumbered"/>
     <dgm:cxn modelId="{F67059F1-7739-4CB1-974A-201D713ECB7C}" type="presParOf" srcId="{65D2CCCE-1F48-4EBE-8A64-30A1B823EA1B}" destId="{1BDDFFAB-0C53-4C75-9189-E641D00FFC50}" srcOrd="2" destOrd="0" presId="urn:microsoft.com/office/officeart/2016/7/layout/LinearBlockProcessNumbered"/>
+  </dgm:cxnLst>
+  <dgm:bg/>
+  <dgm:whole/>
+  <dgm:extLst>
+    <a:ext uri="http://schemas.microsoft.com/office/drawing/2008/diagram">
+      <dsp:dataModelExt xmlns:dsp="http://schemas.microsoft.com/office/drawing/2008/diagram" relId="rId6" minVer="http://schemas.openxmlformats.org/drawingml/2006/diagram"/>
+    </a:ext>
+  </dgm:extLst>
+</dgm:dataModel>
+</file>
+
+<file path=ppt/diagrams/data10.xml><?xml version="1.0" encoding="utf-8"?>
+<dgm:dataModel xmlns:dgm="http://schemas.openxmlformats.org/drawingml/2006/diagram" xmlns:a="http://schemas.openxmlformats.org/drawingml/2006/main">
+  <dgm:ptLst>
+    <dgm:pt modelId="{6DDD1B60-46B7-475C-8353-858D091141C8}" type="doc">
+      <dgm:prSet loTypeId="urn:microsoft.com/office/officeart/2016/7/layout/LinearBlockProcessNumbered" loCatId="process" qsTypeId="urn:microsoft.com/office/officeart/2005/8/quickstyle/simple1" qsCatId="simple" csTypeId="urn:microsoft.com/office/officeart/2005/8/colors/accent0_3" csCatId="mainScheme" phldr="1"/>
+      <dgm:spPr/>
+      <dgm:t>
+        <a:bodyPr/>
+        <a:lstStyle/>
+        <a:p>
+          <a:endParaRPr lang="en-US"/>
+        </a:p>
+      </dgm:t>
+    </dgm:pt>
+    <dgm:pt modelId="{8E45DE01-08B8-498F-ADB5-E38A0EC5A63B}">
+      <dgm:prSet/>
+      <dgm:spPr/>
+      <dgm:t>
+        <a:bodyPr/>
+        <a:lstStyle/>
+        <a:p>
+          <a:r>
+            <a:rPr lang="fr-CA" dirty="0"/>
+            <a:t>Statique vs Dynamique</a:t>
+          </a:r>
+          <a:endParaRPr lang="en-US" dirty="0"/>
+        </a:p>
+      </dgm:t>
+    </dgm:pt>
+    <dgm:pt modelId="{076FF16A-9763-470B-BF13-E9BF7E02B4E4}" type="parTrans" cxnId="{DEB8165F-FC21-4DD8-A42E-EABDBDCE01B0}">
+      <dgm:prSet/>
+      <dgm:spPr/>
+      <dgm:t>
+        <a:bodyPr/>
+        <a:lstStyle/>
+        <a:p>
+          <a:endParaRPr lang="en-US"/>
+        </a:p>
+      </dgm:t>
+    </dgm:pt>
+    <dgm:pt modelId="{4FCFF1D7-86B7-41FA-9ADA-6BF40DF2CCA3}" type="sibTrans" cxnId="{DEB8165F-FC21-4DD8-A42E-EABDBDCE01B0}">
+      <dgm:prSet phldrT="01"/>
+      <dgm:spPr/>
+      <dgm:t>
+        <a:bodyPr/>
+        <a:lstStyle/>
+        <a:p>
+          <a:r>
+            <a:rPr lang="en-US"/>
+            <a:t>01</a:t>
+          </a:r>
+        </a:p>
+      </dgm:t>
+    </dgm:pt>
+    <dgm:pt modelId="{142AADDA-B5CF-45C7-B70E-BF07221E58E2}">
+      <dgm:prSet/>
+      <dgm:spPr/>
+      <dgm:t>
+        <a:bodyPr/>
+        <a:lstStyle/>
+        <a:p>
+          <a:r>
+            <a:rPr lang="en-US" dirty="0" err="1"/>
+            <a:t>Récolter</a:t>
+          </a:r>
+          <a:r>
+            <a:rPr lang="en-US" dirty="0"/>
+            <a:t> de </a:t>
+          </a:r>
+          <a:r>
+            <a:rPr lang="en-US" dirty="0" err="1"/>
+            <a:t>l’information</a:t>
+          </a:r>
+          <a:endParaRPr lang="en-US" dirty="0"/>
+        </a:p>
+      </dgm:t>
+    </dgm:pt>
+    <dgm:pt modelId="{1D65EFAA-E912-47F3-AFFC-ACDC2FD39CBD}" type="parTrans" cxnId="{E154C03E-CC59-4096-BFD1-1694A6C99A44}">
+      <dgm:prSet/>
+      <dgm:spPr/>
+      <dgm:t>
+        <a:bodyPr/>
+        <a:lstStyle/>
+        <a:p>
+          <a:endParaRPr lang="en-US"/>
+        </a:p>
+      </dgm:t>
+    </dgm:pt>
+    <dgm:pt modelId="{3996A334-5866-4BE2-A531-82B8ACD5FD16}" type="sibTrans" cxnId="{E154C03E-CC59-4096-BFD1-1694A6C99A44}">
+      <dgm:prSet phldrT="02"/>
+      <dgm:spPr/>
+      <dgm:t>
+        <a:bodyPr/>
+        <a:lstStyle/>
+        <a:p>
+          <a:r>
+            <a:rPr lang="en-US"/>
+            <a:t>02</a:t>
+          </a:r>
+        </a:p>
+      </dgm:t>
+    </dgm:pt>
+    <dgm:pt modelId="{328656E4-F87F-4A1F-8A57-D5EB01955A17}">
+      <dgm:prSet/>
+      <dgm:spPr/>
+      <dgm:t>
+        <a:bodyPr/>
+        <a:lstStyle/>
+        <a:p>
+          <a:r>
+            <a:rPr lang="fr-CA" dirty="0"/>
+            <a:t>Communication client/serveur</a:t>
+          </a:r>
+          <a:endParaRPr lang="en-US" dirty="0"/>
+        </a:p>
+      </dgm:t>
+    </dgm:pt>
+    <dgm:pt modelId="{5A1546A3-3AE1-4847-9B33-C6598F9F454F}" type="parTrans" cxnId="{463EFBE8-A511-4606-BD52-2E7E2EBD4785}">
+      <dgm:prSet/>
+      <dgm:spPr/>
+      <dgm:t>
+        <a:bodyPr/>
+        <a:lstStyle/>
+        <a:p>
+          <a:endParaRPr lang="en-US"/>
+        </a:p>
+      </dgm:t>
+    </dgm:pt>
+    <dgm:pt modelId="{26290640-0150-419B-92E8-64EDADF0F6FE}" type="sibTrans" cxnId="{463EFBE8-A511-4606-BD52-2E7E2EBD4785}">
+      <dgm:prSet phldrT="03"/>
+      <dgm:spPr/>
+      <dgm:t>
+        <a:bodyPr/>
+        <a:lstStyle/>
+        <a:p>
+          <a:r>
+            <a:rPr lang="en-US"/>
+            <a:t>03</a:t>
+          </a:r>
+        </a:p>
+      </dgm:t>
+    </dgm:pt>
+    <dgm:pt modelId="{6D1535D5-5FEB-4285-B14D-24F576769ECE}" type="pres">
+      <dgm:prSet presAssocID="{6DDD1B60-46B7-475C-8353-858D091141C8}" presName="Name0" presStyleCnt="0">
+        <dgm:presLayoutVars>
+          <dgm:animLvl val="lvl"/>
+          <dgm:resizeHandles val="exact"/>
+        </dgm:presLayoutVars>
+      </dgm:prSet>
+      <dgm:spPr/>
+    </dgm:pt>
+    <dgm:pt modelId="{A0428F84-5E42-4FDF-89FA-04B4DDDE27F1}" type="pres">
+      <dgm:prSet presAssocID="{8E45DE01-08B8-498F-ADB5-E38A0EC5A63B}" presName="compositeNode" presStyleCnt="0">
+        <dgm:presLayoutVars>
+          <dgm:bulletEnabled val="1"/>
+        </dgm:presLayoutVars>
+      </dgm:prSet>
+      <dgm:spPr/>
+    </dgm:pt>
+    <dgm:pt modelId="{335C8D1B-2E7F-4982-BBA2-96F87FF4DA1D}" type="pres">
+      <dgm:prSet presAssocID="{8E45DE01-08B8-498F-ADB5-E38A0EC5A63B}" presName="bgRect" presStyleLbl="alignNode1" presStyleIdx="0" presStyleCnt="3"/>
+      <dgm:spPr/>
+    </dgm:pt>
+    <dgm:pt modelId="{80D25142-1AD4-41B8-B6DA-5A77BF46E6DE}" type="pres">
+      <dgm:prSet presAssocID="{4FCFF1D7-86B7-41FA-9ADA-6BF40DF2CCA3}" presName="sibTransNodeRect" presStyleLbl="alignNode1" presStyleIdx="0" presStyleCnt="3">
+        <dgm:presLayoutVars>
+          <dgm:chMax val="0"/>
+          <dgm:bulletEnabled val="1"/>
+        </dgm:presLayoutVars>
+      </dgm:prSet>
+      <dgm:spPr/>
+    </dgm:pt>
+    <dgm:pt modelId="{84F14EB1-48FF-4466-BB98-75E231206F03}" type="pres">
+      <dgm:prSet presAssocID="{8E45DE01-08B8-498F-ADB5-E38A0EC5A63B}" presName="nodeRect" presStyleLbl="alignNode1" presStyleIdx="0" presStyleCnt="3">
+        <dgm:presLayoutVars>
+          <dgm:bulletEnabled val="1"/>
+        </dgm:presLayoutVars>
+      </dgm:prSet>
+      <dgm:spPr/>
+    </dgm:pt>
+    <dgm:pt modelId="{982DA526-2277-4EB6-8915-892B9EF0215A}" type="pres">
+      <dgm:prSet presAssocID="{4FCFF1D7-86B7-41FA-9ADA-6BF40DF2CCA3}" presName="sibTrans" presStyleCnt="0"/>
+      <dgm:spPr/>
+    </dgm:pt>
+    <dgm:pt modelId="{64F7B7EA-BFF9-4CDC-BCAE-5C723D6A4DF4}" type="pres">
+      <dgm:prSet presAssocID="{142AADDA-B5CF-45C7-B70E-BF07221E58E2}" presName="compositeNode" presStyleCnt="0">
+        <dgm:presLayoutVars>
+          <dgm:bulletEnabled val="1"/>
+        </dgm:presLayoutVars>
+      </dgm:prSet>
+      <dgm:spPr/>
+    </dgm:pt>
+    <dgm:pt modelId="{862C77AD-CB48-4F43-BE49-B13D3B36AA4B}" type="pres">
+      <dgm:prSet presAssocID="{142AADDA-B5CF-45C7-B70E-BF07221E58E2}" presName="bgRect" presStyleLbl="alignNode1" presStyleIdx="1" presStyleCnt="3"/>
+      <dgm:spPr/>
+    </dgm:pt>
+    <dgm:pt modelId="{D8B5918D-E206-49F6-88BB-1124846074C2}" type="pres">
+      <dgm:prSet presAssocID="{3996A334-5866-4BE2-A531-82B8ACD5FD16}" presName="sibTransNodeRect" presStyleLbl="alignNode1" presStyleIdx="1" presStyleCnt="3">
+        <dgm:presLayoutVars>
+          <dgm:chMax val="0"/>
+          <dgm:bulletEnabled val="1"/>
+        </dgm:presLayoutVars>
+      </dgm:prSet>
+      <dgm:spPr/>
+    </dgm:pt>
+    <dgm:pt modelId="{1D1D0B7C-8879-41DD-B6E4-F5FBF986A139}" type="pres">
+      <dgm:prSet presAssocID="{142AADDA-B5CF-45C7-B70E-BF07221E58E2}" presName="nodeRect" presStyleLbl="alignNode1" presStyleIdx="1" presStyleCnt="3">
+        <dgm:presLayoutVars>
+          <dgm:bulletEnabled val="1"/>
+        </dgm:presLayoutVars>
+      </dgm:prSet>
+      <dgm:spPr/>
+    </dgm:pt>
+    <dgm:pt modelId="{0468F4AD-ABDA-4510-B909-BB321524D827}" type="pres">
+      <dgm:prSet presAssocID="{3996A334-5866-4BE2-A531-82B8ACD5FD16}" presName="sibTrans" presStyleCnt="0"/>
+      <dgm:spPr/>
+    </dgm:pt>
+    <dgm:pt modelId="{6C5CA502-D477-40F2-8029-797C23168215}" type="pres">
+      <dgm:prSet presAssocID="{328656E4-F87F-4A1F-8A57-D5EB01955A17}" presName="compositeNode" presStyleCnt="0">
+        <dgm:presLayoutVars>
+          <dgm:bulletEnabled val="1"/>
+        </dgm:presLayoutVars>
+      </dgm:prSet>
+      <dgm:spPr/>
+    </dgm:pt>
+    <dgm:pt modelId="{98925FBD-E7B5-4055-B612-A4110531933D}" type="pres">
+      <dgm:prSet presAssocID="{328656E4-F87F-4A1F-8A57-D5EB01955A17}" presName="bgRect" presStyleLbl="alignNode1" presStyleIdx="2" presStyleCnt="3"/>
+      <dgm:spPr/>
+    </dgm:pt>
+    <dgm:pt modelId="{FC430234-066D-40FC-8AA4-CDB0CACF20B8}" type="pres">
+      <dgm:prSet presAssocID="{26290640-0150-419B-92E8-64EDADF0F6FE}" presName="sibTransNodeRect" presStyleLbl="alignNode1" presStyleIdx="2" presStyleCnt="3">
+        <dgm:presLayoutVars>
+          <dgm:chMax val="0"/>
+          <dgm:bulletEnabled val="1"/>
+        </dgm:presLayoutVars>
+      </dgm:prSet>
+      <dgm:spPr/>
+    </dgm:pt>
+    <dgm:pt modelId="{00593DCA-74EB-47B7-AEDA-26A4BA7B75CD}" type="pres">
+      <dgm:prSet presAssocID="{328656E4-F87F-4A1F-8A57-D5EB01955A17}" presName="nodeRect" presStyleLbl="alignNode1" presStyleIdx="2" presStyleCnt="3">
+        <dgm:presLayoutVars>
+          <dgm:bulletEnabled val="1"/>
+        </dgm:presLayoutVars>
+      </dgm:prSet>
+      <dgm:spPr/>
+    </dgm:pt>
+  </dgm:ptLst>
+  <dgm:cxnLst>
+    <dgm:cxn modelId="{4BD87D1D-F211-4D52-9737-A85513F422AB}" type="presOf" srcId="{6DDD1B60-46B7-475C-8353-858D091141C8}" destId="{6D1535D5-5FEB-4285-B14D-24F576769ECE}" srcOrd="0" destOrd="0" presId="urn:microsoft.com/office/officeart/2016/7/layout/LinearBlockProcessNumbered"/>
+    <dgm:cxn modelId="{61D84927-1774-4834-948F-3FD2917E650D}" type="presOf" srcId="{142AADDA-B5CF-45C7-B70E-BF07221E58E2}" destId="{1D1D0B7C-8879-41DD-B6E4-F5FBF986A139}" srcOrd="1" destOrd="0" presId="urn:microsoft.com/office/officeart/2016/7/layout/LinearBlockProcessNumbered"/>
+    <dgm:cxn modelId="{E154C03E-CC59-4096-BFD1-1694A6C99A44}" srcId="{6DDD1B60-46B7-475C-8353-858D091141C8}" destId="{142AADDA-B5CF-45C7-B70E-BF07221E58E2}" srcOrd="1" destOrd="0" parTransId="{1D65EFAA-E912-47F3-AFFC-ACDC2FD39CBD}" sibTransId="{3996A334-5866-4BE2-A531-82B8ACD5FD16}"/>
+    <dgm:cxn modelId="{DEB8165F-FC21-4DD8-A42E-EABDBDCE01B0}" srcId="{6DDD1B60-46B7-475C-8353-858D091141C8}" destId="{8E45DE01-08B8-498F-ADB5-E38A0EC5A63B}" srcOrd="0" destOrd="0" parTransId="{076FF16A-9763-470B-BF13-E9BF7E02B4E4}" sibTransId="{4FCFF1D7-86B7-41FA-9ADA-6BF40DF2CCA3}"/>
+    <dgm:cxn modelId="{B5196E50-6353-4D92-AF4F-E414F0EE4057}" type="presOf" srcId="{8E45DE01-08B8-498F-ADB5-E38A0EC5A63B}" destId="{335C8D1B-2E7F-4982-BBA2-96F87FF4DA1D}" srcOrd="0" destOrd="0" presId="urn:microsoft.com/office/officeart/2016/7/layout/LinearBlockProcessNumbered"/>
+    <dgm:cxn modelId="{FEFE8586-5E55-4433-9B8F-9AA58D2345F1}" type="presOf" srcId="{328656E4-F87F-4A1F-8A57-D5EB01955A17}" destId="{98925FBD-E7B5-4055-B612-A4110531933D}" srcOrd="0" destOrd="0" presId="urn:microsoft.com/office/officeart/2016/7/layout/LinearBlockProcessNumbered"/>
+    <dgm:cxn modelId="{A4D11496-FCDA-412F-82D4-164A9CD3963B}" type="presOf" srcId="{4FCFF1D7-86B7-41FA-9ADA-6BF40DF2CCA3}" destId="{80D25142-1AD4-41B8-B6DA-5A77BF46E6DE}" srcOrd="0" destOrd="0" presId="urn:microsoft.com/office/officeart/2016/7/layout/LinearBlockProcessNumbered"/>
+    <dgm:cxn modelId="{115F15A3-9701-448D-B6CD-31B006A0973D}" type="presOf" srcId="{3996A334-5866-4BE2-A531-82B8ACD5FD16}" destId="{D8B5918D-E206-49F6-88BB-1124846074C2}" srcOrd="0" destOrd="0" presId="urn:microsoft.com/office/officeart/2016/7/layout/LinearBlockProcessNumbered"/>
+    <dgm:cxn modelId="{EB0B20A9-EA62-48ED-BF1D-0F05122B5262}" type="presOf" srcId="{26290640-0150-419B-92E8-64EDADF0F6FE}" destId="{FC430234-066D-40FC-8AA4-CDB0CACF20B8}" srcOrd="0" destOrd="0" presId="urn:microsoft.com/office/officeart/2016/7/layout/LinearBlockProcessNumbered"/>
+    <dgm:cxn modelId="{470559AA-F4CC-4085-A5B0-C326882CBDE6}" type="presOf" srcId="{8E45DE01-08B8-498F-ADB5-E38A0EC5A63B}" destId="{84F14EB1-48FF-4466-BB98-75E231206F03}" srcOrd="1" destOrd="0" presId="urn:microsoft.com/office/officeart/2016/7/layout/LinearBlockProcessNumbered"/>
+    <dgm:cxn modelId="{057954DF-1131-4D7F-8A82-8048CAB9225E}" type="presOf" srcId="{328656E4-F87F-4A1F-8A57-D5EB01955A17}" destId="{00593DCA-74EB-47B7-AEDA-26A4BA7B75CD}" srcOrd="1" destOrd="0" presId="urn:microsoft.com/office/officeart/2016/7/layout/LinearBlockProcessNumbered"/>
+    <dgm:cxn modelId="{463EFBE8-A511-4606-BD52-2E7E2EBD4785}" srcId="{6DDD1B60-46B7-475C-8353-858D091141C8}" destId="{328656E4-F87F-4A1F-8A57-D5EB01955A17}" srcOrd="2" destOrd="0" parTransId="{5A1546A3-3AE1-4847-9B33-C6598F9F454F}" sibTransId="{26290640-0150-419B-92E8-64EDADF0F6FE}"/>
+    <dgm:cxn modelId="{97B0B7EA-F7B3-4697-B296-A7DDFD744D80}" type="presOf" srcId="{142AADDA-B5CF-45C7-B70E-BF07221E58E2}" destId="{862C77AD-CB48-4F43-BE49-B13D3B36AA4B}" srcOrd="0" destOrd="0" presId="urn:microsoft.com/office/officeart/2016/7/layout/LinearBlockProcessNumbered"/>
+    <dgm:cxn modelId="{30F89AAC-9966-4087-9353-7C1C43CD6E5B}" type="presParOf" srcId="{6D1535D5-5FEB-4285-B14D-24F576769ECE}" destId="{A0428F84-5E42-4FDF-89FA-04B4DDDE27F1}" srcOrd="0" destOrd="0" presId="urn:microsoft.com/office/officeart/2016/7/layout/LinearBlockProcessNumbered"/>
+    <dgm:cxn modelId="{0BA545DF-F70A-46A1-B65B-C4F84AB56C9A}" type="presParOf" srcId="{A0428F84-5E42-4FDF-89FA-04B4DDDE27F1}" destId="{335C8D1B-2E7F-4982-BBA2-96F87FF4DA1D}" srcOrd="0" destOrd="0" presId="urn:microsoft.com/office/officeart/2016/7/layout/LinearBlockProcessNumbered"/>
+    <dgm:cxn modelId="{A97DFB72-8DB7-4C6E-B95B-DC523AC3F91D}" type="presParOf" srcId="{A0428F84-5E42-4FDF-89FA-04B4DDDE27F1}" destId="{80D25142-1AD4-41B8-B6DA-5A77BF46E6DE}" srcOrd="1" destOrd="0" presId="urn:microsoft.com/office/officeart/2016/7/layout/LinearBlockProcessNumbered"/>
+    <dgm:cxn modelId="{D9A40242-3330-40F5-A335-72F663C2DCF1}" type="presParOf" srcId="{A0428F84-5E42-4FDF-89FA-04B4DDDE27F1}" destId="{84F14EB1-48FF-4466-BB98-75E231206F03}" srcOrd="2" destOrd="0" presId="urn:microsoft.com/office/officeart/2016/7/layout/LinearBlockProcessNumbered"/>
+    <dgm:cxn modelId="{53AE882F-531E-4C1F-9F26-8E3F6C8B6B70}" type="presParOf" srcId="{6D1535D5-5FEB-4285-B14D-24F576769ECE}" destId="{982DA526-2277-4EB6-8915-892B9EF0215A}" srcOrd="1" destOrd="0" presId="urn:microsoft.com/office/officeart/2016/7/layout/LinearBlockProcessNumbered"/>
+    <dgm:cxn modelId="{426CD80B-07F7-4C0F-BDFB-4EBB315BE98E}" type="presParOf" srcId="{6D1535D5-5FEB-4285-B14D-24F576769ECE}" destId="{64F7B7EA-BFF9-4CDC-BCAE-5C723D6A4DF4}" srcOrd="2" destOrd="0" presId="urn:microsoft.com/office/officeart/2016/7/layout/LinearBlockProcessNumbered"/>
+    <dgm:cxn modelId="{77E22D38-C046-4DFC-BC88-C6593CDC7479}" type="presParOf" srcId="{64F7B7EA-BFF9-4CDC-BCAE-5C723D6A4DF4}" destId="{862C77AD-CB48-4F43-BE49-B13D3B36AA4B}" srcOrd="0" destOrd="0" presId="urn:microsoft.com/office/officeart/2016/7/layout/LinearBlockProcessNumbered"/>
+    <dgm:cxn modelId="{0C40F18F-5570-4D4C-8FF1-19231D181FBC}" type="presParOf" srcId="{64F7B7EA-BFF9-4CDC-BCAE-5C723D6A4DF4}" destId="{D8B5918D-E206-49F6-88BB-1124846074C2}" srcOrd="1" destOrd="0" presId="urn:microsoft.com/office/officeart/2016/7/layout/LinearBlockProcessNumbered"/>
+    <dgm:cxn modelId="{F7960D1E-D8AA-4CF9-92FA-7268BF320733}" type="presParOf" srcId="{64F7B7EA-BFF9-4CDC-BCAE-5C723D6A4DF4}" destId="{1D1D0B7C-8879-41DD-B6E4-F5FBF986A139}" srcOrd="2" destOrd="0" presId="urn:microsoft.com/office/officeart/2016/7/layout/LinearBlockProcessNumbered"/>
+    <dgm:cxn modelId="{6C52ABB3-A626-4E2F-A5A1-FF6DA9DDA079}" type="presParOf" srcId="{6D1535D5-5FEB-4285-B14D-24F576769ECE}" destId="{0468F4AD-ABDA-4510-B909-BB321524D827}" srcOrd="3" destOrd="0" presId="urn:microsoft.com/office/officeart/2016/7/layout/LinearBlockProcessNumbered"/>
+    <dgm:cxn modelId="{3688B711-D361-4EE8-AF21-281E84A1033B}" type="presParOf" srcId="{6D1535D5-5FEB-4285-B14D-24F576769ECE}" destId="{6C5CA502-D477-40F2-8029-797C23168215}" srcOrd="4" destOrd="0" presId="urn:microsoft.com/office/officeart/2016/7/layout/LinearBlockProcessNumbered"/>
+    <dgm:cxn modelId="{8BCFACAE-BF2D-4317-98FB-9E78A81A6A22}" type="presParOf" srcId="{6C5CA502-D477-40F2-8029-797C23168215}" destId="{98925FBD-E7B5-4055-B612-A4110531933D}" srcOrd="0" destOrd="0" presId="urn:microsoft.com/office/officeart/2016/7/layout/LinearBlockProcessNumbered"/>
+    <dgm:cxn modelId="{0A1E04EC-52FE-4239-9D62-5A379DC6D982}" type="presParOf" srcId="{6C5CA502-D477-40F2-8029-797C23168215}" destId="{FC430234-066D-40FC-8AA4-CDB0CACF20B8}" srcOrd="1" destOrd="0" presId="urn:microsoft.com/office/officeart/2016/7/layout/LinearBlockProcessNumbered"/>
+    <dgm:cxn modelId="{511943EB-1E3B-447E-841F-2444B26E1A14}" type="presParOf" srcId="{6C5CA502-D477-40F2-8029-797C23168215}" destId="{00593DCA-74EB-47B7-AEDA-26A4BA7B75CD}" srcOrd="2" destOrd="0" presId="urn:microsoft.com/office/officeart/2016/7/layout/LinearBlockProcessNumbered"/>
   </dgm:cxnLst>
   <dgm:bg/>
   <dgm:whole/>
@@ -11341,6 +12385,458 @@
       <dsp:txXfrm>
         <a:off x="9105595" y="1234661"/>
         <a:ext cx="1404304" cy="674066"/>
+      </dsp:txXfrm>
+    </dsp:sp>
+  </dsp:spTree>
+</dsp:drawing>
+</file>
+
+<file path=ppt/diagrams/drawing10.xml><?xml version="1.0" encoding="utf-8"?>
+<dsp:drawing xmlns:dgm="http://schemas.openxmlformats.org/drawingml/2006/diagram" xmlns:dsp="http://schemas.microsoft.com/office/drawing/2008/diagram" xmlns:a="http://schemas.openxmlformats.org/drawingml/2006/main">
+  <dsp:spTree>
+    <dsp:nvGrpSpPr>
+      <dsp:cNvPr id="0" name=""/>
+      <dsp:cNvGrpSpPr/>
+    </dsp:nvGrpSpPr>
+    <dsp:grpSpPr/>
+    <dsp:sp modelId="{335C8D1B-2E7F-4982-BBA2-96F87FF4DA1D}">
+      <dsp:nvSpPr>
+        <dsp:cNvPr id="0" name=""/>
+        <dsp:cNvSpPr/>
+      </dsp:nvSpPr>
+      <dsp:spPr>
+        <a:xfrm>
+          <a:off x="489" y="1595924"/>
+          <a:ext cx="1983562" cy="2380275"/>
+        </a:xfrm>
+        <a:prstGeom prst="rect">
+          <a:avLst/>
+        </a:prstGeom>
+        <a:solidFill>
+          <a:schemeClr val="dk2">
+            <a:hueOff val="0"/>
+            <a:satOff val="0"/>
+            <a:lumOff val="0"/>
+            <a:alphaOff val="0"/>
+          </a:schemeClr>
+        </a:solidFill>
+        <a:ln w="12700" cap="flat" cmpd="sng" algn="ctr">
+          <a:solidFill>
+            <a:schemeClr val="dk2">
+              <a:hueOff val="0"/>
+              <a:satOff val="0"/>
+              <a:lumOff val="0"/>
+              <a:alphaOff val="0"/>
+            </a:schemeClr>
+          </a:solidFill>
+          <a:prstDash val="solid"/>
+          <a:miter lim="800000"/>
+        </a:ln>
+        <a:effectLst/>
+      </dsp:spPr>
+      <dsp:style>
+        <a:lnRef idx="2">
+          <a:scrgbClr r="0" g="0" b="0"/>
+        </a:lnRef>
+        <a:fillRef idx="1">
+          <a:scrgbClr r="0" g="0" b="0"/>
+        </a:fillRef>
+        <a:effectRef idx="0">
+          <a:scrgbClr r="0" g="0" b="0"/>
+        </a:effectRef>
+        <a:fontRef idx="minor">
+          <a:schemeClr val="lt1"/>
+        </a:fontRef>
+      </dsp:style>
+      <dsp:txBody>
+        <a:bodyPr spcFirstLastPara="0" vert="horz" wrap="square" lIns="195932" tIns="0" rIns="195932" bIns="330200" numCol="1" spcCol="1270" anchor="t" anchorCtr="0">
+          <a:noAutofit/>
+        </a:bodyPr>
+        <a:lstStyle/>
+        <a:p>
+          <a:pPr marL="0" lvl="0" indent="0" algn="l" defTabSz="844550">
+            <a:lnSpc>
+              <a:spcPct val="90000"/>
+            </a:lnSpc>
+            <a:spcBef>
+              <a:spcPct val="0"/>
+            </a:spcBef>
+            <a:spcAft>
+              <a:spcPct val="35000"/>
+            </a:spcAft>
+            <a:buNone/>
+          </a:pPr>
+          <a:r>
+            <a:rPr lang="fr-CA" sz="1900" kern="1200" dirty="0"/>
+            <a:t>Statique vs Dynamique</a:t>
+          </a:r>
+          <a:endParaRPr lang="en-US" sz="1900" kern="1200" dirty="0"/>
+        </a:p>
+      </dsp:txBody>
+      <dsp:txXfrm>
+        <a:off x="489" y="2548034"/>
+        <a:ext cx="1983562" cy="1428165"/>
+      </dsp:txXfrm>
+    </dsp:sp>
+    <dsp:sp modelId="{80D25142-1AD4-41B8-B6DA-5A77BF46E6DE}">
+      <dsp:nvSpPr>
+        <dsp:cNvPr id="0" name=""/>
+        <dsp:cNvSpPr/>
+      </dsp:nvSpPr>
+      <dsp:spPr>
+        <a:xfrm>
+          <a:off x="489" y="1595924"/>
+          <a:ext cx="1983562" cy="952110"/>
+        </a:xfrm>
+        <a:prstGeom prst="rect">
+          <a:avLst/>
+        </a:prstGeom>
+        <a:noFill/>
+        <a:ln w="12700" cap="flat" cmpd="sng" algn="ctr">
+          <a:noFill/>
+          <a:prstDash val="solid"/>
+          <a:miter lim="800000"/>
+        </a:ln>
+        <a:effectLst/>
+        <a:sp3d/>
+      </dsp:spPr>
+      <dsp:style>
+        <a:lnRef idx="2">
+          <a:scrgbClr r="0" g="0" b="0"/>
+        </a:lnRef>
+        <a:fillRef idx="1">
+          <a:scrgbClr r="0" g="0" b="0"/>
+        </a:fillRef>
+        <a:effectRef idx="0">
+          <a:scrgbClr r="0" g="0" b="0"/>
+        </a:effectRef>
+        <a:fontRef idx="minor">
+          <a:schemeClr val="lt1"/>
+        </a:fontRef>
+      </dsp:style>
+      <dsp:txBody>
+        <a:bodyPr spcFirstLastPara="0" vert="horz" wrap="square" lIns="195932" tIns="165100" rIns="195932" bIns="165100" numCol="1" spcCol="1270" anchor="ctr" anchorCtr="0">
+          <a:noAutofit/>
+        </a:bodyPr>
+        <a:lstStyle/>
+        <a:p>
+          <a:pPr marL="0" lvl="0" indent="0" algn="l" defTabSz="1955800">
+            <a:lnSpc>
+              <a:spcPct val="90000"/>
+            </a:lnSpc>
+            <a:spcBef>
+              <a:spcPct val="0"/>
+            </a:spcBef>
+            <a:spcAft>
+              <a:spcPct val="35000"/>
+            </a:spcAft>
+            <a:buNone/>
+          </a:pPr>
+          <a:r>
+            <a:rPr lang="en-US" sz="4400" kern="1200"/>
+            <a:t>01</a:t>
+          </a:r>
+        </a:p>
+      </dsp:txBody>
+      <dsp:txXfrm>
+        <a:off x="489" y="1595924"/>
+        <a:ext cx="1983562" cy="952110"/>
+      </dsp:txXfrm>
+    </dsp:sp>
+    <dsp:sp modelId="{862C77AD-CB48-4F43-BE49-B13D3B36AA4B}">
+      <dsp:nvSpPr>
+        <dsp:cNvPr id="0" name=""/>
+        <dsp:cNvSpPr/>
+      </dsp:nvSpPr>
+      <dsp:spPr>
+        <a:xfrm>
+          <a:off x="2142737" y="1595924"/>
+          <a:ext cx="1983562" cy="2380275"/>
+        </a:xfrm>
+        <a:prstGeom prst="rect">
+          <a:avLst/>
+        </a:prstGeom>
+        <a:solidFill>
+          <a:schemeClr val="dk2">
+            <a:hueOff val="0"/>
+            <a:satOff val="0"/>
+            <a:lumOff val="0"/>
+            <a:alphaOff val="0"/>
+          </a:schemeClr>
+        </a:solidFill>
+        <a:ln w="12700" cap="flat" cmpd="sng" algn="ctr">
+          <a:solidFill>
+            <a:schemeClr val="dk2">
+              <a:hueOff val="0"/>
+              <a:satOff val="0"/>
+              <a:lumOff val="0"/>
+              <a:alphaOff val="0"/>
+            </a:schemeClr>
+          </a:solidFill>
+          <a:prstDash val="solid"/>
+          <a:miter lim="800000"/>
+        </a:ln>
+        <a:effectLst/>
+      </dsp:spPr>
+      <dsp:style>
+        <a:lnRef idx="2">
+          <a:scrgbClr r="0" g="0" b="0"/>
+        </a:lnRef>
+        <a:fillRef idx="1">
+          <a:scrgbClr r="0" g="0" b="0"/>
+        </a:fillRef>
+        <a:effectRef idx="0">
+          <a:scrgbClr r="0" g="0" b="0"/>
+        </a:effectRef>
+        <a:fontRef idx="minor">
+          <a:schemeClr val="lt1"/>
+        </a:fontRef>
+      </dsp:style>
+      <dsp:txBody>
+        <a:bodyPr spcFirstLastPara="0" vert="horz" wrap="square" lIns="195932" tIns="0" rIns="195932" bIns="330200" numCol="1" spcCol="1270" anchor="t" anchorCtr="0">
+          <a:noAutofit/>
+        </a:bodyPr>
+        <a:lstStyle/>
+        <a:p>
+          <a:pPr marL="0" lvl="0" indent="0" algn="l" defTabSz="844550">
+            <a:lnSpc>
+              <a:spcPct val="90000"/>
+            </a:lnSpc>
+            <a:spcBef>
+              <a:spcPct val="0"/>
+            </a:spcBef>
+            <a:spcAft>
+              <a:spcPct val="35000"/>
+            </a:spcAft>
+            <a:buNone/>
+          </a:pPr>
+          <a:r>
+            <a:rPr lang="en-US" sz="1900" kern="1200" dirty="0" err="1"/>
+            <a:t>Récolter</a:t>
+          </a:r>
+          <a:r>
+            <a:rPr lang="en-US" sz="1900" kern="1200" dirty="0"/>
+            <a:t> de </a:t>
+          </a:r>
+          <a:r>
+            <a:rPr lang="en-US" sz="1900" kern="1200" dirty="0" err="1"/>
+            <a:t>l’information</a:t>
+          </a:r>
+          <a:endParaRPr lang="en-US" sz="1900" kern="1200" dirty="0"/>
+        </a:p>
+      </dsp:txBody>
+      <dsp:txXfrm>
+        <a:off x="2142737" y="2548034"/>
+        <a:ext cx="1983562" cy="1428165"/>
+      </dsp:txXfrm>
+    </dsp:sp>
+    <dsp:sp modelId="{D8B5918D-E206-49F6-88BB-1124846074C2}">
+      <dsp:nvSpPr>
+        <dsp:cNvPr id="0" name=""/>
+        <dsp:cNvSpPr/>
+      </dsp:nvSpPr>
+      <dsp:spPr>
+        <a:xfrm>
+          <a:off x="2142737" y="1595924"/>
+          <a:ext cx="1983562" cy="952110"/>
+        </a:xfrm>
+        <a:prstGeom prst="rect">
+          <a:avLst/>
+        </a:prstGeom>
+        <a:noFill/>
+        <a:ln w="12700" cap="flat" cmpd="sng" algn="ctr">
+          <a:noFill/>
+          <a:prstDash val="solid"/>
+          <a:miter lim="800000"/>
+        </a:ln>
+        <a:effectLst/>
+        <a:sp3d/>
+      </dsp:spPr>
+      <dsp:style>
+        <a:lnRef idx="2">
+          <a:scrgbClr r="0" g="0" b="0"/>
+        </a:lnRef>
+        <a:fillRef idx="1">
+          <a:scrgbClr r="0" g="0" b="0"/>
+        </a:fillRef>
+        <a:effectRef idx="0">
+          <a:scrgbClr r="0" g="0" b="0"/>
+        </a:effectRef>
+        <a:fontRef idx="minor">
+          <a:schemeClr val="lt1"/>
+        </a:fontRef>
+      </dsp:style>
+      <dsp:txBody>
+        <a:bodyPr spcFirstLastPara="0" vert="horz" wrap="square" lIns="195932" tIns="165100" rIns="195932" bIns="165100" numCol="1" spcCol="1270" anchor="ctr" anchorCtr="0">
+          <a:noAutofit/>
+        </a:bodyPr>
+        <a:lstStyle/>
+        <a:p>
+          <a:pPr marL="0" lvl="0" indent="0" algn="l" defTabSz="1955800">
+            <a:lnSpc>
+              <a:spcPct val="90000"/>
+            </a:lnSpc>
+            <a:spcBef>
+              <a:spcPct val="0"/>
+            </a:spcBef>
+            <a:spcAft>
+              <a:spcPct val="35000"/>
+            </a:spcAft>
+            <a:buNone/>
+          </a:pPr>
+          <a:r>
+            <a:rPr lang="en-US" sz="4400" kern="1200"/>
+            <a:t>02</a:t>
+          </a:r>
+        </a:p>
+      </dsp:txBody>
+      <dsp:txXfrm>
+        <a:off x="2142737" y="1595924"/>
+        <a:ext cx="1983562" cy="952110"/>
+      </dsp:txXfrm>
+    </dsp:sp>
+    <dsp:sp modelId="{98925FBD-E7B5-4055-B612-A4110531933D}">
+      <dsp:nvSpPr>
+        <dsp:cNvPr id="0" name=""/>
+        <dsp:cNvSpPr/>
+      </dsp:nvSpPr>
+      <dsp:spPr>
+        <a:xfrm>
+          <a:off x="4284985" y="1595924"/>
+          <a:ext cx="1983562" cy="2380275"/>
+        </a:xfrm>
+        <a:prstGeom prst="rect">
+          <a:avLst/>
+        </a:prstGeom>
+        <a:solidFill>
+          <a:schemeClr val="dk2">
+            <a:hueOff val="0"/>
+            <a:satOff val="0"/>
+            <a:lumOff val="0"/>
+            <a:alphaOff val="0"/>
+          </a:schemeClr>
+        </a:solidFill>
+        <a:ln w="12700" cap="flat" cmpd="sng" algn="ctr">
+          <a:solidFill>
+            <a:schemeClr val="dk2">
+              <a:hueOff val="0"/>
+              <a:satOff val="0"/>
+              <a:lumOff val="0"/>
+              <a:alphaOff val="0"/>
+            </a:schemeClr>
+          </a:solidFill>
+          <a:prstDash val="solid"/>
+          <a:miter lim="800000"/>
+        </a:ln>
+        <a:effectLst/>
+      </dsp:spPr>
+      <dsp:style>
+        <a:lnRef idx="2">
+          <a:scrgbClr r="0" g="0" b="0"/>
+        </a:lnRef>
+        <a:fillRef idx="1">
+          <a:scrgbClr r="0" g="0" b="0"/>
+        </a:fillRef>
+        <a:effectRef idx="0">
+          <a:scrgbClr r="0" g="0" b="0"/>
+        </a:effectRef>
+        <a:fontRef idx="minor">
+          <a:schemeClr val="lt1"/>
+        </a:fontRef>
+      </dsp:style>
+      <dsp:txBody>
+        <a:bodyPr spcFirstLastPara="0" vert="horz" wrap="square" lIns="195932" tIns="0" rIns="195932" bIns="330200" numCol="1" spcCol="1270" anchor="t" anchorCtr="0">
+          <a:noAutofit/>
+        </a:bodyPr>
+        <a:lstStyle/>
+        <a:p>
+          <a:pPr marL="0" lvl="0" indent="0" algn="l" defTabSz="844550">
+            <a:lnSpc>
+              <a:spcPct val="90000"/>
+            </a:lnSpc>
+            <a:spcBef>
+              <a:spcPct val="0"/>
+            </a:spcBef>
+            <a:spcAft>
+              <a:spcPct val="35000"/>
+            </a:spcAft>
+            <a:buNone/>
+          </a:pPr>
+          <a:r>
+            <a:rPr lang="fr-CA" sz="1900" kern="1200" dirty="0"/>
+            <a:t>Communication client/serveur</a:t>
+          </a:r>
+          <a:endParaRPr lang="en-US" sz="1900" kern="1200" dirty="0"/>
+        </a:p>
+      </dsp:txBody>
+      <dsp:txXfrm>
+        <a:off x="4284985" y="2548034"/>
+        <a:ext cx="1983562" cy="1428165"/>
+      </dsp:txXfrm>
+    </dsp:sp>
+    <dsp:sp modelId="{FC430234-066D-40FC-8AA4-CDB0CACF20B8}">
+      <dsp:nvSpPr>
+        <dsp:cNvPr id="0" name=""/>
+        <dsp:cNvSpPr/>
+      </dsp:nvSpPr>
+      <dsp:spPr>
+        <a:xfrm>
+          <a:off x="4284985" y="1595924"/>
+          <a:ext cx="1983562" cy="952110"/>
+        </a:xfrm>
+        <a:prstGeom prst="rect">
+          <a:avLst/>
+        </a:prstGeom>
+        <a:noFill/>
+        <a:ln w="12700" cap="flat" cmpd="sng" algn="ctr">
+          <a:noFill/>
+          <a:prstDash val="solid"/>
+          <a:miter lim="800000"/>
+        </a:ln>
+        <a:effectLst/>
+        <a:sp3d/>
+      </dsp:spPr>
+      <dsp:style>
+        <a:lnRef idx="2">
+          <a:scrgbClr r="0" g="0" b="0"/>
+        </a:lnRef>
+        <a:fillRef idx="1">
+          <a:scrgbClr r="0" g="0" b="0"/>
+        </a:fillRef>
+        <a:effectRef idx="0">
+          <a:scrgbClr r="0" g="0" b="0"/>
+        </a:effectRef>
+        <a:fontRef idx="minor">
+          <a:schemeClr val="lt1"/>
+        </a:fontRef>
+      </dsp:style>
+      <dsp:txBody>
+        <a:bodyPr spcFirstLastPara="0" vert="horz" wrap="square" lIns="195932" tIns="165100" rIns="195932" bIns="165100" numCol="1" spcCol="1270" anchor="ctr" anchorCtr="0">
+          <a:noAutofit/>
+        </a:bodyPr>
+        <a:lstStyle/>
+        <a:p>
+          <a:pPr marL="0" lvl="0" indent="0" algn="l" defTabSz="1955800">
+            <a:lnSpc>
+              <a:spcPct val="90000"/>
+            </a:lnSpc>
+            <a:spcBef>
+              <a:spcPct val="0"/>
+            </a:spcBef>
+            <a:spcAft>
+              <a:spcPct val="35000"/>
+            </a:spcAft>
+            <a:buNone/>
+          </a:pPr>
+          <a:r>
+            <a:rPr lang="en-US" sz="4400" kern="1200"/>
+            <a:t>03</a:t>
+          </a:r>
+        </a:p>
+      </dsp:txBody>
+      <dsp:txXfrm>
+        <a:off x="4284985" y="1595924"/>
+        <a:ext cx="1983562" cy="952110"/>
       </dsp:txXfrm>
     </dsp:sp>
   </dsp:spTree>
@@ -15772,6 +17268,272 @@
 </dgm:layoutDef>
 </file>
 
+<file path=ppt/diagrams/layout10.xml><?xml version="1.0" encoding="utf-8"?>
+<dgm:layoutDef xmlns:dgm="http://schemas.openxmlformats.org/drawingml/2006/diagram" xmlns:a="http://schemas.openxmlformats.org/drawingml/2006/main" uniqueId="urn:microsoft.com/office/officeart/2016/7/layout/LinearBlockProcessNumbered">
+  <dgm:title val="Linear Block Process Numbered"/>
+  <dgm:desc val="Used to show a progression; a timeline; sequential steps in a task, process, or workflow; or to emphasize movement or direction. Automatic numbers have been introduced to show the steps of the process. Level 1 text and Level 2 text both appears in a rectangle."/>
+  <dgm:catLst>
+    <dgm:cat type="process" pri="500"/>
+  </dgm:catLst>
+  <dgm:sampData>
+    <dgm:dataModel>
+      <dgm:ptLst>
+        <dgm:pt modelId="0" type="doc"/>
+        <dgm:pt modelId="1">
+          <dgm:prSet phldr="1"/>
+        </dgm:pt>
+        <dgm:pt modelId="11">
+          <dgm:prSet phldr="1"/>
+        </dgm:pt>
+        <dgm:pt modelId="2">
+          <dgm:prSet phldr="1"/>
+        </dgm:pt>
+        <dgm:pt modelId="21">
+          <dgm:prSet phldr="1"/>
+        </dgm:pt>
+        <dgm:pt modelId="3">
+          <dgm:prSet phldr="1"/>
+        </dgm:pt>
+        <dgm:pt modelId="31">
+          <dgm:prSet phldr="1"/>
+        </dgm:pt>
+        <dgm:pt modelId="101" type="sibTrans" cxnId="4">
+          <dgm:prSet phldrT="1"/>
+          <dgm:t>
+            <a:bodyPr/>
+            <a:lstStyle/>
+            <a:p>
+              <a:r>
+                <a:t>01</a:t>
+              </a:r>
+            </a:p>
+          </dgm:t>
+        </dgm:pt>
+        <dgm:pt modelId="201" type="sibTrans" cxnId="5">
+          <dgm:prSet phldrT="2"/>
+          <dgm:t>
+            <a:bodyPr/>
+            <a:lstStyle/>
+            <a:p>
+              <a:r>
+                <a:t>02</a:t>
+              </a:r>
+            </a:p>
+          </dgm:t>
+        </dgm:pt>
+        <dgm:pt modelId="301" type="sibTrans" cxnId="6">
+          <dgm:prSet phldrT="3"/>
+          <dgm:t>
+            <a:bodyPr/>
+            <a:lstStyle/>
+            <a:p>
+              <a:r>
+                <a:t>03</a:t>
+              </a:r>
+            </a:p>
+          </dgm:t>
+        </dgm:pt>
+      </dgm:ptLst>
+      <dgm:cxnLst>
+        <dgm:cxn modelId="4" srcId="0" destId="1" srcOrd="0" destOrd="0" sibTransId="101"/>
+        <dgm:cxn modelId="5" srcId="0" destId="2" srcOrd="1" destOrd="0" sibTransId="201"/>
+        <dgm:cxn modelId="6" srcId="0" destId="3" srcOrd="2" destOrd="0" sibTransId="301"/>
+        <dgm:cxn modelId="13" srcId="1" destId="11" srcOrd="0" destOrd="0"/>
+        <dgm:cxn modelId="23" srcId="2" destId="21" srcOrd="0" destOrd="0"/>
+        <dgm:cxn modelId="33" srcId="3" destId="31" srcOrd="0" destOrd="0"/>
+      </dgm:cxnLst>
+      <dgm:bg/>
+      <dgm:whole/>
+    </dgm:dataModel>
+  </dgm:sampData>
+  <dgm:styleData>
+    <dgm:dataModel>
+      <dgm:ptLst>
+        <dgm:pt modelId="0" type="doc"/>
+        <dgm:pt modelId="1"/>
+        <dgm:pt modelId="11"/>
+        <dgm:pt modelId="2"/>
+        <dgm:pt modelId="21"/>
+      </dgm:ptLst>
+      <dgm:cxnLst>
+        <dgm:cxn modelId="4" srcId="0" destId="1" srcOrd="0" destOrd="0"/>
+        <dgm:cxn modelId="5" srcId="0" destId="2" srcOrd="1" destOrd="0"/>
+        <dgm:cxn modelId="13" srcId="1" destId="11" srcOrd="0" destOrd="0"/>
+        <dgm:cxn modelId="23" srcId="2" destId="21" srcOrd="0" destOrd="0"/>
+      </dgm:cxnLst>
+      <dgm:bg/>
+      <dgm:whole/>
+    </dgm:dataModel>
+  </dgm:styleData>
+  <dgm:clrData>
+    <dgm:dataModel>
+      <dgm:ptLst>
+        <dgm:pt modelId="0" type="doc"/>
+        <dgm:pt modelId="1"/>
+        <dgm:pt modelId="11"/>
+        <dgm:pt modelId="2"/>
+        <dgm:pt modelId="21"/>
+        <dgm:pt modelId="3"/>
+        <dgm:pt modelId="31"/>
+        <dgm:pt modelId="4"/>
+        <dgm:pt modelId="41"/>
+      </dgm:ptLst>
+      <dgm:cxnLst>
+        <dgm:cxn modelId="5" srcId="0" destId="1" srcOrd="0" destOrd="0"/>
+        <dgm:cxn modelId="6" srcId="0" destId="2" srcOrd="1" destOrd="0"/>
+        <dgm:cxn modelId="7" srcId="0" destId="3" srcOrd="2" destOrd="0"/>
+        <dgm:cxn modelId="8" srcId="0" destId="4" srcOrd="3" destOrd="0"/>
+        <dgm:cxn modelId="13" srcId="1" destId="11" srcOrd="0" destOrd="0"/>
+        <dgm:cxn modelId="23" srcId="2" destId="21" srcOrd="0" destOrd="0"/>
+        <dgm:cxn modelId="33" srcId="3" destId="31" srcOrd="0" destOrd="0"/>
+        <dgm:cxn modelId="43" srcId="4" destId="41" srcOrd="0" destOrd="0"/>
+      </dgm:cxnLst>
+      <dgm:bg/>
+      <dgm:whole/>
+    </dgm:dataModel>
+  </dgm:clrData>
+  <dgm:layoutNode name="Name0">
+    <dgm:varLst>
+      <dgm:animLvl val="lvl"/>
+      <dgm:resizeHandles val="exact"/>
+    </dgm:varLst>
+    <dgm:alg type="lin">
+      <dgm:param type="linDir" val="fromL"/>
+      <dgm:param type="nodeVertAlign" val="t"/>
+    </dgm:alg>
+    <dgm:shape xmlns:r="http://schemas.openxmlformats.org/officeDocument/2006/relationships" r:blip="">
+      <dgm:adjLst/>
+    </dgm:shape>
+    <dgm:presOf/>
+    <dgm:constrLst>
+      <dgm:constr type="h" for="ch" forName="compositeNode" refType="h"/>
+      <dgm:constr type="w" for="ch" forName="compositeNode" refType="w"/>
+      <dgm:constr type="w" for="des" forName="simulatedConn" refType="w" refFor="ch" refForName="compositeNode" fact="0.15"/>
+      <dgm:constr type="h" for="des" forName="simulatedConn" refType="w" refFor="des" refForName="simulatedConn"/>
+      <dgm:constr type="h" for="des" forName="vSp1" refType="w" refFor="ch" refForName="compositeNode" fact="0.8"/>
+      <dgm:constr type="h" for="des" forName="vSp2" refType="w" refFor="ch" refForName="compositeNode" fact="0.07"/>
+      <dgm:constr type="w" for="ch" forName="vProcSp" refType="w" refFor="des" refForName="simulatedConn" op="equ"/>
+      <dgm:constr type="h" for="ch" forName="vProcSp" refType="h" refFor="ch" refForName="compositeNode" op="equ"/>
+      <dgm:constr type="w" for="ch" forName="sibTrans" refType="w" refFor="ch" refForName="compositeNode" fact="0.08"/>
+      <dgm:constr type="primFontSz" for="des" forName="sibTransNodeRect" op="equ"/>
+      <dgm:constr type="primFontSz" for="des" forName="nodeRect" op="equ"/>
+    </dgm:constrLst>
+    <dgm:ruleLst/>
+    <dgm:forEach name="Name4" axis="ch" ptType="node">
+      <dgm:layoutNode name="compositeNode">
+        <dgm:varLst>
+          <dgm:bulletEnabled val="1"/>
+        </dgm:varLst>
+        <dgm:alg type="composite"/>
+        <dgm:constrLst>
+          <dgm:constr type="h" refType="w" op="lte" fact="1.2"/>
+          <dgm:constr type="w" for="ch" forName="bgRect" refType="w"/>
+          <dgm:constr type="h" for="ch" forName="bgRect" refType="h"/>
+          <dgm:constr type="t" for="ch" forName="bgRect"/>
+          <dgm:constr type="l" for="ch" forName="bgRect"/>
+          <dgm:constr type="w" for="ch" forName="sibTransNodeRect" refType="w" refFor="ch" refForName="bgRect"/>
+          <dgm:constr type="h" for="ch" forName="sibTransNodeRect" refType="h" refFor="ch" refForName="bgRect" fact="0.4"/>
+          <dgm:constr type="t" for="ch" forName="sibTransNodeRect"/>
+          <dgm:constr type="l" for="ch" forName="sibTransNodeRect"/>
+          <dgm:constr type="r" for="ch" forName="nodeRect" refType="r" refFor="ch" refForName="bgRect"/>
+          <dgm:constr type="h" for="ch" forName="nodeRect" refType="h" refFor="ch" refForName="bgRect" fact="0.6"/>
+          <dgm:constr type="t" for="ch" forName="nodeRect" refType="b" refFor="ch" refForName="sibTransNodeRect"/>
+          <dgm:constr type="l" for="ch" forName="nodeRect" refType="l" refFor="ch" refForName="bgRect"/>
+        </dgm:constrLst>
+        <dgm:ruleLst>
+          <dgm:rule type="w" for="ch" forName="nodeRect" val="NaN" fact="NaN" max="30"/>
+        </dgm:ruleLst>
+        <dgm:layoutNode name="bgRect" styleLbl="alignNode1">
+          <dgm:alg type="sp"/>
+          <dgm:shape xmlns:r="http://schemas.openxmlformats.org/officeDocument/2006/relationships" type="rect" r:blip="">
+            <dgm:adjLst>
+              <dgm:adj idx="1" val="0.05"/>
+            </dgm:adjLst>
+          </dgm:shape>
+          <dgm:presOf axis="self"/>
+          <dgm:constrLst/>
+          <dgm:ruleLst/>
+        </dgm:layoutNode>
+        <dgm:forEach name="Name19" axis="followSib" ptType="sibTrans" hideLastTrans="0" cnt="1">
+          <dgm:layoutNode name="sibTransNodeRect" styleLbl="alignNode1">
+            <dgm:varLst>
+              <dgm:chMax val="0"/>
+              <dgm:bulletEnabled val="1"/>
+            </dgm:varLst>
+            <dgm:presOf axis="self"/>
+            <dgm:alg type="tx">
+              <dgm:param type="parTxLTRAlign" val="l"/>
+              <dgm:param type="parTxRTLAlign" val="l"/>
+            </dgm:alg>
+            <dgm:shape xmlns:r="http://schemas.openxmlformats.org/officeDocument/2006/relationships" type="rect" r:blip="" hideGeom="1">
+              <dgm:adjLst/>
+            </dgm:shape>
+            <dgm:constrLst>
+              <dgm:constr type="primFontSz" val="66"/>
+              <dgm:constr type="tMarg" val="13"/>
+              <dgm:constr type="lMarg" refType="w" fact="0.28"/>
+              <dgm:constr type="rMarg" refType="w" fact="0.28"/>
+              <dgm:constr type="bMarg" val="13"/>
+            </dgm:constrLst>
+            <dgm:ruleLst>
+              <dgm:rule type="primFontSz" val="14" fact="NaN" max="NaN"/>
+              <dgm:rule type="tMarg" val="13" fact="NaN" max="NaN"/>
+            </dgm:ruleLst>
+          </dgm:layoutNode>
+        </dgm:forEach>
+        <dgm:layoutNode name="nodeRect" styleLbl="alignNode1" moveWith="bgRect">
+          <dgm:varLst>
+            <dgm:bulletEnabled val="1"/>
+          </dgm:varLst>
+          <dgm:alg type="tx">
+            <dgm:param type="parTxLTRAlign" val="l"/>
+            <dgm:param type="parTxRTLAlign" val="r"/>
+            <dgm:param type="txAnchorVert" val="t"/>
+            <dgm:param type="stBulletLvl" val="2"/>
+          </dgm:alg>
+          <dgm:shape xmlns:r="http://schemas.openxmlformats.org/officeDocument/2006/relationships" type="rect" r:blip="" hideGeom="1">
+            <dgm:adjLst/>
+          </dgm:shape>
+          <dgm:presOf axis="desOrSelf" ptType="node"/>
+          <dgm:constrLst>
+            <dgm:constr type="primFontSz" val="26"/>
+            <dgm:constr type="tMarg"/>
+            <dgm:constr type="lMarg" refType="w" fact="0.28"/>
+            <dgm:constr type="rMarg" refType="w" fact="0.28"/>
+            <dgm:constr type="bMarg" val="26"/>
+          </dgm:constrLst>
+          <dgm:ruleLst>
+            <dgm:rule type="primFontSz" val="11" fact="NaN" max="NaN"/>
+          </dgm:ruleLst>
+        </dgm:layoutNode>
+      </dgm:layoutNode>
+      <dgm:forEach name="Name14" axis="followSib" ptType="sibTrans" cnt="1">
+        <dgm:layoutNode name="sibTrans">
+          <dgm:alg type="sp"/>
+          <dgm:shape xmlns:r="http://schemas.openxmlformats.org/officeDocument/2006/relationships" r:blip="">
+            <dgm:adjLst/>
+          </dgm:shape>
+          <dgm:presOf/>
+          <dgm:constrLst/>
+          <dgm:ruleLst/>
+        </dgm:layoutNode>
+      </dgm:forEach>
+    </dgm:forEach>
+  </dgm:layoutNode>
+  <dgm:extLst>
+    <a:ext uri="{4F341089-5ED1-44EC-B178-C955D00A3D55}">
+      <dgm1611:autoBuNodeInfoLst xmlns:dgm1611="http://schemas.microsoft.com/office/drawing/2016/11/diagram">
+        <dgm1611:autoBuNodeInfo lvl="1" ptType="sibTrans">
+          <dgm1611:buPr prefix="" leadZeros="1">
+            <a:buAutoNum type="arabicParenBoth"/>
+          </dgm1611:buPr>
+        </dgm1611:autoBuNodeInfo>
+      </dgm1611:autoBuNodeInfoLst>
+    </a:ext>
+  </dgm:extLst>
+</dgm:layoutDef>
+</file>
+
 <file path=ppt/diagrams/layout2.xml><?xml version="1.0" encoding="utf-8"?>
 <dgm:layoutDef xmlns:dgm="http://schemas.openxmlformats.org/drawingml/2006/diagram" xmlns:a="http://schemas.openxmlformats.org/drawingml/2006/main" uniqueId="urn:microsoft.com/office/officeart/2005/8/layout/hierarchy3">
   <dgm:title val=""/>
@@ -18986,6 +20748,1040 @@
 </dgm:styleDef>
 </file>
 
+<file path=ppt/diagrams/quickStyle10.xml><?xml version="1.0" encoding="utf-8"?>
+<dgm:styleDef xmlns:dgm="http://schemas.openxmlformats.org/drawingml/2006/diagram" xmlns:a="http://schemas.openxmlformats.org/drawingml/2006/main" uniqueId="urn:microsoft.com/office/officeart/2005/8/quickstyle/simple1">
+  <dgm:title val=""/>
+  <dgm:desc val=""/>
+  <dgm:catLst>
+    <dgm:cat type="simple" pri="10100"/>
+  </dgm:catLst>
+  <dgm:scene3d>
+    <a:camera prst="orthographicFront"/>
+    <a:lightRig rig="threePt" dir="t"/>
+  </dgm:scene3d>
+  <dgm:styleLbl name="node0">
+    <dgm:scene3d>
+      <a:camera prst="orthographicFront"/>
+      <a:lightRig rig="threePt" dir="t"/>
+    </dgm:scene3d>
+    <dgm:sp3d/>
+    <dgm:txPr/>
+    <dgm:style>
+      <a:lnRef idx="2">
+        <a:scrgbClr r="0" g="0" b="0"/>
+      </a:lnRef>
+      <a:fillRef idx="1">
+        <a:scrgbClr r="0" g="0" b="0"/>
+      </a:fillRef>
+      <a:effectRef idx="0">
+        <a:scrgbClr r="0" g="0" b="0"/>
+      </a:effectRef>
+      <a:fontRef idx="minor">
+        <a:schemeClr val="lt1"/>
+      </a:fontRef>
+    </dgm:style>
+  </dgm:styleLbl>
+  <dgm:styleLbl name="lnNode1">
+    <dgm:scene3d>
+      <a:camera prst="orthographicFront"/>
+      <a:lightRig rig="threePt" dir="t"/>
+    </dgm:scene3d>
+    <dgm:sp3d/>
+    <dgm:txPr/>
+    <dgm:style>
+      <a:lnRef idx="2">
+        <a:scrgbClr r="0" g="0" b="0"/>
+      </a:lnRef>
+      <a:fillRef idx="1">
+        <a:scrgbClr r="0" g="0" b="0"/>
+      </a:fillRef>
+      <a:effectRef idx="0">
+        <a:scrgbClr r="0" g="0" b="0"/>
+      </a:effectRef>
+      <a:fontRef idx="minor">
+        <a:schemeClr val="lt1"/>
+      </a:fontRef>
+    </dgm:style>
+  </dgm:styleLbl>
+  <dgm:styleLbl name="vennNode1">
+    <dgm:scene3d>
+      <a:camera prst="orthographicFront"/>
+      <a:lightRig rig="threePt" dir="t"/>
+    </dgm:scene3d>
+    <dgm:sp3d/>
+    <dgm:txPr/>
+    <dgm:style>
+      <a:lnRef idx="2">
+        <a:scrgbClr r="0" g="0" b="0"/>
+      </a:lnRef>
+      <a:fillRef idx="1">
+        <a:scrgbClr r="0" g="0" b="0"/>
+      </a:fillRef>
+      <a:effectRef idx="0">
+        <a:scrgbClr r="0" g="0" b="0"/>
+      </a:effectRef>
+      <a:fontRef idx="minor">
+        <a:schemeClr val="tx1"/>
+      </a:fontRef>
+    </dgm:style>
+  </dgm:styleLbl>
+  <dgm:styleLbl name="alignNode1">
+    <dgm:scene3d>
+      <a:camera prst="orthographicFront"/>
+      <a:lightRig rig="threePt" dir="t"/>
+    </dgm:scene3d>
+    <dgm:sp3d/>
+    <dgm:txPr/>
+    <dgm:style>
+      <a:lnRef idx="2">
+        <a:scrgbClr r="0" g="0" b="0"/>
+      </a:lnRef>
+      <a:fillRef idx="1">
+        <a:scrgbClr r="0" g="0" b="0"/>
+      </a:fillRef>
+      <a:effectRef idx="0">
+        <a:scrgbClr r="0" g="0" b="0"/>
+      </a:effectRef>
+      <a:fontRef idx="minor">
+        <a:schemeClr val="lt1"/>
+      </a:fontRef>
+    </dgm:style>
+  </dgm:styleLbl>
+  <dgm:styleLbl name="node1">
+    <dgm:scene3d>
+      <a:camera prst="orthographicFront"/>
+      <a:lightRig rig="threePt" dir="t"/>
+    </dgm:scene3d>
+    <dgm:sp3d/>
+    <dgm:txPr/>
+    <dgm:style>
+      <a:lnRef idx="2">
+        <a:scrgbClr r="0" g="0" b="0"/>
+      </a:lnRef>
+      <a:fillRef idx="1">
+        <a:scrgbClr r="0" g="0" b="0"/>
+      </a:fillRef>
+      <a:effectRef idx="0">
+        <a:scrgbClr r="0" g="0" b="0"/>
+      </a:effectRef>
+      <a:fontRef idx="minor">
+        <a:schemeClr val="lt1"/>
+      </a:fontRef>
+    </dgm:style>
+  </dgm:styleLbl>
+  <dgm:styleLbl name="node2">
+    <dgm:scene3d>
+      <a:camera prst="orthographicFront"/>
+      <a:lightRig rig="threePt" dir="t"/>
+    </dgm:scene3d>
+    <dgm:sp3d/>
+    <dgm:txPr/>
+    <dgm:style>
+      <a:lnRef idx="2">
+        <a:scrgbClr r="0" g="0" b="0"/>
+      </a:lnRef>
+      <a:fillRef idx="1">
+        <a:scrgbClr r="0" g="0" b="0"/>
+      </a:fillRef>
+      <a:effectRef idx="0">
+        <a:scrgbClr r="0" g="0" b="0"/>
+      </a:effectRef>
+      <a:fontRef idx="minor">
+        <a:schemeClr val="lt1"/>
+      </a:fontRef>
+    </dgm:style>
+  </dgm:styleLbl>
+  <dgm:styleLbl name="node3">
+    <dgm:scene3d>
+      <a:camera prst="orthographicFront"/>
+      <a:lightRig rig="threePt" dir="t"/>
+    </dgm:scene3d>
+    <dgm:sp3d/>
+    <dgm:txPr/>
+    <dgm:style>
+      <a:lnRef idx="2">
+        <a:scrgbClr r="0" g="0" b="0"/>
+      </a:lnRef>
+      <a:fillRef idx="1">
+        <a:scrgbClr r="0" g="0" b="0"/>
+      </a:fillRef>
+      <a:effectRef idx="0">
+        <a:scrgbClr r="0" g="0" b="0"/>
+      </a:effectRef>
+      <a:fontRef idx="minor">
+        <a:schemeClr val="lt1"/>
+      </a:fontRef>
+    </dgm:style>
+  </dgm:styleLbl>
+  <dgm:styleLbl name="node4">
+    <dgm:scene3d>
+      <a:camera prst="orthographicFront"/>
+      <a:lightRig rig="threePt" dir="t"/>
+    </dgm:scene3d>
+    <dgm:sp3d/>
+    <dgm:txPr/>
+    <dgm:style>
+      <a:lnRef idx="2">
+        <a:scrgbClr r="0" g="0" b="0"/>
+      </a:lnRef>
+      <a:fillRef idx="1">
+        <a:scrgbClr r="0" g="0" b="0"/>
+      </a:fillRef>
+      <a:effectRef idx="0">
+        <a:scrgbClr r="0" g="0" b="0"/>
+      </a:effectRef>
+      <a:fontRef idx="minor">
+        <a:schemeClr val="lt1"/>
+      </a:fontRef>
+    </dgm:style>
+  </dgm:styleLbl>
+  <dgm:styleLbl name="fgImgPlace1">
+    <dgm:scene3d>
+      <a:camera prst="orthographicFront"/>
+      <a:lightRig rig="threePt" dir="t"/>
+    </dgm:scene3d>
+    <dgm:sp3d/>
+    <dgm:txPr/>
+    <dgm:style>
+      <a:lnRef idx="2">
+        <a:scrgbClr r="0" g="0" b="0"/>
+      </a:lnRef>
+      <a:fillRef idx="1">
+        <a:scrgbClr r="0" g="0" b="0"/>
+      </a:fillRef>
+      <a:effectRef idx="0">
+        <a:scrgbClr r="0" g="0" b="0"/>
+      </a:effectRef>
+      <a:fontRef idx="minor"/>
+    </dgm:style>
+  </dgm:styleLbl>
+  <dgm:styleLbl name="alignImgPlace1">
+    <dgm:scene3d>
+      <a:camera prst="orthographicFront"/>
+      <a:lightRig rig="threePt" dir="t"/>
+    </dgm:scene3d>
+    <dgm:sp3d/>
+    <dgm:txPr/>
+    <dgm:style>
+      <a:lnRef idx="2">
+        <a:scrgbClr r="0" g="0" b="0"/>
+      </a:lnRef>
+      <a:fillRef idx="1">
+        <a:scrgbClr r="0" g="0" b="0"/>
+      </a:fillRef>
+      <a:effectRef idx="0">
+        <a:scrgbClr r="0" g="0" b="0"/>
+      </a:effectRef>
+      <a:fontRef idx="minor"/>
+    </dgm:style>
+  </dgm:styleLbl>
+  <dgm:styleLbl name="bgImgPlace1">
+    <dgm:scene3d>
+      <a:camera prst="orthographicFront"/>
+      <a:lightRig rig="threePt" dir="t"/>
+    </dgm:scene3d>
+    <dgm:sp3d/>
+    <dgm:txPr/>
+    <dgm:style>
+      <a:lnRef idx="2">
+        <a:scrgbClr r="0" g="0" b="0"/>
+      </a:lnRef>
+      <a:fillRef idx="1">
+        <a:scrgbClr r="0" g="0" b="0"/>
+      </a:fillRef>
+      <a:effectRef idx="0">
+        <a:scrgbClr r="0" g="0" b="0"/>
+      </a:effectRef>
+      <a:fontRef idx="minor"/>
+    </dgm:style>
+  </dgm:styleLbl>
+  <dgm:styleLbl name="sibTrans2D1">
+    <dgm:scene3d>
+      <a:camera prst="orthographicFront"/>
+      <a:lightRig rig="threePt" dir="t"/>
+    </dgm:scene3d>
+    <dgm:sp3d/>
+    <dgm:txPr/>
+    <dgm:style>
+      <a:lnRef idx="0">
+        <a:scrgbClr r="0" g="0" b="0"/>
+      </a:lnRef>
+      <a:fillRef idx="1">
+        <a:scrgbClr r="0" g="0" b="0"/>
+      </a:fillRef>
+      <a:effectRef idx="0">
+        <a:scrgbClr r="0" g="0" b="0"/>
+      </a:effectRef>
+      <a:fontRef idx="minor">
+        <a:schemeClr val="lt1"/>
+      </a:fontRef>
+    </dgm:style>
+  </dgm:styleLbl>
+  <dgm:styleLbl name="fgSibTrans2D1">
+    <dgm:scene3d>
+      <a:camera prst="orthographicFront"/>
+      <a:lightRig rig="threePt" dir="t"/>
+    </dgm:scene3d>
+    <dgm:sp3d/>
+    <dgm:txPr/>
+    <dgm:style>
+      <a:lnRef idx="0">
+        <a:scrgbClr r="0" g="0" b="0"/>
+      </a:lnRef>
+      <a:fillRef idx="1">
+        <a:scrgbClr r="0" g="0" b="0"/>
+      </a:fillRef>
+      <a:effectRef idx="0">
+        <a:scrgbClr r="0" g="0" b="0"/>
+      </a:effectRef>
+      <a:fontRef idx="minor">
+        <a:schemeClr val="lt1"/>
+      </a:fontRef>
+    </dgm:style>
+  </dgm:styleLbl>
+  <dgm:styleLbl name="bgSibTrans2D1">
+    <dgm:scene3d>
+      <a:camera prst="orthographicFront"/>
+      <a:lightRig rig="threePt" dir="t"/>
+    </dgm:scene3d>
+    <dgm:sp3d/>
+    <dgm:txPr/>
+    <dgm:style>
+      <a:lnRef idx="0">
+        <a:scrgbClr r="0" g="0" b="0"/>
+      </a:lnRef>
+      <a:fillRef idx="1">
+        <a:scrgbClr r="0" g="0" b="0"/>
+      </a:fillRef>
+      <a:effectRef idx="0">
+        <a:scrgbClr r="0" g="0" b="0"/>
+      </a:effectRef>
+      <a:fontRef idx="minor">
+        <a:schemeClr val="lt1"/>
+      </a:fontRef>
+    </dgm:style>
+  </dgm:styleLbl>
+  <dgm:styleLbl name="sibTrans1D1">
+    <dgm:scene3d>
+      <a:camera prst="orthographicFront"/>
+      <a:lightRig rig="threePt" dir="t"/>
+    </dgm:scene3d>
+    <dgm:sp3d/>
+    <dgm:txPr/>
+    <dgm:style>
+      <a:lnRef idx="1">
+        <a:scrgbClr r="0" g="0" b="0"/>
+      </a:lnRef>
+      <a:fillRef idx="0">
+        <a:scrgbClr r="0" g="0" b="0"/>
+      </a:fillRef>
+      <a:effectRef idx="0">
+        <a:scrgbClr r="0" g="0" b="0"/>
+      </a:effectRef>
+      <a:fontRef idx="minor"/>
+    </dgm:style>
+  </dgm:styleLbl>
+  <dgm:styleLbl name="callout">
+    <dgm:scene3d>
+      <a:camera prst="orthographicFront"/>
+      <a:lightRig rig="threePt" dir="t"/>
+    </dgm:scene3d>
+    <dgm:sp3d/>
+    <dgm:txPr/>
+    <dgm:style>
+      <a:lnRef idx="2">
+        <a:scrgbClr r="0" g="0" b="0"/>
+      </a:lnRef>
+      <a:fillRef idx="1">
+        <a:scrgbClr r="0" g="0" b="0"/>
+      </a:fillRef>
+      <a:effectRef idx="0">
+        <a:scrgbClr r="0" g="0" b="0"/>
+      </a:effectRef>
+      <a:fontRef idx="minor"/>
+    </dgm:style>
+  </dgm:styleLbl>
+  <dgm:styleLbl name="asst0">
+    <dgm:scene3d>
+      <a:camera prst="orthographicFront"/>
+      <a:lightRig rig="threePt" dir="t"/>
+    </dgm:scene3d>
+    <dgm:sp3d/>
+    <dgm:txPr/>
+    <dgm:style>
+      <a:lnRef idx="2">
+        <a:scrgbClr r="0" g="0" b="0"/>
+      </a:lnRef>
+      <a:fillRef idx="1">
+        <a:scrgbClr r="0" g="0" b="0"/>
+      </a:fillRef>
+      <a:effectRef idx="0">
+        <a:scrgbClr r="0" g="0" b="0"/>
+      </a:effectRef>
+      <a:fontRef idx="minor">
+        <a:schemeClr val="lt1"/>
+      </a:fontRef>
+    </dgm:style>
+  </dgm:styleLbl>
+  <dgm:styleLbl name="asst1">
+    <dgm:scene3d>
+      <a:camera prst="orthographicFront"/>
+      <a:lightRig rig="threePt" dir="t"/>
+    </dgm:scene3d>
+    <dgm:sp3d/>
+    <dgm:txPr/>
+    <dgm:style>
+      <a:lnRef idx="2">
+        <a:scrgbClr r="0" g="0" b="0"/>
+      </a:lnRef>
+      <a:fillRef idx="1">
+        <a:scrgbClr r="0" g="0" b="0"/>
+      </a:fillRef>
+      <a:effectRef idx="0">
+        <a:scrgbClr r="0" g="0" b="0"/>
+      </a:effectRef>
+      <a:fontRef idx="minor">
+        <a:schemeClr val="lt1"/>
+      </a:fontRef>
+    </dgm:style>
+  </dgm:styleLbl>
+  <dgm:styleLbl name="asst2">
+    <dgm:scene3d>
+      <a:camera prst="orthographicFront"/>
+      <a:lightRig rig="threePt" dir="t"/>
+    </dgm:scene3d>
+    <dgm:sp3d/>
+    <dgm:txPr/>
+    <dgm:style>
+      <a:lnRef idx="2">
+        <a:scrgbClr r="0" g="0" b="0"/>
+      </a:lnRef>
+      <a:fillRef idx="1">
+        <a:scrgbClr r="0" g="0" b="0"/>
+      </a:fillRef>
+      <a:effectRef idx="0">
+        <a:scrgbClr r="0" g="0" b="0"/>
+      </a:effectRef>
+      <a:fontRef idx="minor">
+        <a:schemeClr val="lt1"/>
+      </a:fontRef>
+    </dgm:style>
+  </dgm:styleLbl>
+  <dgm:styleLbl name="asst3">
+    <dgm:scene3d>
+      <a:camera prst="orthographicFront"/>
+      <a:lightRig rig="threePt" dir="t"/>
+    </dgm:scene3d>
+    <dgm:sp3d/>
+    <dgm:txPr/>
+    <dgm:style>
+      <a:lnRef idx="2">
+        <a:scrgbClr r="0" g="0" b="0"/>
+      </a:lnRef>
+      <a:fillRef idx="1">
+        <a:scrgbClr r="0" g="0" b="0"/>
+      </a:fillRef>
+      <a:effectRef idx="0">
+        <a:scrgbClr r="0" g="0" b="0"/>
+      </a:effectRef>
+      <a:fontRef idx="minor">
+        <a:schemeClr val="lt1"/>
+      </a:fontRef>
+    </dgm:style>
+  </dgm:styleLbl>
+  <dgm:styleLbl name="asst4">
+    <dgm:scene3d>
+      <a:camera prst="orthographicFront"/>
+      <a:lightRig rig="threePt" dir="t"/>
+    </dgm:scene3d>
+    <dgm:sp3d/>
+    <dgm:txPr/>
+    <dgm:style>
+      <a:lnRef idx="2">
+        <a:scrgbClr r="0" g="0" b="0"/>
+      </a:lnRef>
+      <a:fillRef idx="1">
+        <a:scrgbClr r="0" g="0" b="0"/>
+      </a:fillRef>
+      <a:effectRef idx="0">
+        <a:scrgbClr r="0" g="0" b="0"/>
+      </a:effectRef>
+      <a:fontRef idx="minor">
+        <a:schemeClr val="lt1"/>
+      </a:fontRef>
+    </dgm:style>
+  </dgm:styleLbl>
+  <dgm:styleLbl name="parChTrans2D1">
+    <dgm:scene3d>
+      <a:camera prst="orthographicFront"/>
+      <a:lightRig rig="threePt" dir="t"/>
+    </dgm:scene3d>
+    <dgm:sp3d/>
+    <dgm:txPr/>
+    <dgm:style>
+      <a:lnRef idx="2">
+        <a:scrgbClr r="0" g="0" b="0"/>
+      </a:lnRef>
+      <a:fillRef idx="1">
+        <a:scrgbClr r="0" g="0" b="0"/>
+      </a:fillRef>
+      <a:effectRef idx="0">
+        <a:scrgbClr r="0" g="0" b="0"/>
+      </a:effectRef>
+      <a:fontRef idx="minor">
+        <a:schemeClr val="lt1"/>
+      </a:fontRef>
+    </dgm:style>
+  </dgm:styleLbl>
+  <dgm:styleLbl name="parChTrans2D2">
+    <dgm:scene3d>
+      <a:camera prst="orthographicFront"/>
+      <a:lightRig rig="threePt" dir="t"/>
+    </dgm:scene3d>
+    <dgm:sp3d/>
+    <dgm:txPr/>
+    <dgm:style>
+      <a:lnRef idx="2">
+        <a:scrgbClr r="0" g="0" b="0"/>
+      </a:lnRef>
+      <a:fillRef idx="1">
+        <a:scrgbClr r="0" g="0" b="0"/>
+      </a:fillRef>
+      <a:effectRef idx="0">
+        <a:scrgbClr r="0" g="0" b="0"/>
+      </a:effectRef>
+      <a:fontRef idx="minor">
+        <a:schemeClr val="lt1"/>
+      </a:fontRef>
+    </dgm:style>
+  </dgm:styleLbl>
+  <dgm:styleLbl name="parChTrans2D3">
+    <dgm:scene3d>
+      <a:camera prst="orthographicFront"/>
+      <a:lightRig rig="threePt" dir="t"/>
+    </dgm:scene3d>
+    <dgm:sp3d/>
+    <dgm:txPr/>
+    <dgm:style>
+      <a:lnRef idx="2">
+        <a:scrgbClr r="0" g="0" b="0"/>
+      </a:lnRef>
+      <a:fillRef idx="1">
+        <a:scrgbClr r="0" g="0" b="0"/>
+      </a:fillRef>
+      <a:effectRef idx="0">
+        <a:scrgbClr r="0" g="0" b="0"/>
+      </a:effectRef>
+      <a:fontRef idx="minor">
+        <a:schemeClr val="lt1"/>
+      </a:fontRef>
+    </dgm:style>
+  </dgm:styleLbl>
+  <dgm:styleLbl name="parChTrans2D4">
+    <dgm:scene3d>
+      <a:camera prst="orthographicFront"/>
+      <a:lightRig rig="threePt" dir="t"/>
+    </dgm:scene3d>
+    <dgm:sp3d/>
+    <dgm:txPr/>
+    <dgm:style>
+      <a:lnRef idx="2">
+        <a:scrgbClr r="0" g="0" b="0"/>
+      </a:lnRef>
+      <a:fillRef idx="1">
+        <a:scrgbClr r="0" g="0" b="0"/>
+      </a:fillRef>
+      <a:effectRef idx="0">
+        <a:scrgbClr r="0" g="0" b="0"/>
+      </a:effectRef>
+      <a:fontRef idx="minor">
+        <a:schemeClr val="lt1"/>
+      </a:fontRef>
+    </dgm:style>
+  </dgm:styleLbl>
+  <dgm:styleLbl name="parChTrans1D1">
+    <dgm:scene3d>
+      <a:camera prst="orthographicFront"/>
+      <a:lightRig rig="threePt" dir="t"/>
+    </dgm:scene3d>
+    <dgm:sp3d/>
+    <dgm:txPr/>
+    <dgm:style>
+      <a:lnRef idx="2">
+        <a:scrgbClr r="0" g="0" b="0"/>
+      </a:lnRef>
+      <a:fillRef idx="0">
+        <a:scrgbClr r="0" g="0" b="0"/>
+      </a:fillRef>
+      <a:effectRef idx="0">
+        <a:scrgbClr r="0" g="0" b="0"/>
+      </a:effectRef>
+      <a:fontRef idx="minor"/>
+    </dgm:style>
+  </dgm:styleLbl>
+  <dgm:styleLbl name="parChTrans1D2">
+    <dgm:scene3d>
+      <a:camera prst="orthographicFront"/>
+      <a:lightRig rig="threePt" dir="t"/>
+    </dgm:scene3d>
+    <dgm:sp3d/>
+    <dgm:txPr/>
+    <dgm:style>
+      <a:lnRef idx="2">
+        <a:scrgbClr r="0" g="0" b="0"/>
+      </a:lnRef>
+      <a:fillRef idx="0">
+        <a:scrgbClr r="0" g="0" b="0"/>
+      </a:fillRef>
+      <a:effectRef idx="0">
+        <a:scrgbClr r="0" g="0" b="0"/>
+      </a:effectRef>
+      <a:fontRef idx="minor"/>
+    </dgm:style>
+  </dgm:styleLbl>
+  <dgm:styleLbl name="parChTrans1D3">
+    <dgm:scene3d>
+      <a:camera prst="orthographicFront"/>
+      <a:lightRig rig="threePt" dir="t"/>
+    </dgm:scene3d>
+    <dgm:sp3d/>
+    <dgm:txPr/>
+    <dgm:style>
+      <a:lnRef idx="2">
+        <a:scrgbClr r="0" g="0" b="0"/>
+      </a:lnRef>
+      <a:fillRef idx="0">
+        <a:scrgbClr r="0" g="0" b="0"/>
+      </a:fillRef>
+      <a:effectRef idx="0">
+        <a:scrgbClr r="0" g="0" b="0"/>
+      </a:effectRef>
+      <a:fontRef idx="minor"/>
+    </dgm:style>
+  </dgm:styleLbl>
+  <dgm:styleLbl name="parChTrans1D4">
+    <dgm:scene3d>
+      <a:camera prst="orthographicFront"/>
+      <a:lightRig rig="threePt" dir="t"/>
+    </dgm:scene3d>
+    <dgm:sp3d/>
+    <dgm:txPr/>
+    <dgm:style>
+      <a:lnRef idx="2">
+        <a:scrgbClr r="0" g="0" b="0"/>
+      </a:lnRef>
+      <a:fillRef idx="0">
+        <a:scrgbClr r="0" g="0" b="0"/>
+      </a:fillRef>
+      <a:effectRef idx="0">
+        <a:scrgbClr r="0" g="0" b="0"/>
+      </a:effectRef>
+      <a:fontRef idx="minor"/>
+    </dgm:style>
+  </dgm:styleLbl>
+  <dgm:styleLbl name="fgAcc1">
+    <dgm:scene3d>
+      <a:camera prst="orthographicFront"/>
+      <a:lightRig rig="threePt" dir="t"/>
+    </dgm:scene3d>
+    <dgm:sp3d/>
+    <dgm:txPr/>
+    <dgm:style>
+      <a:lnRef idx="2">
+        <a:scrgbClr r="0" g="0" b="0"/>
+      </a:lnRef>
+      <a:fillRef idx="1">
+        <a:scrgbClr r="0" g="0" b="0"/>
+      </a:fillRef>
+      <a:effectRef idx="0">
+        <a:scrgbClr r="0" g="0" b="0"/>
+      </a:effectRef>
+      <a:fontRef idx="minor"/>
+    </dgm:style>
+  </dgm:styleLbl>
+  <dgm:styleLbl name="conFgAcc1">
+    <dgm:scene3d>
+      <a:camera prst="orthographicFront"/>
+      <a:lightRig rig="threePt" dir="t"/>
+    </dgm:scene3d>
+    <dgm:sp3d/>
+    <dgm:txPr/>
+    <dgm:style>
+      <a:lnRef idx="2">
+        <a:scrgbClr r="0" g="0" b="0"/>
+      </a:lnRef>
+      <a:fillRef idx="1">
+        <a:scrgbClr r="0" g="0" b="0"/>
+      </a:fillRef>
+      <a:effectRef idx="0">
+        <a:scrgbClr r="0" g="0" b="0"/>
+      </a:effectRef>
+      <a:fontRef idx="minor"/>
+    </dgm:style>
+  </dgm:styleLbl>
+  <dgm:styleLbl name="alignAcc1">
+    <dgm:scene3d>
+      <a:camera prst="orthographicFront"/>
+      <a:lightRig rig="threePt" dir="t"/>
+    </dgm:scene3d>
+    <dgm:sp3d/>
+    <dgm:txPr/>
+    <dgm:style>
+      <a:lnRef idx="2">
+        <a:scrgbClr r="0" g="0" b="0"/>
+      </a:lnRef>
+      <a:fillRef idx="1">
+        <a:scrgbClr r="0" g="0" b="0"/>
+      </a:fillRef>
+      <a:effectRef idx="0">
+        <a:scrgbClr r="0" g="0" b="0"/>
+      </a:effectRef>
+      <a:fontRef idx="minor"/>
+    </dgm:style>
+  </dgm:styleLbl>
+  <dgm:styleLbl name="trAlignAcc1">
+    <dgm:scene3d>
+      <a:camera prst="orthographicFront"/>
+      <a:lightRig rig="threePt" dir="t"/>
+    </dgm:scene3d>
+    <dgm:sp3d/>
+    <dgm:txPr/>
+    <dgm:style>
+      <a:lnRef idx="1">
+        <a:scrgbClr r="0" g="0" b="0"/>
+      </a:lnRef>
+      <a:fillRef idx="1">
+        <a:scrgbClr r="0" g="0" b="0"/>
+      </a:fillRef>
+      <a:effectRef idx="0">
+        <a:scrgbClr r="0" g="0" b="0"/>
+      </a:effectRef>
+      <a:fontRef idx="minor"/>
+    </dgm:style>
+  </dgm:styleLbl>
+  <dgm:styleLbl name="bgAcc1">
+    <dgm:scene3d>
+      <a:camera prst="orthographicFront"/>
+      <a:lightRig rig="threePt" dir="t"/>
+    </dgm:scene3d>
+    <dgm:sp3d/>
+    <dgm:txPr/>
+    <dgm:style>
+      <a:lnRef idx="2">
+        <a:scrgbClr r="0" g="0" b="0"/>
+      </a:lnRef>
+      <a:fillRef idx="1">
+        <a:scrgbClr r="0" g="0" b="0"/>
+      </a:fillRef>
+      <a:effectRef idx="0">
+        <a:scrgbClr r="0" g="0" b="0"/>
+      </a:effectRef>
+      <a:fontRef idx="minor"/>
+    </dgm:style>
+  </dgm:styleLbl>
+  <dgm:styleLbl name="solidFgAcc1">
+    <dgm:scene3d>
+      <a:camera prst="orthographicFront"/>
+      <a:lightRig rig="threePt" dir="t"/>
+    </dgm:scene3d>
+    <dgm:sp3d/>
+    <dgm:txPr/>
+    <dgm:style>
+      <a:lnRef idx="2">
+        <a:scrgbClr r="0" g="0" b="0"/>
+      </a:lnRef>
+      <a:fillRef idx="1">
+        <a:scrgbClr r="0" g="0" b="0"/>
+      </a:fillRef>
+      <a:effectRef idx="0">
+        <a:scrgbClr r="0" g="0" b="0"/>
+      </a:effectRef>
+      <a:fontRef idx="minor"/>
+    </dgm:style>
+  </dgm:styleLbl>
+  <dgm:styleLbl name="solidAlignAcc1">
+    <dgm:scene3d>
+      <a:camera prst="orthographicFront"/>
+      <a:lightRig rig="threePt" dir="t"/>
+    </dgm:scene3d>
+    <dgm:sp3d/>
+    <dgm:txPr/>
+    <dgm:style>
+      <a:lnRef idx="2">
+        <a:scrgbClr r="0" g="0" b="0"/>
+      </a:lnRef>
+      <a:fillRef idx="1">
+        <a:scrgbClr r="0" g="0" b="0"/>
+      </a:fillRef>
+      <a:effectRef idx="0">
+        <a:scrgbClr r="0" g="0" b="0"/>
+      </a:effectRef>
+      <a:fontRef idx="minor"/>
+    </dgm:style>
+  </dgm:styleLbl>
+  <dgm:styleLbl name="solidBgAcc1">
+    <dgm:scene3d>
+      <a:camera prst="orthographicFront"/>
+      <a:lightRig rig="threePt" dir="t"/>
+    </dgm:scene3d>
+    <dgm:sp3d/>
+    <dgm:txPr/>
+    <dgm:style>
+      <a:lnRef idx="2">
+        <a:scrgbClr r="0" g="0" b="0"/>
+      </a:lnRef>
+      <a:fillRef idx="1">
+        <a:scrgbClr r="0" g="0" b="0"/>
+      </a:fillRef>
+      <a:effectRef idx="0">
+        <a:scrgbClr r="0" g="0" b="0"/>
+      </a:effectRef>
+      <a:fontRef idx="minor"/>
+    </dgm:style>
+  </dgm:styleLbl>
+  <dgm:styleLbl name="fgAccFollowNode1">
+    <dgm:scene3d>
+      <a:camera prst="orthographicFront"/>
+      <a:lightRig rig="threePt" dir="t"/>
+    </dgm:scene3d>
+    <dgm:sp3d/>
+    <dgm:txPr/>
+    <dgm:style>
+      <a:lnRef idx="2">
+        <a:scrgbClr r="0" g="0" b="0"/>
+      </a:lnRef>
+      <a:fillRef idx="1">
+        <a:scrgbClr r="0" g="0" b="0"/>
+      </a:fillRef>
+      <a:effectRef idx="0">
+        <a:scrgbClr r="0" g="0" b="0"/>
+      </a:effectRef>
+      <a:fontRef idx="minor"/>
+    </dgm:style>
+  </dgm:styleLbl>
+  <dgm:styleLbl name="alignAccFollowNode1">
+    <dgm:scene3d>
+      <a:camera prst="orthographicFront"/>
+      <a:lightRig rig="threePt" dir="t"/>
+    </dgm:scene3d>
+    <dgm:sp3d/>
+    <dgm:txPr/>
+    <dgm:style>
+      <a:lnRef idx="2">
+        <a:scrgbClr r="0" g="0" b="0"/>
+      </a:lnRef>
+      <a:fillRef idx="1">
+        <a:scrgbClr r="0" g="0" b="0"/>
+      </a:fillRef>
+      <a:effectRef idx="0">
+        <a:scrgbClr r="0" g="0" b="0"/>
+      </a:effectRef>
+      <a:fontRef idx="minor"/>
+    </dgm:style>
+  </dgm:styleLbl>
+  <dgm:styleLbl name="bgAccFollowNode1">
+    <dgm:scene3d>
+      <a:camera prst="orthographicFront"/>
+      <a:lightRig rig="threePt" dir="t"/>
+    </dgm:scene3d>
+    <dgm:sp3d/>
+    <dgm:txPr/>
+    <dgm:style>
+      <a:lnRef idx="2">
+        <a:scrgbClr r="0" g="0" b="0"/>
+      </a:lnRef>
+      <a:fillRef idx="1">
+        <a:scrgbClr r="0" g="0" b="0"/>
+      </a:fillRef>
+      <a:effectRef idx="0">
+        <a:scrgbClr r="0" g="0" b="0"/>
+      </a:effectRef>
+      <a:fontRef idx="minor"/>
+    </dgm:style>
+  </dgm:styleLbl>
+  <dgm:styleLbl name="fgAcc0">
+    <dgm:scene3d>
+      <a:camera prst="orthographicFront"/>
+      <a:lightRig rig="threePt" dir="t"/>
+    </dgm:scene3d>
+    <dgm:sp3d/>
+    <dgm:txPr/>
+    <dgm:style>
+      <a:lnRef idx="2">
+        <a:scrgbClr r="0" g="0" b="0"/>
+      </a:lnRef>
+      <a:fillRef idx="1">
+        <a:scrgbClr r="0" g="0" b="0"/>
+      </a:fillRef>
+      <a:effectRef idx="0">
+        <a:scrgbClr r="0" g="0" b="0"/>
+      </a:effectRef>
+      <a:fontRef idx="minor"/>
+    </dgm:style>
+  </dgm:styleLbl>
+  <dgm:styleLbl name="fgAcc2">
+    <dgm:scene3d>
+      <a:camera prst="orthographicFront"/>
+      <a:lightRig rig="threePt" dir="t"/>
+    </dgm:scene3d>
+    <dgm:sp3d/>
+    <dgm:txPr/>
+    <dgm:style>
+      <a:lnRef idx="2">
+        <a:scrgbClr r="0" g="0" b="0"/>
+      </a:lnRef>
+      <a:fillRef idx="1">
+        <a:scrgbClr r="0" g="0" b="0"/>
+      </a:fillRef>
+      <a:effectRef idx="0">
+        <a:scrgbClr r="0" g="0" b="0"/>
+      </a:effectRef>
+      <a:fontRef idx="minor"/>
+    </dgm:style>
+  </dgm:styleLbl>
+  <dgm:styleLbl name="fgAcc3">
+    <dgm:scene3d>
+      <a:camera prst="orthographicFront"/>
+      <a:lightRig rig="threePt" dir="t"/>
+    </dgm:scene3d>
+    <dgm:sp3d/>
+    <dgm:txPr/>
+    <dgm:style>
+      <a:lnRef idx="2">
+        <a:scrgbClr r="0" g="0" b="0"/>
+      </a:lnRef>
+      <a:fillRef idx="1">
+        <a:scrgbClr r="0" g="0" b="0"/>
+      </a:fillRef>
+      <a:effectRef idx="0">
+        <a:scrgbClr r="0" g="0" b="0"/>
+      </a:effectRef>
+      <a:fontRef idx="minor"/>
+    </dgm:style>
+  </dgm:styleLbl>
+  <dgm:styleLbl name="fgAcc4">
+    <dgm:scene3d>
+      <a:camera prst="orthographicFront"/>
+      <a:lightRig rig="threePt" dir="t"/>
+    </dgm:scene3d>
+    <dgm:sp3d/>
+    <dgm:txPr/>
+    <dgm:style>
+      <a:lnRef idx="2">
+        <a:scrgbClr r="0" g="0" b="0"/>
+      </a:lnRef>
+      <a:fillRef idx="1">
+        <a:scrgbClr r="0" g="0" b="0"/>
+      </a:fillRef>
+      <a:effectRef idx="0">
+        <a:scrgbClr r="0" g="0" b="0"/>
+      </a:effectRef>
+      <a:fontRef idx="minor"/>
+    </dgm:style>
+  </dgm:styleLbl>
+  <dgm:styleLbl name="bgShp">
+    <dgm:scene3d>
+      <a:camera prst="orthographicFront"/>
+      <a:lightRig rig="threePt" dir="t"/>
+    </dgm:scene3d>
+    <dgm:sp3d/>
+    <dgm:txPr/>
+    <dgm:style>
+      <a:lnRef idx="0">
+        <a:scrgbClr r="0" g="0" b="0"/>
+      </a:lnRef>
+      <a:fillRef idx="1">
+        <a:scrgbClr r="0" g="0" b="0"/>
+      </a:fillRef>
+      <a:effectRef idx="0">
+        <a:scrgbClr r="0" g="0" b="0"/>
+      </a:effectRef>
+      <a:fontRef idx="minor"/>
+    </dgm:style>
+  </dgm:styleLbl>
+  <dgm:styleLbl name="dkBgShp">
+    <dgm:scene3d>
+      <a:camera prst="orthographicFront"/>
+      <a:lightRig rig="threePt" dir="t"/>
+    </dgm:scene3d>
+    <dgm:sp3d/>
+    <dgm:txPr/>
+    <dgm:style>
+      <a:lnRef idx="0">
+        <a:scrgbClr r="0" g="0" b="0"/>
+      </a:lnRef>
+      <a:fillRef idx="1">
+        <a:scrgbClr r="0" g="0" b="0"/>
+      </a:fillRef>
+      <a:effectRef idx="0">
+        <a:scrgbClr r="0" g="0" b="0"/>
+      </a:effectRef>
+      <a:fontRef idx="minor"/>
+    </dgm:style>
+  </dgm:styleLbl>
+  <dgm:styleLbl name="trBgShp">
+    <dgm:scene3d>
+      <a:camera prst="orthographicFront"/>
+      <a:lightRig rig="threePt" dir="t"/>
+    </dgm:scene3d>
+    <dgm:sp3d/>
+    <dgm:txPr/>
+    <dgm:style>
+      <a:lnRef idx="0">
+        <a:scrgbClr r="0" g="0" b="0"/>
+      </a:lnRef>
+      <a:fillRef idx="1">
+        <a:scrgbClr r="0" g="0" b="0"/>
+      </a:fillRef>
+      <a:effectRef idx="0">
+        <a:scrgbClr r="0" g="0" b="0"/>
+      </a:effectRef>
+      <a:fontRef idx="minor"/>
+    </dgm:style>
+  </dgm:styleLbl>
+  <dgm:styleLbl name="fgShp">
+    <dgm:scene3d>
+      <a:camera prst="orthographicFront"/>
+      <a:lightRig rig="threePt" dir="t"/>
+    </dgm:scene3d>
+    <dgm:sp3d/>
+    <dgm:txPr/>
+    <dgm:style>
+      <a:lnRef idx="2">
+        <a:scrgbClr r="0" g="0" b="0"/>
+      </a:lnRef>
+      <a:fillRef idx="1">
+        <a:scrgbClr r="0" g="0" b="0"/>
+      </a:fillRef>
+      <a:effectRef idx="0">
+        <a:scrgbClr r="0" g="0" b="0"/>
+      </a:effectRef>
+      <a:fontRef idx="minor"/>
+    </dgm:style>
+  </dgm:styleLbl>
+  <dgm:styleLbl name="revTx">
+    <dgm:scene3d>
+      <a:camera prst="orthographicFront"/>
+      <a:lightRig rig="threePt" dir="t"/>
+    </dgm:scene3d>
+    <dgm:sp3d/>
+    <dgm:txPr/>
+    <dgm:style>
+      <a:lnRef idx="0">
+        <a:scrgbClr r="0" g="0" b="0"/>
+      </a:lnRef>
+      <a:fillRef idx="0">
+        <a:scrgbClr r="0" g="0" b="0"/>
+      </a:fillRef>
+      <a:effectRef idx="0">
+        <a:scrgbClr r="0" g="0" b="0"/>
+      </a:effectRef>
+      <a:fontRef idx="minor"/>
+    </dgm:style>
+  </dgm:styleLbl>
+</dgm:styleDef>
+</file>
+
 <file path=ppt/diagrams/quickStyle2.xml><?xml version="1.0" encoding="utf-8"?>
 <dgm:styleDef xmlns:dgm="http://schemas.openxmlformats.org/drawingml/2006/diagram" xmlns:a="http://schemas.openxmlformats.org/drawingml/2006/main" uniqueId="urn:microsoft.com/office/officeart/2005/8/quickstyle/simple2">
   <dgm:title val=""/>
@@ -27340,7 +30136,7 @@
           <a:p>
             <a:fld id="{83484A92-80DB-45F2-84F5-0D1BF1E89935}" type="datetimeFigureOut">
               <a:rPr lang="fr-CA" smtClean="0"/>
-              <a:t>2018-03-07</a:t>
+              <a:t>2018-03-12</a:t>
             </a:fld>
             <a:endParaRPr lang="fr-CA"/>
           </a:p>
@@ -27944,6 +30740,258 @@
 </p:notes>
 </file>
 
+<file path=ppt/notesSlides/notesSlide5.xml><?xml version="1.0" encoding="utf-8"?>
+<p:notes xmlns:a="http://schemas.openxmlformats.org/drawingml/2006/main" xmlns:r="http://schemas.openxmlformats.org/officeDocument/2006/relationships" xmlns:p="http://schemas.openxmlformats.org/presentationml/2006/main">
+  <p:cSld>
+    <p:spTree>
+      <p:nvGrpSpPr>
+        <p:cNvPr id="1" name=""/>
+        <p:cNvGrpSpPr/>
+        <p:nvPr/>
+      </p:nvGrpSpPr>
+      <p:grpSpPr>
+        <a:xfrm>
+          <a:off x="0" y="0"/>
+          <a:ext cx="0" cy="0"/>
+          <a:chOff x="0" y="0"/>
+          <a:chExt cx="0" cy="0"/>
+        </a:xfrm>
+      </p:grpSpPr>
+      <p:sp>
+        <p:nvSpPr>
+          <p:cNvPr id="2" name="Espace réservé de l'image des diapositives 1"/>
+          <p:cNvSpPr>
+            <a:spLocks noGrp="1" noRot="1" noChangeAspect="1"/>
+          </p:cNvSpPr>
+          <p:nvPr>
+            <p:ph type="sldImg"/>
+          </p:nvPr>
+        </p:nvSpPr>
+        <p:spPr/>
+      </p:sp>
+      <p:sp>
+        <p:nvSpPr>
+          <p:cNvPr id="3" name="Espace réservé des notes 2"/>
+          <p:cNvSpPr>
+            <a:spLocks noGrp="1"/>
+          </p:cNvSpPr>
+          <p:nvPr>
+            <p:ph type="body" idx="1"/>
+          </p:nvPr>
+        </p:nvSpPr>
+        <p:spPr/>
+        <p:txBody>
+          <a:bodyPr/>
+          <a:lstStyle/>
+          <a:p>
+            <a:endParaRPr lang="fr-CA" dirty="0"/>
+          </a:p>
+        </p:txBody>
+      </p:sp>
+      <p:sp>
+        <p:nvSpPr>
+          <p:cNvPr id="4" name="Espace réservé du numéro de diapositive 3"/>
+          <p:cNvSpPr>
+            <a:spLocks noGrp="1"/>
+          </p:cNvSpPr>
+          <p:nvPr>
+            <p:ph type="sldNum" sz="quarter" idx="10"/>
+          </p:nvPr>
+        </p:nvSpPr>
+        <p:spPr/>
+        <p:txBody>
+          <a:bodyPr/>
+          <a:lstStyle/>
+          <a:p>
+            <a:fld id="{76FF421F-F6E0-49E1-8813-FA3EDB57181A}" type="slidenum">
+              <a:rPr lang="fr-CA" smtClean="0"/>
+              <a:t>45</a:t>
+            </a:fld>
+            <a:endParaRPr lang="fr-CA"/>
+          </a:p>
+        </p:txBody>
+      </p:sp>
+    </p:spTree>
+    <p:extLst>
+      <p:ext uri="{BB962C8B-B14F-4D97-AF65-F5344CB8AC3E}">
+        <p14:creationId xmlns:p14="http://schemas.microsoft.com/office/powerpoint/2010/main" val="532418727"/>
+      </p:ext>
+    </p:extLst>
+  </p:cSld>
+  <p:clrMapOvr>
+    <a:masterClrMapping/>
+  </p:clrMapOvr>
+</p:notes>
+</file>
+
+<file path=ppt/notesSlides/notesSlide6.xml><?xml version="1.0" encoding="utf-8"?>
+<p:notes xmlns:a="http://schemas.openxmlformats.org/drawingml/2006/main" xmlns:r="http://schemas.openxmlformats.org/officeDocument/2006/relationships" xmlns:p="http://schemas.openxmlformats.org/presentationml/2006/main">
+  <p:cSld>
+    <p:spTree>
+      <p:nvGrpSpPr>
+        <p:cNvPr id="1" name=""/>
+        <p:cNvGrpSpPr/>
+        <p:nvPr/>
+      </p:nvGrpSpPr>
+      <p:grpSpPr>
+        <a:xfrm>
+          <a:off x="0" y="0"/>
+          <a:ext cx="0" cy="0"/>
+          <a:chOff x="0" y="0"/>
+          <a:chExt cx="0" cy="0"/>
+        </a:xfrm>
+      </p:grpSpPr>
+      <p:sp>
+        <p:nvSpPr>
+          <p:cNvPr id="2" name="Espace réservé de l'image des diapositives 1"/>
+          <p:cNvSpPr>
+            <a:spLocks noGrp="1" noRot="1" noChangeAspect="1"/>
+          </p:cNvSpPr>
+          <p:nvPr>
+            <p:ph type="sldImg"/>
+          </p:nvPr>
+        </p:nvSpPr>
+        <p:spPr/>
+      </p:sp>
+      <p:sp>
+        <p:nvSpPr>
+          <p:cNvPr id="3" name="Espace réservé des notes 2"/>
+          <p:cNvSpPr>
+            <a:spLocks noGrp="1"/>
+          </p:cNvSpPr>
+          <p:nvPr>
+            <p:ph type="body" idx="1"/>
+          </p:nvPr>
+        </p:nvSpPr>
+        <p:spPr/>
+        <p:txBody>
+          <a:bodyPr/>
+          <a:lstStyle/>
+          <a:p>
+            <a:endParaRPr lang="fr-CA" dirty="0"/>
+          </a:p>
+        </p:txBody>
+      </p:sp>
+      <p:sp>
+        <p:nvSpPr>
+          <p:cNvPr id="4" name="Espace réservé du numéro de diapositive 3"/>
+          <p:cNvSpPr>
+            <a:spLocks noGrp="1"/>
+          </p:cNvSpPr>
+          <p:nvPr>
+            <p:ph type="sldNum" sz="quarter" idx="10"/>
+          </p:nvPr>
+        </p:nvSpPr>
+        <p:spPr/>
+        <p:txBody>
+          <a:bodyPr/>
+          <a:lstStyle/>
+          <a:p>
+            <a:fld id="{76FF421F-F6E0-49E1-8813-FA3EDB57181A}" type="slidenum">
+              <a:rPr lang="fr-CA" smtClean="0"/>
+              <a:t>48</a:t>
+            </a:fld>
+            <a:endParaRPr lang="fr-CA"/>
+          </a:p>
+        </p:txBody>
+      </p:sp>
+    </p:spTree>
+    <p:extLst>
+      <p:ext uri="{BB962C8B-B14F-4D97-AF65-F5344CB8AC3E}">
+        <p14:creationId xmlns:p14="http://schemas.microsoft.com/office/powerpoint/2010/main" val="2502826292"/>
+      </p:ext>
+    </p:extLst>
+  </p:cSld>
+  <p:clrMapOvr>
+    <a:masterClrMapping/>
+  </p:clrMapOvr>
+</p:notes>
+</file>
+
+<file path=ppt/notesSlides/notesSlide7.xml><?xml version="1.0" encoding="utf-8"?>
+<p:notes xmlns:a="http://schemas.openxmlformats.org/drawingml/2006/main" xmlns:r="http://schemas.openxmlformats.org/officeDocument/2006/relationships" xmlns:p="http://schemas.openxmlformats.org/presentationml/2006/main">
+  <p:cSld>
+    <p:spTree>
+      <p:nvGrpSpPr>
+        <p:cNvPr id="1" name=""/>
+        <p:cNvGrpSpPr/>
+        <p:nvPr/>
+      </p:nvGrpSpPr>
+      <p:grpSpPr>
+        <a:xfrm>
+          <a:off x="0" y="0"/>
+          <a:ext cx="0" cy="0"/>
+          <a:chOff x="0" y="0"/>
+          <a:chExt cx="0" cy="0"/>
+        </a:xfrm>
+      </p:grpSpPr>
+      <p:sp>
+        <p:nvSpPr>
+          <p:cNvPr id="2" name="Espace réservé de l'image des diapositives 1"/>
+          <p:cNvSpPr>
+            <a:spLocks noGrp="1" noRot="1" noChangeAspect="1"/>
+          </p:cNvSpPr>
+          <p:nvPr>
+            <p:ph type="sldImg"/>
+          </p:nvPr>
+        </p:nvSpPr>
+        <p:spPr/>
+      </p:sp>
+      <p:sp>
+        <p:nvSpPr>
+          <p:cNvPr id="3" name="Espace réservé des notes 2"/>
+          <p:cNvSpPr>
+            <a:spLocks noGrp="1"/>
+          </p:cNvSpPr>
+          <p:nvPr>
+            <p:ph type="body" idx="1"/>
+          </p:nvPr>
+        </p:nvSpPr>
+        <p:spPr/>
+        <p:txBody>
+          <a:bodyPr/>
+          <a:lstStyle/>
+          <a:p>
+            <a:endParaRPr lang="fr-CA" dirty="0"/>
+          </a:p>
+        </p:txBody>
+      </p:sp>
+      <p:sp>
+        <p:nvSpPr>
+          <p:cNvPr id="4" name="Espace réservé du numéro de diapositive 3"/>
+          <p:cNvSpPr>
+            <a:spLocks noGrp="1"/>
+          </p:cNvSpPr>
+          <p:nvPr>
+            <p:ph type="sldNum" sz="quarter" idx="10"/>
+          </p:nvPr>
+        </p:nvSpPr>
+        <p:spPr/>
+        <p:txBody>
+          <a:bodyPr/>
+          <a:lstStyle/>
+          <a:p>
+            <a:fld id="{76FF421F-F6E0-49E1-8813-FA3EDB57181A}" type="slidenum">
+              <a:rPr lang="fr-CA" smtClean="0"/>
+              <a:t>49</a:t>
+            </a:fld>
+            <a:endParaRPr lang="fr-CA"/>
+          </a:p>
+        </p:txBody>
+      </p:sp>
+    </p:spTree>
+    <p:extLst>
+      <p:ext uri="{BB962C8B-B14F-4D97-AF65-F5344CB8AC3E}">
+        <p14:creationId xmlns:p14="http://schemas.microsoft.com/office/powerpoint/2010/main" val="616514117"/>
+      </p:ext>
+    </p:extLst>
+  </p:cSld>
+  <p:clrMapOvr>
+    <a:masterClrMapping/>
+  </p:clrMapOvr>
+</p:notes>
+</file>
+
 <file path=ppt/slideLayouts/slideLayout1.xml><?xml version="1.0" encoding="utf-8"?>
 <p:sldLayout xmlns:a="http://schemas.openxmlformats.org/drawingml/2006/main" xmlns:r="http://schemas.openxmlformats.org/officeDocument/2006/relationships" xmlns:p="http://schemas.openxmlformats.org/presentationml/2006/main" type="title" preserve="1">
   <p:cSld name="Diapositive de titre">
@@ -28075,7 +31123,7 @@
           <a:p>
             <a:fld id="{7946004B-0E6B-4AC3-A8D3-BFF0512C2F93}" type="datetimeFigureOut">
               <a:rPr lang="fr-CA" smtClean="0"/>
-              <a:t>2018-03-07</a:t>
+              <a:t>2018-03-12</a:t>
             </a:fld>
             <a:endParaRPr lang="fr-CA"/>
           </a:p>
@@ -28245,7 +31293,7 @@
           <a:p>
             <a:fld id="{7946004B-0E6B-4AC3-A8D3-BFF0512C2F93}" type="datetimeFigureOut">
               <a:rPr lang="fr-CA" smtClean="0"/>
-              <a:t>2018-03-07</a:t>
+              <a:t>2018-03-12</a:t>
             </a:fld>
             <a:endParaRPr lang="fr-CA"/>
           </a:p>
@@ -28425,7 +31473,7 @@
           <a:p>
             <a:fld id="{7946004B-0E6B-4AC3-A8D3-BFF0512C2F93}" type="datetimeFigureOut">
               <a:rPr lang="fr-CA" smtClean="0"/>
-              <a:t>2018-03-07</a:t>
+              <a:t>2018-03-12</a:t>
             </a:fld>
             <a:endParaRPr lang="fr-CA"/>
           </a:p>
@@ -28595,7 +31643,7 @@
           <a:p>
             <a:fld id="{7946004B-0E6B-4AC3-A8D3-BFF0512C2F93}" type="datetimeFigureOut">
               <a:rPr lang="fr-CA" smtClean="0"/>
-              <a:t>2018-03-07</a:t>
+              <a:t>2018-03-12</a:t>
             </a:fld>
             <a:endParaRPr lang="fr-CA"/>
           </a:p>
@@ -28841,7 +31889,7 @@
           <a:p>
             <a:fld id="{7946004B-0E6B-4AC3-A8D3-BFF0512C2F93}" type="datetimeFigureOut">
               <a:rPr lang="fr-CA" smtClean="0"/>
-              <a:t>2018-03-07</a:t>
+              <a:t>2018-03-12</a:t>
             </a:fld>
             <a:endParaRPr lang="fr-CA"/>
           </a:p>
@@ -29073,7 +32121,7 @@
           <a:p>
             <a:fld id="{7946004B-0E6B-4AC3-A8D3-BFF0512C2F93}" type="datetimeFigureOut">
               <a:rPr lang="fr-CA" smtClean="0"/>
-              <a:t>2018-03-07</a:t>
+              <a:t>2018-03-12</a:t>
             </a:fld>
             <a:endParaRPr lang="fr-CA"/>
           </a:p>
@@ -29440,7 +32488,7 @@
           <a:p>
             <a:fld id="{7946004B-0E6B-4AC3-A8D3-BFF0512C2F93}" type="datetimeFigureOut">
               <a:rPr lang="fr-CA" smtClean="0"/>
-              <a:t>2018-03-07</a:t>
+              <a:t>2018-03-12</a:t>
             </a:fld>
             <a:endParaRPr lang="fr-CA"/>
           </a:p>
@@ -29558,7 +32606,7 @@
           <a:p>
             <a:fld id="{7946004B-0E6B-4AC3-A8D3-BFF0512C2F93}" type="datetimeFigureOut">
               <a:rPr lang="fr-CA" smtClean="0"/>
-              <a:t>2018-03-07</a:t>
+              <a:t>2018-03-12</a:t>
             </a:fld>
             <a:endParaRPr lang="fr-CA"/>
           </a:p>
@@ -29653,7 +32701,7 @@
           <a:p>
             <a:fld id="{7946004B-0E6B-4AC3-A8D3-BFF0512C2F93}" type="datetimeFigureOut">
               <a:rPr lang="fr-CA" smtClean="0"/>
-              <a:t>2018-03-07</a:t>
+              <a:t>2018-03-12</a:t>
             </a:fld>
             <a:endParaRPr lang="fr-CA"/>
           </a:p>
@@ -29930,7 +32978,7 @@
           <a:p>
             <a:fld id="{7946004B-0E6B-4AC3-A8D3-BFF0512C2F93}" type="datetimeFigureOut">
               <a:rPr lang="fr-CA" smtClean="0"/>
-              <a:t>2018-03-07</a:t>
+              <a:t>2018-03-12</a:t>
             </a:fld>
             <a:endParaRPr lang="fr-CA"/>
           </a:p>
@@ -30187,7 +33235,7 @@
           <a:p>
             <a:fld id="{7946004B-0E6B-4AC3-A8D3-BFF0512C2F93}" type="datetimeFigureOut">
               <a:rPr lang="fr-CA" smtClean="0"/>
-              <a:t>2018-03-07</a:t>
+              <a:t>2018-03-12</a:t>
             </a:fld>
             <a:endParaRPr lang="fr-CA"/>
           </a:p>
@@ -30400,7 +33448,7 @@
           <a:p>
             <a:fld id="{7946004B-0E6B-4AC3-A8D3-BFF0512C2F93}" type="datetimeFigureOut">
               <a:rPr lang="fr-CA" smtClean="0"/>
-              <a:t>2018-03-07</a:t>
+              <a:t>2018-03-12</a:t>
             </a:fld>
             <a:endParaRPr lang="fr-CA"/>
           </a:p>
@@ -48743,7 +51791,7 @@
                   <a:srgbClr val="FFFFFF"/>
                 </a:solidFill>
               </a:rPr>
-              <a:t>Contrôles utilisateurs et formulaires</a:t>
+              <a:t>Les conteneurs</a:t>
             </a:r>
           </a:p>
         </p:txBody>
@@ -48785,7 +51833,7 @@
                 <a:latin typeface="Consolas" panose="020B0609020204030204" pitchFamily="49" charset="0"/>
                 <a:cs typeface="Consolas" panose="020B0609020204030204" pitchFamily="49" charset="0"/>
               </a:rPr>
-              <a:t>Plus de balises utiles!</a:t>
+              <a:t>D’autres balises?!</a:t>
             </a:r>
           </a:p>
         </p:txBody>
@@ -48794,6 +51842,2376 @@
     <p:extLst>
       <p:ext uri="{BB962C8B-B14F-4D97-AF65-F5344CB8AC3E}">
         <p14:creationId xmlns:p14="http://schemas.microsoft.com/office/powerpoint/2010/main" val="245038224"/>
+      </p:ext>
+    </p:extLst>
+  </p:cSld>
+  <p:clrMapOvr>
+    <a:masterClrMapping/>
+  </p:clrMapOvr>
+</p:sld>
+</file>
+
+<file path=ppt/slides/slide44.xml><?xml version="1.0" encoding="utf-8"?>
+<p:sld xmlns:a="http://schemas.openxmlformats.org/drawingml/2006/main" xmlns:r="http://schemas.openxmlformats.org/officeDocument/2006/relationships" xmlns:p="http://schemas.openxmlformats.org/presentationml/2006/main">
+  <p:cSld>
+    <p:bg>
+      <p:bgPr>
+        <a:solidFill>
+          <a:schemeClr val="bg1"/>
+        </a:solidFill>
+        <a:effectLst/>
+      </p:bgPr>
+    </p:bg>
+    <p:spTree>
+      <p:nvGrpSpPr>
+        <p:cNvPr id="1" name=""/>
+        <p:cNvGrpSpPr/>
+        <p:nvPr/>
+      </p:nvGrpSpPr>
+      <p:grpSpPr>
+        <a:xfrm>
+          <a:off x="0" y="0"/>
+          <a:ext cx="0" cy="0"/>
+          <a:chOff x="0" y="0"/>
+          <a:chExt cx="0" cy="0"/>
+        </a:xfrm>
+      </p:grpSpPr>
+      <p:sp>
+        <p:nvSpPr>
+          <p:cNvPr id="17" name="Rectangle 16">
+            <a:extLst>
+              <a:ext uri="{FF2B5EF4-FFF2-40B4-BE49-F238E27FC236}">
+                <a16:creationId xmlns:a16="http://schemas.microsoft.com/office/drawing/2014/main" id="{6883D4EE-0D48-47A8-B689-0875A1BD4A85}"/>
+              </a:ext>
+            </a:extLst>
+          </p:cNvPr>
+          <p:cNvSpPr>
+            <a:spLocks noGrp="1" noRot="1" noChangeAspect="1" noMove="1" noResize="1" noEditPoints="1" noAdjustHandles="1" noChangeArrowheads="1" noChangeShapeType="1" noTextEdit="1"/>
+          </p:cNvSpPr>
+          <p:nvPr>
+            <p:extLst>
+              <p:ext uri="{386F3935-93C4-4BCD-93E2-E3B085C9AB24}">
+                <p16:designElem xmlns:p16="http://schemas.microsoft.com/office/powerpoint/2015/main" val="1"/>
+              </p:ext>
+            </p:extLst>
+          </p:nvPr>
+        </p:nvSpPr>
+        <p:spPr>
+          <a:xfrm>
+            <a:off x="7556410" y="0"/>
+            <a:ext cx="4636008" cy="6858000"/>
+          </a:xfrm>
+          <a:prstGeom prst="rect">
+            <a:avLst/>
+          </a:prstGeom>
+          <a:solidFill>
+            <a:schemeClr val="bg2"/>
+          </a:solidFill>
+          <a:ln>
+            <a:noFill/>
+          </a:ln>
+        </p:spPr>
+        <p:style>
+          <a:lnRef idx="2">
+            <a:schemeClr val="accent1">
+              <a:shade val="50000"/>
+            </a:schemeClr>
+          </a:lnRef>
+          <a:fillRef idx="1">
+            <a:schemeClr val="accent1"/>
+          </a:fillRef>
+          <a:effectRef idx="0">
+            <a:schemeClr val="accent1"/>
+          </a:effectRef>
+          <a:fontRef idx="minor">
+            <a:schemeClr val="lt1"/>
+          </a:fontRef>
+        </p:style>
+        <p:txBody>
+          <a:bodyPr rtlCol="0" anchor="ctr"/>
+          <a:lstStyle/>
+          <a:p>
+            <a:pPr algn="ctr"/>
+            <a:endParaRPr lang="en-US"/>
+          </a:p>
+        </p:txBody>
+      </p:sp>
+      <p:sp>
+        <p:nvSpPr>
+          <p:cNvPr id="19" name="Rounded Rectangle 9">
+            <a:extLst>
+              <a:ext uri="{FF2B5EF4-FFF2-40B4-BE49-F238E27FC236}">
+                <a16:creationId xmlns:a16="http://schemas.microsoft.com/office/drawing/2014/main" id="{2BD22A13-C9A1-4D2D-B874-A87817C5CCC0}"/>
+              </a:ext>
+            </a:extLst>
+          </p:cNvPr>
+          <p:cNvSpPr>
+            <a:spLocks noGrp="1" noRot="1" noChangeAspect="1" noMove="1" noResize="1" noEditPoints="1" noAdjustHandles="1" noChangeArrowheads="1" noChangeShapeType="1" noTextEdit="1"/>
+          </p:cNvSpPr>
+          <p:nvPr>
+            <p:extLst>
+              <p:ext uri="{386F3935-93C4-4BCD-93E2-E3B085C9AB24}">
+                <p16:designElem xmlns:p16="http://schemas.microsoft.com/office/powerpoint/2015/main" val="1"/>
+              </p:ext>
+            </p:extLst>
+          </p:nvPr>
+        </p:nvSpPr>
+        <p:spPr>
+          <a:xfrm>
+            <a:off x="8041042" y="484632"/>
+            <a:ext cx="3666744" cy="5739187"/>
+          </a:xfrm>
+          <a:prstGeom prst="roundRect">
+            <a:avLst>
+              <a:gd name="adj" fmla="val 0"/>
+            </a:avLst>
+          </a:prstGeom>
+          <a:solidFill>
+            <a:schemeClr val="bg1"/>
+          </a:solidFill>
+          <a:ln w="9525">
+            <a:noFill/>
+          </a:ln>
+          <a:effectLst>
+            <a:outerShdw blurRad="57150" dist="19050" dir="5400000" algn="t" rotWithShape="0">
+              <a:prstClr val="black">
+                <a:alpha val="63000"/>
+              </a:prstClr>
+            </a:outerShdw>
+          </a:effectLst>
+        </p:spPr>
+        <p:style>
+          <a:lnRef idx="2">
+            <a:schemeClr val="accent1">
+              <a:shade val="50000"/>
+            </a:schemeClr>
+          </a:lnRef>
+          <a:fillRef idx="1">
+            <a:schemeClr val="accent1"/>
+          </a:fillRef>
+          <a:effectRef idx="0">
+            <a:schemeClr val="accent1"/>
+          </a:effectRef>
+          <a:fontRef idx="minor">
+            <a:schemeClr val="lt1"/>
+          </a:fontRef>
+        </p:style>
+        <p:txBody>
+          <a:bodyPr rtlCol="0" anchor="ctr"/>
+          <a:lstStyle/>
+          <a:p>
+            <a:pPr algn="ctr">
+              <a:spcAft>
+                <a:spcPts val="600"/>
+              </a:spcAft>
+            </a:pPr>
+            <a:r>
+              <a:rPr lang="en-US"/>
+              <a:t>A</a:t>
+            </a:r>
+          </a:p>
+        </p:txBody>
+      </p:sp>
+      <p:sp>
+        <p:nvSpPr>
+          <p:cNvPr id="2" name="Titre 1">
+            <a:extLst>
+              <a:ext uri="{FF2B5EF4-FFF2-40B4-BE49-F238E27FC236}">
+                <a16:creationId xmlns:a16="http://schemas.microsoft.com/office/drawing/2014/main" id="{D45E6F31-C2F0-4E9B-9E55-966A4D8AF8B4}"/>
+              </a:ext>
+            </a:extLst>
+          </p:cNvPr>
+          <p:cNvSpPr>
+            <a:spLocks noGrp="1"/>
+          </p:cNvSpPr>
+          <p:nvPr>
+            <p:ph type="title"/>
+          </p:nvPr>
+        </p:nvSpPr>
+        <p:spPr>
+          <a:xfrm>
+            <a:off x="648929" y="629266"/>
+            <a:ext cx="6586491" cy="1622321"/>
+          </a:xfrm>
+        </p:spPr>
+        <p:txBody>
+          <a:bodyPr>
+            <a:normAutofit/>
+          </a:bodyPr>
+          <a:lstStyle/>
+          <a:p>
+            <a:r>
+              <a:rPr lang="fr-CA" dirty="0"/>
+              <a:t>div</a:t>
+            </a:r>
+          </a:p>
+        </p:txBody>
+      </p:sp>
+      <p:sp>
+        <p:nvSpPr>
+          <p:cNvPr id="3" name="Espace réservé du contenu 2">
+            <a:extLst>
+              <a:ext uri="{FF2B5EF4-FFF2-40B4-BE49-F238E27FC236}">
+                <a16:creationId xmlns:a16="http://schemas.microsoft.com/office/drawing/2014/main" id="{52F2A175-573F-4852-AEA0-C8E550D1C546}"/>
+              </a:ext>
+            </a:extLst>
+          </p:cNvPr>
+          <p:cNvSpPr>
+            <a:spLocks noGrp="1"/>
+          </p:cNvSpPr>
+          <p:nvPr>
+            <p:ph idx="1"/>
+          </p:nvPr>
+        </p:nvSpPr>
+        <p:spPr>
+          <a:xfrm>
+            <a:off x="648930" y="2438400"/>
+            <a:ext cx="6586489" cy="3785419"/>
+          </a:xfrm>
+        </p:spPr>
+        <p:txBody>
+          <a:bodyPr>
+            <a:normAutofit/>
+          </a:bodyPr>
+          <a:lstStyle/>
+          <a:p>
+            <a:pPr marL="0" indent="0">
+              <a:lnSpc>
+                <a:spcPct val="120000"/>
+              </a:lnSpc>
+              <a:spcBef>
+                <a:spcPts val="0"/>
+              </a:spcBef>
+              <a:buNone/>
+            </a:pPr>
+            <a:r>
+              <a:rPr lang="fr-CA" sz="1800" dirty="0">
+                <a:solidFill>
+                  <a:schemeClr val="accent2">
+                    <a:lumMod val="75000"/>
+                  </a:schemeClr>
+                </a:solidFill>
+                <a:latin typeface="Consolas" panose="020B0609020204030204" pitchFamily="49" charset="0"/>
+                <a:cs typeface="Consolas" panose="020B0609020204030204" pitchFamily="49" charset="0"/>
+              </a:rPr>
+              <a:t>&lt;!–- code </a:t>
+            </a:r>
+            <a:r>
+              <a:rPr lang="fr-CA" sz="1800" dirty="0">
+                <a:solidFill>
+                  <a:schemeClr val="accent2">
+                    <a:lumMod val="75000"/>
+                  </a:schemeClr>
+                </a:solidFill>
+                <a:latin typeface="Consolas" panose="020B0609020204030204" pitchFamily="49" charset="0"/>
+                <a:cs typeface="Consolas" panose="020B0609020204030204" pitchFamily="49" charset="0"/>
+                <a:sym typeface="Wingdings" panose="05000000000000000000" pitchFamily="2" charset="2"/>
+              </a:rPr>
+              <a:t>--&gt;</a:t>
+            </a:r>
+            <a:endParaRPr lang="fr-CA" sz="1800" dirty="0">
+              <a:solidFill>
+                <a:srgbClr val="0070C0"/>
+              </a:solidFill>
+              <a:latin typeface="Consolas" panose="020B0609020204030204" pitchFamily="49" charset="0"/>
+              <a:cs typeface="Consolas" panose="020B0609020204030204" pitchFamily="49" charset="0"/>
+            </a:endParaRPr>
+          </a:p>
+        </p:txBody>
+      </p:sp>
+      <p:sp>
+        <p:nvSpPr>
+          <p:cNvPr id="9" name="ZoneTexte 8">
+            <a:extLst>
+              <a:ext uri="{FF2B5EF4-FFF2-40B4-BE49-F238E27FC236}">
+                <a16:creationId xmlns:a16="http://schemas.microsoft.com/office/drawing/2014/main" id="{B575DCE6-F4A2-4528-8BE2-5B5A8B36CF41}"/>
+              </a:ext>
+            </a:extLst>
+          </p:cNvPr>
+          <p:cNvSpPr txBox="1"/>
+          <p:nvPr/>
+        </p:nvSpPr>
+        <p:spPr>
+          <a:xfrm>
+            <a:off x="1021649" y="3612017"/>
+            <a:ext cx="1745991" cy="369332"/>
+          </a:xfrm>
+          <a:prstGeom prst="rect">
+            <a:avLst/>
+          </a:prstGeom>
+          <a:noFill/>
+        </p:spPr>
+        <p:txBody>
+          <a:bodyPr wrap="none" rtlCol="0">
+            <a:spAutoFit/>
+          </a:bodyPr>
+          <a:lstStyle/>
+          <a:p>
+            <a:r>
+              <a:rPr lang="fr-CA" dirty="0">
+                <a:solidFill>
+                  <a:schemeClr val="bg1">
+                    <a:lumMod val="50000"/>
+                  </a:schemeClr>
+                </a:solidFill>
+              </a:rPr>
+              <a:t>* </a:t>
+            </a:r>
+            <a:r>
+              <a:rPr lang="fr-CA" dirty="0">
+                <a:solidFill>
+                  <a:schemeClr val="bg1">
+                    <a:lumMod val="50000"/>
+                  </a:schemeClr>
+                </a:solidFill>
+                <a:latin typeface="Consolas" panose="020B0609020204030204" pitchFamily="49" charset="0"/>
+                <a:cs typeface="Consolas" panose="020B0609020204030204" pitchFamily="49" charset="0"/>
+              </a:rPr>
+              <a:t>Aide rapide</a:t>
+            </a:r>
+            <a:endParaRPr lang="fr-CA" dirty="0">
+              <a:solidFill>
+                <a:schemeClr val="bg1">
+                  <a:lumMod val="50000"/>
+                </a:schemeClr>
+              </a:solidFill>
+            </a:endParaRPr>
+          </a:p>
+        </p:txBody>
+      </p:sp>
+      <p:pic>
+        <p:nvPicPr>
+          <p:cNvPr id="4" name="Image 3">
+            <a:extLst>
+              <a:ext uri="{FF2B5EF4-FFF2-40B4-BE49-F238E27FC236}">
+                <a16:creationId xmlns:a16="http://schemas.microsoft.com/office/drawing/2014/main" id="{4F826FFB-E083-45DC-985E-6078F2280FB3}"/>
+              </a:ext>
+            </a:extLst>
+          </p:cNvPr>
+          <p:cNvPicPr>
+            <a:picLocks noChangeAspect="1"/>
+          </p:cNvPicPr>
+          <p:nvPr/>
+        </p:nvPicPr>
+        <p:blipFill>
+          <a:blip r:embed="rId2"/>
+          <a:stretch>
+            <a:fillRect/>
+          </a:stretch>
+        </p:blipFill>
+        <p:spPr>
+          <a:xfrm>
+            <a:off x="8431376" y="1333500"/>
+            <a:ext cx="2886075" cy="4191000"/>
+          </a:xfrm>
+          <a:prstGeom prst="rect">
+            <a:avLst/>
+          </a:prstGeom>
+        </p:spPr>
+      </p:pic>
+    </p:spTree>
+    <p:extLst>
+      <p:ext uri="{BB962C8B-B14F-4D97-AF65-F5344CB8AC3E}">
+        <p14:creationId xmlns:p14="http://schemas.microsoft.com/office/powerpoint/2010/main" val="1849610317"/>
+      </p:ext>
+    </p:extLst>
+  </p:cSld>
+  <p:clrMapOvr>
+    <a:masterClrMapping/>
+  </p:clrMapOvr>
+</p:sld>
+</file>
+
+<file path=ppt/slides/slide45.xml><?xml version="1.0" encoding="utf-8"?>
+<p:sld xmlns:a="http://schemas.openxmlformats.org/drawingml/2006/main" xmlns:r="http://schemas.openxmlformats.org/officeDocument/2006/relationships" xmlns:p="http://schemas.openxmlformats.org/presentationml/2006/main">
+  <p:cSld>
+    <p:bg>
+      <p:bgPr>
+        <a:solidFill>
+          <a:schemeClr val="bg1"/>
+        </a:solidFill>
+        <a:effectLst/>
+      </p:bgPr>
+    </p:bg>
+    <p:spTree>
+      <p:nvGrpSpPr>
+        <p:cNvPr id="1" name=""/>
+        <p:cNvGrpSpPr/>
+        <p:nvPr/>
+      </p:nvGrpSpPr>
+      <p:grpSpPr>
+        <a:xfrm>
+          <a:off x="0" y="0"/>
+          <a:ext cx="0" cy="0"/>
+          <a:chOff x="0" y="0"/>
+          <a:chExt cx="0" cy="0"/>
+        </a:xfrm>
+      </p:grpSpPr>
+      <p:sp>
+        <p:nvSpPr>
+          <p:cNvPr id="11" name="Rectangle 10">
+            <a:extLst>
+              <a:ext uri="{FF2B5EF4-FFF2-40B4-BE49-F238E27FC236}">
+                <a16:creationId xmlns:a16="http://schemas.microsoft.com/office/drawing/2014/main" id="{AD812D85-1A73-4B3F-9942-EA3421A28958}"/>
+              </a:ext>
+            </a:extLst>
+          </p:cNvPr>
+          <p:cNvSpPr>
+            <a:spLocks noGrp="1" noRot="1" noChangeAspect="1" noMove="1" noResize="1" noEditPoints="1" noAdjustHandles="1" noChangeArrowheads="1" noChangeShapeType="1" noTextEdit="1"/>
+          </p:cNvSpPr>
+          <p:nvPr>
+            <p:extLst>
+              <p:ext uri="{386F3935-93C4-4BCD-93E2-E3B085C9AB24}">
+                <p16:designElem xmlns:p16="http://schemas.microsoft.com/office/powerpoint/2015/main" val="1"/>
+              </p:ext>
+            </p:extLst>
+          </p:nvPr>
+        </p:nvSpPr>
+        <p:spPr>
+          <a:xfrm>
+            <a:off x="478135" y="476778"/>
+            <a:ext cx="7212450" cy="5920653"/>
+          </a:xfrm>
+          <a:prstGeom prst="rect">
+            <a:avLst/>
+          </a:prstGeom>
+          <a:solidFill>
+            <a:schemeClr val="accent1"/>
+          </a:solidFill>
+          <a:ln>
+            <a:noFill/>
+          </a:ln>
+        </p:spPr>
+        <p:style>
+          <a:lnRef idx="1">
+            <a:schemeClr val="accent1"/>
+          </a:lnRef>
+          <a:fillRef idx="3">
+            <a:schemeClr val="accent1"/>
+          </a:fillRef>
+          <a:effectRef idx="2">
+            <a:schemeClr val="accent1"/>
+          </a:effectRef>
+          <a:fontRef idx="minor">
+            <a:schemeClr val="lt1"/>
+          </a:fontRef>
+        </p:style>
+        <p:txBody>
+          <a:bodyPr rtlCol="0" anchor="ctr"/>
+          <a:lstStyle/>
+          <a:p>
+            <a:pPr algn="ctr"/>
+            <a:endParaRPr lang="en-US"/>
+          </a:p>
+        </p:txBody>
+      </p:sp>
+      <p:cxnSp>
+        <p:nvCxnSpPr>
+          <p:cNvPr id="13" name="Straight Connector 12">
+            <a:extLst>
+              <a:ext uri="{FF2B5EF4-FFF2-40B4-BE49-F238E27FC236}">
+                <a16:creationId xmlns:a16="http://schemas.microsoft.com/office/drawing/2014/main" id="{0235ADA5-5364-456A-A990-E53F604378F9}"/>
+              </a:ext>
+            </a:extLst>
+          </p:cNvPr>
+          <p:cNvCxnSpPr>
+            <a:cxnSpLocks noGrp="1" noRot="1" noChangeAspect="1" noMove="1" noResize="1" noEditPoints="1" noAdjustHandles="1" noChangeArrowheads="1" noChangeShapeType="1"/>
+          </p:cNvCxnSpPr>
+          <p:nvPr>
+            <p:extLst>
+              <p:ext uri="{386F3935-93C4-4BCD-93E2-E3B085C9AB24}">
+                <p16:designElem xmlns:p16="http://schemas.microsoft.com/office/powerpoint/2015/main" val="1"/>
+              </p:ext>
+            </p:extLst>
+          </p:nvPr>
+        </p:nvCxnSpPr>
+        <p:spPr>
+          <a:xfrm>
+            <a:off x="3230880" y="4424906"/>
+            <a:ext cx="3657600" cy="0"/>
+          </a:xfrm>
+          <a:prstGeom prst="line">
+            <a:avLst/>
+          </a:prstGeom>
+          <a:ln w="19050">
+            <a:solidFill>
+              <a:srgbClr val="FFFFFF">
+                <a:alpha val="80000"/>
+              </a:srgbClr>
+            </a:solidFill>
+          </a:ln>
+        </p:spPr>
+        <p:style>
+          <a:lnRef idx="1">
+            <a:schemeClr val="accent1"/>
+          </a:lnRef>
+          <a:fillRef idx="0">
+            <a:schemeClr val="accent1"/>
+          </a:fillRef>
+          <a:effectRef idx="0">
+            <a:schemeClr val="accent1"/>
+          </a:effectRef>
+          <a:fontRef idx="minor">
+            <a:schemeClr val="tx1"/>
+          </a:fontRef>
+        </p:style>
+      </p:cxnSp>
+      <p:sp>
+        <p:nvSpPr>
+          <p:cNvPr id="15" name="Rectangle 14">
+            <a:extLst>
+              <a:ext uri="{FF2B5EF4-FFF2-40B4-BE49-F238E27FC236}">
+                <a16:creationId xmlns:a16="http://schemas.microsoft.com/office/drawing/2014/main" id="{FCA36376-A222-465D-BC66-44777DE120CC}"/>
+              </a:ext>
+            </a:extLst>
+          </p:cNvPr>
+          <p:cNvSpPr>
+            <a:spLocks noGrp="1" noRot="1" noChangeAspect="1" noMove="1" noResize="1" noEditPoints="1" noAdjustHandles="1" noChangeArrowheads="1" noChangeShapeType="1" noTextEdit="1"/>
+          </p:cNvSpPr>
+          <p:nvPr>
+            <p:extLst>
+              <p:ext uri="{386F3935-93C4-4BCD-93E2-E3B085C9AB24}">
+                <p16:designElem xmlns:p16="http://schemas.microsoft.com/office/powerpoint/2015/main" val="1"/>
+              </p:ext>
+            </p:extLst>
+          </p:nvPr>
+        </p:nvSpPr>
+        <p:spPr>
+          <a:xfrm>
+            <a:off x="7851452" y="476778"/>
+            <a:ext cx="3864383" cy="5920653"/>
+          </a:xfrm>
+          <a:prstGeom prst="rect">
+            <a:avLst/>
+          </a:prstGeom>
+          <a:solidFill>
+            <a:schemeClr val="bg2">
+              <a:lumMod val="90000"/>
+            </a:schemeClr>
+          </a:solidFill>
+          <a:ln>
+            <a:noFill/>
+          </a:ln>
+        </p:spPr>
+        <p:style>
+          <a:lnRef idx="2">
+            <a:schemeClr val="accent1">
+              <a:shade val="50000"/>
+            </a:schemeClr>
+          </a:lnRef>
+          <a:fillRef idx="1">
+            <a:schemeClr val="accent1"/>
+          </a:fillRef>
+          <a:effectRef idx="0">
+            <a:schemeClr val="accent1"/>
+          </a:effectRef>
+          <a:fontRef idx="minor">
+            <a:schemeClr val="lt1"/>
+          </a:fontRef>
+        </p:style>
+        <p:txBody>
+          <a:bodyPr rtlCol="0" anchor="ctr"/>
+          <a:lstStyle/>
+          <a:p>
+            <a:pPr algn="ctr"/>
+            <a:endParaRPr lang="en-US"/>
+          </a:p>
+        </p:txBody>
+      </p:sp>
+      <p:sp>
+        <p:nvSpPr>
+          <p:cNvPr id="5" name="Titre 4">
+            <a:extLst>
+              <a:ext uri="{FF2B5EF4-FFF2-40B4-BE49-F238E27FC236}">
+                <a16:creationId xmlns:a16="http://schemas.microsoft.com/office/drawing/2014/main" id="{4906A919-D020-479A-AC5A-D9F539FF3D33}"/>
+              </a:ext>
+            </a:extLst>
+          </p:cNvPr>
+          <p:cNvSpPr>
+            <a:spLocks noGrp="1"/>
+          </p:cNvSpPr>
+          <p:nvPr>
+            <p:ph type="ctrTitle"/>
+          </p:nvPr>
+        </p:nvSpPr>
+        <p:spPr>
+          <a:xfrm>
+            <a:off x="1118215" y="1269255"/>
+            <a:ext cx="5956353" cy="3038947"/>
+          </a:xfrm>
+        </p:spPr>
+        <p:txBody>
+          <a:bodyPr>
+            <a:normAutofit/>
+          </a:bodyPr>
+          <a:lstStyle/>
+          <a:p>
+            <a:pPr algn="r"/>
+            <a:r>
+              <a:rPr lang="fr-CA" sz="5400" dirty="0">
+                <a:solidFill>
+                  <a:srgbClr val="FFFFFF"/>
+                </a:solidFill>
+              </a:rPr>
+              <a:t>Contrôles utilisateurs et formulaires</a:t>
+            </a:r>
+          </a:p>
+        </p:txBody>
+      </p:sp>
+      <p:sp>
+        <p:nvSpPr>
+          <p:cNvPr id="6" name="Sous-titre 5">
+            <a:extLst>
+              <a:ext uri="{FF2B5EF4-FFF2-40B4-BE49-F238E27FC236}">
+                <a16:creationId xmlns:a16="http://schemas.microsoft.com/office/drawing/2014/main" id="{D4E8AAF7-3291-42EF-8749-155B01266A3A}"/>
+              </a:ext>
+            </a:extLst>
+          </p:cNvPr>
+          <p:cNvSpPr>
+            <a:spLocks noGrp="1"/>
+          </p:cNvSpPr>
+          <p:nvPr>
+            <p:ph type="subTitle" idx="1"/>
+          </p:nvPr>
+        </p:nvSpPr>
+        <p:spPr>
+          <a:xfrm>
+            <a:off x="1118215" y="4578114"/>
+            <a:ext cx="5956353" cy="1247274"/>
+          </a:xfrm>
+        </p:spPr>
+        <p:txBody>
+          <a:bodyPr>
+            <a:normAutofit/>
+          </a:bodyPr>
+          <a:lstStyle/>
+          <a:p>
+            <a:pPr algn="r"/>
+            <a:r>
+              <a:rPr lang="fr-CA" dirty="0">
+                <a:solidFill>
+                  <a:srgbClr val="FFFFFF"/>
+                </a:solidFill>
+                <a:latin typeface="Consolas" panose="020B0609020204030204" pitchFamily="49" charset="0"/>
+                <a:cs typeface="Consolas" panose="020B0609020204030204" pitchFamily="49" charset="0"/>
+              </a:rPr>
+              <a:t>Plus de balises utiles!</a:t>
+            </a:r>
+          </a:p>
+        </p:txBody>
+      </p:sp>
+    </p:spTree>
+    <p:extLst>
+      <p:ext uri="{BB962C8B-B14F-4D97-AF65-F5344CB8AC3E}">
+        <p14:creationId xmlns:p14="http://schemas.microsoft.com/office/powerpoint/2010/main" val="79394207"/>
+      </p:ext>
+    </p:extLst>
+  </p:cSld>
+  <p:clrMapOvr>
+    <a:masterClrMapping/>
+  </p:clrMapOvr>
+</p:sld>
+</file>
+
+<file path=ppt/slides/slide46.xml><?xml version="1.0" encoding="utf-8"?>
+<p:sld xmlns:a="http://schemas.openxmlformats.org/drawingml/2006/main" xmlns:r="http://schemas.openxmlformats.org/officeDocument/2006/relationships" xmlns:p="http://schemas.openxmlformats.org/presentationml/2006/main">
+  <p:cSld>
+    <p:bg>
+      <p:bgPr>
+        <a:solidFill>
+          <a:schemeClr val="bg1"/>
+        </a:solidFill>
+        <a:effectLst/>
+      </p:bgPr>
+    </p:bg>
+    <p:spTree>
+      <p:nvGrpSpPr>
+        <p:cNvPr id="1" name=""/>
+        <p:cNvGrpSpPr/>
+        <p:nvPr/>
+      </p:nvGrpSpPr>
+      <p:grpSpPr>
+        <a:xfrm>
+          <a:off x="0" y="0"/>
+          <a:ext cx="0" cy="0"/>
+          <a:chOff x="0" y="0"/>
+          <a:chExt cx="0" cy="0"/>
+        </a:xfrm>
+      </p:grpSpPr>
+      <p:sp>
+        <p:nvSpPr>
+          <p:cNvPr id="17" name="Rectangle 16">
+            <a:extLst>
+              <a:ext uri="{FF2B5EF4-FFF2-40B4-BE49-F238E27FC236}">
+                <a16:creationId xmlns:a16="http://schemas.microsoft.com/office/drawing/2014/main" id="{6883D4EE-0D48-47A8-B689-0875A1BD4A85}"/>
+              </a:ext>
+            </a:extLst>
+          </p:cNvPr>
+          <p:cNvSpPr>
+            <a:spLocks noGrp="1" noRot="1" noChangeAspect="1" noMove="1" noResize="1" noEditPoints="1" noAdjustHandles="1" noChangeArrowheads="1" noChangeShapeType="1" noTextEdit="1"/>
+          </p:cNvSpPr>
+          <p:nvPr>
+            <p:extLst>
+              <p:ext uri="{386F3935-93C4-4BCD-93E2-E3B085C9AB24}">
+                <p16:designElem xmlns:p16="http://schemas.microsoft.com/office/powerpoint/2015/main" val="1"/>
+              </p:ext>
+            </p:extLst>
+          </p:nvPr>
+        </p:nvSpPr>
+        <p:spPr>
+          <a:xfrm>
+            <a:off x="7556410" y="0"/>
+            <a:ext cx="4636008" cy="6858000"/>
+          </a:xfrm>
+          <a:prstGeom prst="rect">
+            <a:avLst/>
+          </a:prstGeom>
+          <a:solidFill>
+            <a:schemeClr val="bg2"/>
+          </a:solidFill>
+          <a:ln>
+            <a:noFill/>
+          </a:ln>
+        </p:spPr>
+        <p:style>
+          <a:lnRef idx="2">
+            <a:schemeClr val="accent1">
+              <a:shade val="50000"/>
+            </a:schemeClr>
+          </a:lnRef>
+          <a:fillRef idx="1">
+            <a:schemeClr val="accent1"/>
+          </a:fillRef>
+          <a:effectRef idx="0">
+            <a:schemeClr val="accent1"/>
+          </a:effectRef>
+          <a:fontRef idx="minor">
+            <a:schemeClr val="lt1"/>
+          </a:fontRef>
+        </p:style>
+        <p:txBody>
+          <a:bodyPr rtlCol="0" anchor="ctr"/>
+          <a:lstStyle/>
+          <a:p>
+            <a:pPr algn="ctr"/>
+            <a:endParaRPr lang="en-US"/>
+          </a:p>
+        </p:txBody>
+      </p:sp>
+      <p:sp>
+        <p:nvSpPr>
+          <p:cNvPr id="19" name="Rounded Rectangle 9">
+            <a:extLst>
+              <a:ext uri="{FF2B5EF4-FFF2-40B4-BE49-F238E27FC236}">
+                <a16:creationId xmlns:a16="http://schemas.microsoft.com/office/drawing/2014/main" id="{2BD22A13-C9A1-4D2D-B874-A87817C5CCC0}"/>
+              </a:ext>
+            </a:extLst>
+          </p:cNvPr>
+          <p:cNvSpPr>
+            <a:spLocks noGrp="1" noRot="1" noChangeAspect="1" noMove="1" noResize="1" noEditPoints="1" noAdjustHandles="1" noChangeArrowheads="1" noChangeShapeType="1" noTextEdit="1"/>
+          </p:cNvSpPr>
+          <p:nvPr>
+            <p:extLst>
+              <p:ext uri="{386F3935-93C4-4BCD-93E2-E3B085C9AB24}">
+                <p16:designElem xmlns:p16="http://schemas.microsoft.com/office/powerpoint/2015/main" val="1"/>
+              </p:ext>
+            </p:extLst>
+          </p:nvPr>
+        </p:nvSpPr>
+        <p:spPr>
+          <a:xfrm>
+            <a:off x="8041042" y="484632"/>
+            <a:ext cx="3666744" cy="5739187"/>
+          </a:xfrm>
+          <a:prstGeom prst="roundRect">
+            <a:avLst>
+              <a:gd name="adj" fmla="val 0"/>
+            </a:avLst>
+          </a:prstGeom>
+          <a:solidFill>
+            <a:schemeClr val="bg1"/>
+          </a:solidFill>
+          <a:ln w="9525">
+            <a:noFill/>
+          </a:ln>
+          <a:effectLst>
+            <a:outerShdw blurRad="57150" dist="19050" dir="5400000" algn="t" rotWithShape="0">
+              <a:prstClr val="black">
+                <a:alpha val="63000"/>
+              </a:prstClr>
+            </a:outerShdw>
+          </a:effectLst>
+        </p:spPr>
+        <p:style>
+          <a:lnRef idx="2">
+            <a:schemeClr val="accent1">
+              <a:shade val="50000"/>
+            </a:schemeClr>
+          </a:lnRef>
+          <a:fillRef idx="1">
+            <a:schemeClr val="accent1"/>
+          </a:fillRef>
+          <a:effectRef idx="0">
+            <a:schemeClr val="accent1"/>
+          </a:effectRef>
+          <a:fontRef idx="minor">
+            <a:schemeClr val="lt1"/>
+          </a:fontRef>
+        </p:style>
+        <p:txBody>
+          <a:bodyPr rtlCol="0" anchor="ctr"/>
+          <a:lstStyle/>
+          <a:p>
+            <a:pPr algn="ctr">
+              <a:spcAft>
+                <a:spcPts val="600"/>
+              </a:spcAft>
+            </a:pPr>
+            <a:r>
+              <a:rPr lang="en-US"/>
+              <a:t>A</a:t>
+            </a:r>
+          </a:p>
+        </p:txBody>
+      </p:sp>
+      <p:sp>
+        <p:nvSpPr>
+          <p:cNvPr id="2" name="Titre 1">
+            <a:extLst>
+              <a:ext uri="{FF2B5EF4-FFF2-40B4-BE49-F238E27FC236}">
+                <a16:creationId xmlns:a16="http://schemas.microsoft.com/office/drawing/2014/main" id="{D45E6F31-C2F0-4E9B-9E55-966A4D8AF8B4}"/>
+              </a:ext>
+            </a:extLst>
+          </p:cNvPr>
+          <p:cNvSpPr>
+            <a:spLocks noGrp="1"/>
+          </p:cNvSpPr>
+          <p:nvPr>
+            <p:ph type="title"/>
+          </p:nvPr>
+        </p:nvSpPr>
+        <p:spPr>
+          <a:xfrm>
+            <a:off x="648929" y="629266"/>
+            <a:ext cx="6586491" cy="1622321"/>
+          </a:xfrm>
+        </p:spPr>
+        <p:txBody>
+          <a:bodyPr>
+            <a:normAutofit/>
+          </a:bodyPr>
+          <a:lstStyle/>
+          <a:p>
+            <a:r>
+              <a:rPr lang="fr-CA" dirty="0"/>
+              <a:t>Le formulaire</a:t>
+            </a:r>
+          </a:p>
+        </p:txBody>
+      </p:sp>
+      <p:sp>
+        <p:nvSpPr>
+          <p:cNvPr id="3" name="Espace réservé du contenu 2">
+            <a:extLst>
+              <a:ext uri="{FF2B5EF4-FFF2-40B4-BE49-F238E27FC236}">
+                <a16:creationId xmlns:a16="http://schemas.microsoft.com/office/drawing/2014/main" id="{52F2A175-573F-4852-AEA0-C8E550D1C546}"/>
+              </a:ext>
+            </a:extLst>
+          </p:cNvPr>
+          <p:cNvSpPr>
+            <a:spLocks noGrp="1"/>
+          </p:cNvSpPr>
+          <p:nvPr>
+            <p:ph idx="1"/>
+          </p:nvPr>
+        </p:nvSpPr>
+        <p:spPr>
+          <a:xfrm>
+            <a:off x="648930" y="2438400"/>
+            <a:ext cx="6586489" cy="3785419"/>
+          </a:xfrm>
+        </p:spPr>
+        <p:txBody>
+          <a:bodyPr>
+            <a:normAutofit/>
+          </a:bodyPr>
+          <a:lstStyle/>
+          <a:p>
+            <a:pPr marL="0" indent="0">
+              <a:lnSpc>
+                <a:spcPct val="120000"/>
+              </a:lnSpc>
+              <a:spcBef>
+                <a:spcPts val="0"/>
+              </a:spcBef>
+              <a:buNone/>
+            </a:pPr>
+            <a:r>
+              <a:rPr lang="fr-CA" sz="1800" dirty="0">
+                <a:solidFill>
+                  <a:srgbClr val="0070C0"/>
+                </a:solidFill>
+                <a:latin typeface="Consolas" panose="020B0609020204030204" pitchFamily="49" charset="0"/>
+                <a:cs typeface="Consolas" panose="020B0609020204030204" pitchFamily="49" charset="0"/>
+              </a:rPr>
+              <a:t>&lt;</a:t>
+            </a:r>
+            <a:r>
+              <a:rPr lang="fr-CA" sz="1800" dirty="0" err="1">
+                <a:solidFill>
+                  <a:srgbClr val="0070C0"/>
+                </a:solidFill>
+                <a:latin typeface="Consolas" panose="020B0609020204030204" pitchFamily="49" charset="0"/>
+                <a:cs typeface="Consolas" panose="020B0609020204030204" pitchFamily="49" charset="0"/>
+              </a:rPr>
+              <a:t>form</a:t>
+            </a:r>
+            <a:r>
+              <a:rPr lang="fr-CA" sz="1800" dirty="0">
+                <a:solidFill>
+                  <a:srgbClr val="0070C0"/>
+                </a:solidFill>
+                <a:latin typeface="Consolas" panose="020B0609020204030204" pitchFamily="49" charset="0"/>
+                <a:cs typeface="Consolas" panose="020B0609020204030204" pitchFamily="49" charset="0"/>
+              </a:rPr>
+              <a:t> </a:t>
+            </a:r>
+            <a:r>
+              <a:rPr lang="fr-CA" sz="1800" dirty="0">
+                <a:solidFill>
+                  <a:schemeClr val="accent5">
+                    <a:lumMod val="75000"/>
+                  </a:schemeClr>
+                </a:solidFill>
+                <a:latin typeface="Consolas" panose="020B0609020204030204" pitchFamily="49" charset="0"/>
+                <a:cs typeface="Consolas" panose="020B0609020204030204" pitchFamily="49" charset="0"/>
+              </a:rPr>
+              <a:t>action</a:t>
+            </a:r>
+            <a:r>
+              <a:rPr lang="fr-CA" sz="1800" dirty="0">
+                <a:latin typeface="Consolas" panose="020B0609020204030204" pitchFamily="49" charset="0"/>
+                <a:cs typeface="Consolas" panose="020B0609020204030204" pitchFamily="49" charset="0"/>
+              </a:rPr>
+              <a:t>=</a:t>
+            </a:r>
+            <a:r>
+              <a:rPr lang="fr-CA" sz="1800" dirty="0">
+                <a:solidFill>
+                  <a:srgbClr val="7030A0"/>
+                </a:solidFill>
+                <a:latin typeface="Consolas" panose="020B0609020204030204" pitchFamily="49" charset="0"/>
+                <a:cs typeface="Consolas" panose="020B0609020204030204" pitchFamily="49" charset="0"/>
+              </a:rPr>
+              <a:t>"/url"</a:t>
+            </a:r>
+            <a:r>
+              <a:rPr lang="fr-CA" sz="1800" dirty="0">
+                <a:solidFill>
+                  <a:schemeClr val="accent2">
+                    <a:lumMod val="75000"/>
+                  </a:schemeClr>
+                </a:solidFill>
+                <a:latin typeface="Consolas" panose="020B0609020204030204" pitchFamily="49" charset="0"/>
+                <a:cs typeface="Consolas" panose="020B0609020204030204" pitchFamily="49" charset="0"/>
+              </a:rPr>
+              <a:t> </a:t>
+            </a:r>
+            <a:r>
+              <a:rPr lang="fr-CA" sz="1800" dirty="0" err="1">
+                <a:solidFill>
+                  <a:schemeClr val="accent5">
+                    <a:lumMod val="75000"/>
+                  </a:schemeClr>
+                </a:solidFill>
+                <a:latin typeface="Consolas" panose="020B0609020204030204" pitchFamily="49" charset="0"/>
+                <a:cs typeface="Consolas" panose="020B0609020204030204" pitchFamily="49" charset="0"/>
+              </a:rPr>
+              <a:t>method</a:t>
+            </a:r>
+            <a:r>
+              <a:rPr lang="fr-CA" sz="1800" dirty="0">
+                <a:latin typeface="Consolas" panose="020B0609020204030204" pitchFamily="49" charset="0"/>
+                <a:cs typeface="Consolas" panose="020B0609020204030204" pitchFamily="49" charset="0"/>
+              </a:rPr>
+              <a:t>=</a:t>
+            </a:r>
+            <a:r>
+              <a:rPr lang="fr-CA" sz="1800" dirty="0">
+                <a:solidFill>
+                  <a:srgbClr val="7030A0"/>
+                </a:solidFill>
+                <a:latin typeface="Consolas" panose="020B0609020204030204" pitchFamily="49" charset="0"/>
+                <a:cs typeface="Consolas" panose="020B0609020204030204" pitchFamily="49" charset="0"/>
+              </a:rPr>
+              <a:t>"post"</a:t>
+            </a:r>
+            <a:r>
+              <a:rPr lang="fr-CA" sz="1800" dirty="0">
+                <a:solidFill>
+                  <a:srgbClr val="0070C0"/>
+                </a:solidFill>
+                <a:latin typeface="Consolas" panose="020B0609020204030204" pitchFamily="49" charset="0"/>
+                <a:cs typeface="Consolas" panose="020B0609020204030204" pitchFamily="49" charset="0"/>
+              </a:rPr>
+              <a:t>&gt;</a:t>
+            </a:r>
+          </a:p>
+          <a:p>
+            <a:pPr marL="0" indent="0">
+              <a:lnSpc>
+                <a:spcPct val="120000"/>
+              </a:lnSpc>
+              <a:spcBef>
+                <a:spcPts val="0"/>
+              </a:spcBef>
+              <a:buNone/>
+            </a:pPr>
+            <a:r>
+              <a:rPr lang="fr-CA" sz="1800" dirty="0">
+                <a:solidFill>
+                  <a:schemeClr val="accent2">
+                    <a:lumMod val="75000"/>
+                  </a:schemeClr>
+                </a:solidFill>
+                <a:latin typeface="Consolas" panose="020B0609020204030204" pitchFamily="49" charset="0"/>
+                <a:cs typeface="Consolas" panose="020B0609020204030204" pitchFamily="49" charset="0"/>
+              </a:rPr>
+              <a:t>  </a:t>
+            </a:r>
+            <a:r>
+              <a:rPr lang="fr-CA" sz="1800" dirty="0">
+                <a:solidFill>
+                  <a:srgbClr val="0070C0"/>
+                </a:solidFill>
+                <a:latin typeface="Consolas" panose="020B0609020204030204" pitchFamily="49" charset="0"/>
+                <a:cs typeface="Consolas" panose="020B0609020204030204" pitchFamily="49" charset="0"/>
+              </a:rPr>
+              <a:t>&lt;label </a:t>
+            </a:r>
+            <a:r>
+              <a:rPr lang="fr-CA" sz="1800" dirty="0">
+                <a:solidFill>
+                  <a:schemeClr val="accent5">
+                    <a:lumMod val="75000"/>
+                  </a:schemeClr>
+                </a:solidFill>
+                <a:latin typeface="Consolas" panose="020B0609020204030204" pitchFamily="49" charset="0"/>
+                <a:cs typeface="Consolas" panose="020B0609020204030204" pitchFamily="49" charset="0"/>
+              </a:rPr>
+              <a:t>for</a:t>
+            </a:r>
+            <a:r>
+              <a:rPr lang="fr-CA" sz="1800" dirty="0">
+                <a:latin typeface="Consolas" panose="020B0609020204030204" pitchFamily="49" charset="0"/>
+                <a:cs typeface="Consolas" panose="020B0609020204030204" pitchFamily="49" charset="0"/>
+              </a:rPr>
+              <a:t>=</a:t>
+            </a:r>
+            <a:r>
+              <a:rPr lang="fr-CA" sz="1800" dirty="0">
+                <a:solidFill>
+                  <a:srgbClr val="7030A0"/>
+                </a:solidFill>
+                <a:latin typeface="Consolas" panose="020B0609020204030204" pitchFamily="49" charset="0"/>
+                <a:cs typeface="Consolas" panose="020B0609020204030204" pitchFamily="49" charset="0"/>
+              </a:rPr>
+              <a:t>"</a:t>
+            </a:r>
+            <a:r>
+              <a:rPr lang="fr-CA" sz="1800" dirty="0" err="1">
+                <a:solidFill>
+                  <a:srgbClr val="7030A0"/>
+                </a:solidFill>
+                <a:latin typeface="Consolas" panose="020B0609020204030204" pitchFamily="49" charset="0"/>
+                <a:cs typeface="Consolas" panose="020B0609020204030204" pitchFamily="49" charset="0"/>
+              </a:rPr>
+              <a:t>nomUtilisateur</a:t>
+            </a:r>
+            <a:r>
+              <a:rPr lang="fr-CA" sz="1800" dirty="0">
+                <a:solidFill>
+                  <a:srgbClr val="7030A0"/>
+                </a:solidFill>
+                <a:latin typeface="Consolas" panose="020B0609020204030204" pitchFamily="49" charset="0"/>
+                <a:cs typeface="Consolas" panose="020B0609020204030204" pitchFamily="49" charset="0"/>
+              </a:rPr>
+              <a:t>"</a:t>
+            </a:r>
+            <a:r>
+              <a:rPr lang="fr-CA" sz="1800" dirty="0">
+                <a:solidFill>
+                  <a:srgbClr val="0070C0"/>
+                </a:solidFill>
+                <a:latin typeface="Consolas" panose="020B0609020204030204" pitchFamily="49" charset="0"/>
+                <a:cs typeface="Consolas" panose="020B0609020204030204" pitchFamily="49" charset="0"/>
+              </a:rPr>
+              <a:t>&gt;</a:t>
+            </a:r>
+            <a:r>
+              <a:rPr lang="fr-CA" sz="1800" dirty="0">
+                <a:latin typeface="Consolas" panose="020B0609020204030204" pitchFamily="49" charset="0"/>
+                <a:cs typeface="Consolas" panose="020B0609020204030204" pitchFamily="49" charset="0"/>
+              </a:rPr>
+              <a:t>Votre nom</a:t>
+            </a:r>
+            <a:r>
+              <a:rPr lang="fr-CA" sz="1800" dirty="0">
+                <a:solidFill>
+                  <a:srgbClr val="0070C0"/>
+                </a:solidFill>
+                <a:latin typeface="Consolas" panose="020B0609020204030204" pitchFamily="49" charset="0"/>
+                <a:cs typeface="Consolas" panose="020B0609020204030204" pitchFamily="49" charset="0"/>
+              </a:rPr>
+              <a:t>&lt;/label&gt;</a:t>
+            </a:r>
+          </a:p>
+          <a:p>
+            <a:pPr marL="0" indent="0">
+              <a:lnSpc>
+                <a:spcPct val="120000"/>
+              </a:lnSpc>
+              <a:spcBef>
+                <a:spcPts val="0"/>
+              </a:spcBef>
+              <a:buNone/>
+            </a:pPr>
+            <a:r>
+              <a:rPr lang="fr-CA" sz="1800" dirty="0">
+                <a:solidFill>
+                  <a:schemeClr val="accent2">
+                    <a:lumMod val="75000"/>
+                  </a:schemeClr>
+                </a:solidFill>
+                <a:latin typeface="Consolas" panose="020B0609020204030204" pitchFamily="49" charset="0"/>
+                <a:cs typeface="Consolas" panose="020B0609020204030204" pitchFamily="49" charset="0"/>
+              </a:rPr>
+              <a:t>  </a:t>
+            </a:r>
+            <a:r>
+              <a:rPr lang="fr-CA" sz="1800" dirty="0">
+                <a:solidFill>
+                  <a:srgbClr val="0070C0"/>
+                </a:solidFill>
+                <a:latin typeface="Consolas" panose="020B0609020204030204" pitchFamily="49" charset="0"/>
+                <a:cs typeface="Consolas" panose="020B0609020204030204" pitchFamily="49" charset="0"/>
+              </a:rPr>
+              <a:t>&lt;input </a:t>
+            </a:r>
+            <a:r>
+              <a:rPr lang="fr-CA" sz="1800" dirty="0">
+                <a:solidFill>
+                  <a:schemeClr val="accent5">
+                    <a:lumMod val="75000"/>
+                  </a:schemeClr>
+                </a:solidFill>
+                <a:latin typeface="Consolas" panose="020B0609020204030204" pitchFamily="49" charset="0"/>
+                <a:cs typeface="Consolas" panose="020B0609020204030204" pitchFamily="49" charset="0"/>
+              </a:rPr>
+              <a:t>type</a:t>
+            </a:r>
+            <a:r>
+              <a:rPr lang="fr-CA" sz="1800" dirty="0">
+                <a:latin typeface="Consolas" panose="020B0609020204030204" pitchFamily="49" charset="0"/>
+                <a:cs typeface="Consolas" panose="020B0609020204030204" pitchFamily="49" charset="0"/>
+              </a:rPr>
+              <a:t>=</a:t>
+            </a:r>
+            <a:r>
+              <a:rPr lang="fr-CA" sz="1800" dirty="0">
+                <a:solidFill>
+                  <a:srgbClr val="7030A0"/>
+                </a:solidFill>
+                <a:latin typeface="Consolas" panose="020B0609020204030204" pitchFamily="49" charset="0"/>
+                <a:cs typeface="Consolas" panose="020B0609020204030204" pitchFamily="49" charset="0"/>
+              </a:rPr>
+              <a:t>"</a:t>
+            </a:r>
+            <a:r>
+              <a:rPr lang="fr-CA" sz="1800" dirty="0" err="1">
+                <a:solidFill>
+                  <a:srgbClr val="7030A0"/>
+                </a:solidFill>
+                <a:latin typeface="Consolas" panose="020B0609020204030204" pitchFamily="49" charset="0"/>
+                <a:cs typeface="Consolas" panose="020B0609020204030204" pitchFamily="49" charset="0"/>
+              </a:rPr>
+              <a:t>text</a:t>
+            </a:r>
+            <a:r>
+              <a:rPr lang="fr-CA" sz="1800" dirty="0">
+                <a:solidFill>
+                  <a:srgbClr val="7030A0"/>
+                </a:solidFill>
+                <a:latin typeface="Consolas" panose="020B0609020204030204" pitchFamily="49" charset="0"/>
+                <a:cs typeface="Consolas" panose="020B0609020204030204" pitchFamily="49" charset="0"/>
+              </a:rPr>
+              <a:t>" </a:t>
+            </a:r>
+            <a:r>
+              <a:rPr lang="fr-CA" sz="1800" dirty="0">
+                <a:solidFill>
+                  <a:schemeClr val="accent5">
+                    <a:lumMod val="75000"/>
+                  </a:schemeClr>
+                </a:solidFill>
+                <a:latin typeface="Consolas" panose="020B0609020204030204" pitchFamily="49" charset="0"/>
+                <a:cs typeface="Consolas" panose="020B0609020204030204" pitchFamily="49" charset="0"/>
+              </a:rPr>
+              <a:t>id</a:t>
+            </a:r>
+            <a:r>
+              <a:rPr lang="fr-CA" sz="1800" dirty="0">
+                <a:latin typeface="Consolas" panose="020B0609020204030204" pitchFamily="49" charset="0"/>
+                <a:cs typeface="Consolas" panose="020B0609020204030204" pitchFamily="49" charset="0"/>
+              </a:rPr>
+              <a:t>=</a:t>
+            </a:r>
+            <a:r>
+              <a:rPr lang="fr-CA" sz="1800" dirty="0">
+                <a:solidFill>
+                  <a:srgbClr val="7030A0"/>
+                </a:solidFill>
+                <a:latin typeface="Consolas" panose="020B0609020204030204" pitchFamily="49" charset="0"/>
+                <a:cs typeface="Consolas" panose="020B0609020204030204" pitchFamily="49" charset="0"/>
+              </a:rPr>
+              <a:t>"</a:t>
+            </a:r>
+            <a:r>
+              <a:rPr lang="fr-CA" sz="1800" dirty="0" err="1">
+                <a:solidFill>
+                  <a:srgbClr val="7030A0"/>
+                </a:solidFill>
+                <a:latin typeface="Consolas" panose="020B0609020204030204" pitchFamily="49" charset="0"/>
+                <a:cs typeface="Consolas" panose="020B0609020204030204" pitchFamily="49" charset="0"/>
+              </a:rPr>
+              <a:t>nomUtilisateur</a:t>
+            </a:r>
+            <a:r>
+              <a:rPr lang="fr-CA" sz="1800" dirty="0">
+                <a:solidFill>
+                  <a:srgbClr val="7030A0"/>
+                </a:solidFill>
+                <a:latin typeface="Consolas" panose="020B0609020204030204" pitchFamily="49" charset="0"/>
+                <a:cs typeface="Consolas" panose="020B0609020204030204" pitchFamily="49" charset="0"/>
+              </a:rPr>
+              <a:t>"</a:t>
+            </a:r>
+            <a:r>
+              <a:rPr lang="fr-CA" sz="1800" dirty="0">
+                <a:solidFill>
+                  <a:srgbClr val="0070C0"/>
+                </a:solidFill>
+                <a:latin typeface="Consolas" panose="020B0609020204030204" pitchFamily="49" charset="0"/>
+                <a:cs typeface="Consolas" panose="020B0609020204030204" pitchFamily="49" charset="0"/>
+              </a:rPr>
+              <a:t>&gt;</a:t>
+            </a:r>
+          </a:p>
+          <a:p>
+            <a:pPr marL="0" indent="0">
+              <a:lnSpc>
+                <a:spcPct val="120000"/>
+              </a:lnSpc>
+              <a:spcBef>
+                <a:spcPts val="0"/>
+              </a:spcBef>
+              <a:buNone/>
+            </a:pPr>
+            <a:endParaRPr lang="fr-CA" sz="1800" dirty="0">
+              <a:solidFill>
+                <a:srgbClr val="0070C0"/>
+              </a:solidFill>
+              <a:latin typeface="Consolas" panose="020B0609020204030204" pitchFamily="49" charset="0"/>
+              <a:cs typeface="Consolas" panose="020B0609020204030204" pitchFamily="49" charset="0"/>
+            </a:endParaRPr>
+          </a:p>
+          <a:p>
+            <a:pPr marL="0" indent="0">
+              <a:lnSpc>
+                <a:spcPct val="120000"/>
+              </a:lnSpc>
+              <a:spcBef>
+                <a:spcPts val="0"/>
+              </a:spcBef>
+              <a:buNone/>
+            </a:pPr>
+            <a:r>
+              <a:rPr lang="fr-CA" sz="1800" dirty="0">
+                <a:solidFill>
+                  <a:schemeClr val="accent2">
+                    <a:lumMod val="75000"/>
+                  </a:schemeClr>
+                </a:solidFill>
+                <a:latin typeface="Consolas" panose="020B0609020204030204" pitchFamily="49" charset="0"/>
+                <a:cs typeface="Consolas" panose="020B0609020204030204" pitchFamily="49" charset="0"/>
+              </a:rPr>
+              <a:t>  </a:t>
+            </a:r>
+            <a:r>
+              <a:rPr lang="fr-CA" sz="1800" dirty="0">
+                <a:solidFill>
+                  <a:srgbClr val="0070C0"/>
+                </a:solidFill>
+                <a:latin typeface="Consolas" panose="020B0609020204030204" pitchFamily="49" charset="0"/>
+                <a:cs typeface="Consolas" panose="020B0609020204030204" pitchFamily="49" charset="0"/>
+              </a:rPr>
+              <a:t>&lt;</a:t>
+            </a:r>
+            <a:r>
+              <a:rPr lang="fr-CA" sz="1800" dirty="0" err="1">
+                <a:solidFill>
+                  <a:srgbClr val="0070C0"/>
+                </a:solidFill>
+                <a:latin typeface="Consolas" panose="020B0609020204030204" pitchFamily="49" charset="0"/>
+                <a:cs typeface="Consolas" panose="020B0609020204030204" pitchFamily="49" charset="0"/>
+              </a:rPr>
+              <a:t>button</a:t>
+            </a:r>
+            <a:r>
+              <a:rPr lang="fr-CA" sz="1800" dirty="0">
+                <a:solidFill>
+                  <a:srgbClr val="0070C0"/>
+                </a:solidFill>
+                <a:latin typeface="Consolas" panose="020B0609020204030204" pitchFamily="49" charset="0"/>
+                <a:cs typeface="Consolas" panose="020B0609020204030204" pitchFamily="49" charset="0"/>
+              </a:rPr>
+              <a:t> </a:t>
+            </a:r>
+            <a:r>
+              <a:rPr lang="fr-CA" sz="1800" dirty="0">
+                <a:solidFill>
+                  <a:schemeClr val="accent5">
+                    <a:lumMod val="75000"/>
+                  </a:schemeClr>
+                </a:solidFill>
+                <a:latin typeface="Consolas" panose="020B0609020204030204" pitchFamily="49" charset="0"/>
+                <a:cs typeface="Consolas" panose="020B0609020204030204" pitchFamily="49" charset="0"/>
+              </a:rPr>
+              <a:t>type</a:t>
+            </a:r>
+            <a:r>
+              <a:rPr lang="fr-CA" sz="1800" dirty="0">
+                <a:latin typeface="Consolas" panose="020B0609020204030204" pitchFamily="49" charset="0"/>
+                <a:cs typeface="Consolas" panose="020B0609020204030204" pitchFamily="49" charset="0"/>
+              </a:rPr>
+              <a:t>=</a:t>
+            </a:r>
+            <a:r>
+              <a:rPr lang="fr-CA" sz="1800" dirty="0">
+                <a:solidFill>
+                  <a:srgbClr val="7030A0"/>
+                </a:solidFill>
+                <a:latin typeface="Consolas" panose="020B0609020204030204" pitchFamily="49" charset="0"/>
+                <a:cs typeface="Consolas" panose="020B0609020204030204" pitchFamily="49" charset="0"/>
+              </a:rPr>
+              <a:t>"</a:t>
+            </a:r>
+            <a:r>
+              <a:rPr lang="fr-CA" sz="1800" dirty="0" err="1">
+                <a:solidFill>
+                  <a:srgbClr val="7030A0"/>
+                </a:solidFill>
+                <a:latin typeface="Consolas" panose="020B0609020204030204" pitchFamily="49" charset="0"/>
+                <a:cs typeface="Consolas" panose="020B0609020204030204" pitchFamily="49" charset="0"/>
+              </a:rPr>
+              <a:t>submit</a:t>
+            </a:r>
+            <a:r>
+              <a:rPr lang="fr-CA" sz="1800" dirty="0">
+                <a:solidFill>
+                  <a:srgbClr val="7030A0"/>
+                </a:solidFill>
+                <a:latin typeface="Consolas" panose="020B0609020204030204" pitchFamily="49" charset="0"/>
+                <a:cs typeface="Consolas" panose="020B0609020204030204" pitchFamily="49" charset="0"/>
+              </a:rPr>
+              <a:t>"</a:t>
+            </a:r>
+            <a:r>
+              <a:rPr lang="fr-CA" sz="1800" dirty="0">
+                <a:solidFill>
+                  <a:srgbClr val="0070C0"/>
+                </a:solidFill>
+                <a:latin typeface="Consolas" panose="020B0609020204030204" pitchFamily="49" charset="0"/>
+                <a:cs typeface="Consolas" panose="020B0609020204030204" pitchFamily="49" charset="0"/>
+              </a:rPr>
+              <a:t>&gt;</a:t>
+            </a:r>
+            <a:r>
+              <a:rPr lang="fr-CA" sz="1800" dirty="0">
+                <a:latin typeface="Consolas" panose="020B0609020204030204" pitchFamily="49" charset="0"/>
+                <a:cs typeface="Consolas" panose="020B0609020204030204" pitchFamily="49" charset="0"/>
+              </a:rPr>
+              <a:t>Envoyer</a:t>
+            </a:r>
+            <a:r>
+              <a:rPr lang="fr-CA" sz="1800" dirty="0">
+                <a:solidFill>
+                  <a:srgbClr val="0070C0"/>
+                </a:solidFill>
+                <a:latin typeface="Consolas" panose="020B0609020204030204" pitchFamily="49" charset="0"/>
+                <a:cs typeface="Consolas" panose="020B0609020204030204" pitchFamily="49" charset="0"/>
+              </a:rPr>
+              <a:t>&lt;/</a:t>
+            </a:r>
+            <a:r>
+              <a:rPr lang="fr-CA" sz="1800" dirty="0" err="1">
+                <a:solidFill>
+                  <a:srgbClr val="0070C0"/>
+                </a:solidFill>
+                <a:latin typeface="Consolas" panose="020B0609020204030204" pitchFamily="49" charset="0"/>
+                <a:cs typeface="Consolas" panose="020B0609020204030204" pitchFamily="49" charset="0"/>
+              </a:rPr>
+              <a:t>button</a:t>
+            </a:r>
+            <a:r>
+              <a:rPr lang="fr-CA" sz="1800" dirty="0">
+                <a:solidFill>
+                  <a:srgbClr val="0070C0"/>
+                </a:solidFill>
+                <a:latin typeface="Consolas" panose="020B0609020204030204" pitchFamily="49" charset="0"/>
+                <a:cs typeface="Consolas" panose="020B0609020204030204" pitchFamily="49" charset="0"/>
+              </a:rPr>
+              <a:t>&gt;</a:t>
+            </a:r>
+          </a:p>
+          <a:p>
+            <a:pPr marL="0" indent="0">
+              <a:lnSpc>
+                <a:spcPct val="120000"/>
+              </a:lnSpc>
+              <a:spcBef>
+                <a:spcPts val="0"/>
+              </a:spcBef>
+              <a:buNone/>
+            </a:pPr>
+            <a:r>
+              <a:rPr lang="fr-CA" sz="1800" dirty="0">
+                <a:solidFill>
+                  <a:srgbClr val="0070C0"/>
+                </a:solidFill>
+                <a:latin typeface="Consolas" panose="020B0609020204030204" pitchFamily="49" charset="0"/>
+                <a:cs typeface="Consolas" panose="020B0609020204030204" pitchFamily="49" charset="0"/>
+              </a:rPr>
+              <a:t>&lt;/</a:t>
+            </a:r>
+            <a:r>
+              <a:rPr lang="fr-CA" sz="1800" dirty="0" err="1">
+                <a:solidFill>
+                  <a:srgbClr val="0070C0"/>
+                </a:solidFill>
+                <a:latin typeface="Consolas" panose="020B0609020204030204" pitchFamily="49" charset="0"/>
+                <a:cs typeface="Consolas" panose="020B0609020204030204" pitchFamily="49" charset="0"/>
+              </a:rPr>
+              <a:t>form</a:t>
+            </a:r>
+            <a:r>
+              <a:rPr lang="fr-CA" sz="1800" dirty="0">
+                <a:solidFill>
+                  <a:srgbClr val="0070C0"/>
+                </a:solidFill>
+                <a:latin typeface="Consolas" panose="020B0609020204030204" pitchFamily="49" charset="0"/>
+                <a:cs typeface="Consolas" panose="020B0609020204030204" pitchFamily="49" charset="0"/>
+              </a:rPr>
+              <a:t>&gt;</a:t>
+            </a:r>
+          </a:p>
+        </p:txBody>
+      </p:sp>
+      <p:pic>
+        <p:nvPicPr>
+          <p:cNvPr id="5" name="Image 4">
+            <a:extLst>
+              <a:ext uri="{FF2B5EF4-FFF2-40B4-BE49-F238E27FC236}">
+                <a16:creationId xmlns:a16="http://schemas.microsoft.com/office/drawing/2014/main" id="{ECAAF783-6A6F-4794-A7A2-C66FE4972F0B}"/>
+              </a:ext>
+            </a:extLst>
+          </p:cNvPr>
+          <p:cNvPicPr>
+            <a:picLocks noChangeAspect="1"/>
+          </p:cNvPicPr>
+          <p:nvPr/>
+        </p:nvPicPr>
+        <p:blipFill>
+          <a:blip r:embed="rId2"/>
+          <a:stretch>
+            <a:fillRect/>
+          </a:stretch>
+        </p:blipFill>
+        <p:spPr>
+          <a:xfrm>
+            <a:off x="8431376" y="1319212"/>
+            <a:ext cx="2886075" cy="4219575"/>
+          </a:xfrm>
+          <a:prstGeom prst="rect">
+            <a:avLst/>
+          </a:prstGeom>
+        </p:spPr>
+      </p:pic>
+    </p:spTree>
+    <p:extLst>
+      <p:ext uri="{BB962C8B-B14F-4D97-AF65-F5344CB8AC3E}">
+        <p14:creationId xmlns:p14="http://schemas.microsoft.com/office/powerpoint/2010/main" val="3599706242"/>
+      </p:ext>
+    </p:extLst>
+  </p:cSld>
+  <p:clrMapOvr>
+    <a:masterClrMapping/>
+  </p:clrMapOvr>
+</p:sld>
+</file>
+
+<file path=ppt/slides/slide47.xml><?xml version="1.0" encoding="utf-8"?>
+<p:sld xmlns:a="http://schemas.openxmlformats.org/drawingml/2006/main" xmlns:r="http://schemas.openxmlformats.org/officeDocument/2006/relationships" xmlns:p="http://schemas.openxmlformats.org/presentationml/2006/main">
+  <p:cSld>
+    <p:bg>
+      <p:bgPr>
+        <a:solidFill>
+          <a:schemeClr val="bg1"/>
+        </a:solidFill>
+        <a:effectLst/>
+      </p:bgPr>
+    </p:bg>
+    <p:spTree>
+      <p:nvGrpSpPr>
+        <p:cNvPr id="1" name=""/>
+        <p:cNvGrpSpPr/>
+        <p:nvPr/>
+      </p:nvGrpSpPr>
+      <p:grpSpPr>
+        <a:xfrm>
+          <a:off x="0" y="0"/>
+          <a:ext cx="0" cy="0"/>
+          <a:chOff x="0" y="0"/>
+          <a:chExt cx="0" cy="0"/>
+        </a:xfrm>
+      </p:grpSpPr>
+      <p:sp>
+        <p:nvSpPr>
+          <p:cNvPr id="31" name="Rectangle 30">
+            <a:extLst>
+              <a:ext uri="{FF2B5EF4-FFF2-40B4-BE49-F238E27FC236}">
+                <a16:creationId xmlns:a16="http://schemas.microsoft.com/office/drawing/2014/main" id="{83AE3C92-7E04-4978-9145-F75BD4C57A56}"/>
+              </a:ext>
+            </a:extLst>
+          </p:cNvPr>
+          <p:cNvSpPr>
+            <a:spLocks noGrp="1" noRot="1" noChangeAspect="1" noMove="1" noResize="1" noEditPoints="1" noAdjustHandles="1" noChangeArrowheads="1" noChangeShapeType="1" noTextEdit="1"/>
+          </p:cNvSpPr>
+          <p:nvPr>
+            <p:extLst>
+              <p:ext uri="{386F3935-93C4-4BCD-93E2-E3B085C9AB24}">
+                <p16:designElem xmlns:p16="http://schemas.microsoft.com/office/powerpoint/2015/main" val="1"/>
+              </p:ext>
+            </p:extLst>
+          </p:nvPr>
+        </p:nvSpPr>
+        <p:spPr>
+          <a:xfrm>
+            <a:off x="0" y="0"/>
+            <a:ext cx="4636008" cy="6858000"/>
+          </a:xfrm>
+          <a:prstGeom prst="rect">
+            <a:avLst/>
+          </a:prstGeom>
+          <a:ln>
+            <a:noFill/>
+          </a:ln>
+        </p:spPr>
+        <p:style>
+          <a:lnRef idx="2">
+            <a:schemeClr val="accent1">
+              <a:shade val="50000"/>
+            </a:schemeClr>
+          </a:lnRef>
+          <a:fillRef idx="1">
+            <a:schemeClr val="accent1"/>
+          </a:fillRef>
+          <a:effectRef idx="0">
+            <a:schemeClr val="accent1"/>
+          </a:effectRef>
+          <a:fontRef idx="minor">
+            <a:schemeClr val="lt1"/>
+          </a:fontRef>
+        </p:style>
+        <p:txBody>
+          <a:bodyPr rtlCol="0" anchor="ctr"/>
+          <a:lstStyle/>
+          <a:p>
+            <a:pPr algn="ctr"/>
+            <a:endParaRPr lang="en-US"/>
+          </a:p>
+        </p:txBody>
+      </p:sp>
+      <p:cxnSp>
+        <p:nvCxnSpPr>
+          <p:cNvPr id="33" name="Straight Connector 32">
+            <a:extLst>
+              <a:ext uri="{FF2B5EF4-FFF2-40B4-BE49-F238E27FC236}">
+                <a16:creationId xmlns:a16="http://schemas.microsoft.com/office/drawing/2014/main" id="{0750E988-E414-440A-963B-4EAF7B06DB37}"/>
+              </a:ext>
+            </a:extLst>
+          </p:cNvPr>
+          <p:cNvCxnSpPr>
+            <a:cxnSpLocks noGrp="1" noRot="1" noChangeAspect="1" noMove="1" noResize="1" noEditPoints="1" noAdjustHandles="1" noChangeArrowheads="1" noChangeShapeType="1"/>
+          </p:cNvCxnSpPr>
+          <p:nvPr>
+            <p:extLst>
+              <p:ext uri="{386F3935-93C4-4BCD-93E2-E3B085C9AB24}">
+                <p16:designElem xmlns:p16="http://schemas.microsoft.com/office/powerpoint/2015/main" val="1"/>
+              </p:ext>
+            </p:extLst>
+          </p:nvPr>
+        </p:nvCxnSpPr>
+        <p:spPr>
+          <a:xfrm flipV="1">
+            <a:off x="762000" y="2971800"/>
+            <a:ext cx="0" cy="914400"/>
+          </a:xfrm>
+          <a:prstGeom prst="line">
+            <a:avLst/>
+          </a:prstGeom>
+          <a:ln w="19050">
+            <a:solidFill>
+              <a:srgbClr val="FFFFFF">
+                <a:alpha val="80000"/>
+              </a:srgbClr>
+            </a:solidFill>
+          </a:ln>
+        </p:spPr>
+        <p:style>
+          <a:lnRef idx="1">
+            <a:schemeClr val="accent1"/>
+          </a:lnRef>
+          <a:fillRef idx="0">
+            <a:schemeClr val="accent1"/>
+          </a:fillRef>
+          <a:effectRef idx="0">
+            <a:schemeClr val="accent1"/>
+          </a:effectRef>
+          <a:fontRef idx="minor">
+            <a:schemeClr val="tx1"/>
+          </a:fontRef>
+        </p:style>
+      </p:cxnSp>
+      <p:sp>
+        <p:nvSpPr>
+          <p:cNvPr id="5" name="Titre 4">
+            <a:extLst>
+              <a:ext uri="{FF2B5EF4-FFF2-40B4-BE49-F238E27FC236}">
+                <a16:creationId xmlns:a16="http://schemas.microsoft.com/office/drawing/2014/main" id="{6AABD4D2-34EE-4CA4-B6DC-999852117C5A}"/>
+              </a:ext>
+            </a:extLst>
+          </p:cNvPr>
+          <p:cNvSpPr>
+            <a:spLocks noGrp="1"/>
+          </p:cNvSpPr>
+          <p:nvPr>
+            <p:ph type="title"/>
+          </p:nvPr>
+        </p:nvSpPr>
+        <p:spPr>
+          <a:xfrm>
+            <a:off x="943277" y="712269"/>
+            <a:ext cx="3370998" cy="5502264"/>
+          </a:xfrm>
+        </p:spPr>
+        <p:txBody>
+          <a:bodyPr>
+            <a:normAutofit/>
+          </a:bodyPr>
+          <a:lstStyle/>
+          <a:p>
+            <a:r>
+              <a:rPr lang="fr-CA">
+                <a:solidFill>
+                  <a:srgbClr val="FFFFFF"/>
+                </a:solidFill>
+              </a:rPr>
+              <a:t>À quoi ça sert?</a:t>
+            </a:r>
+          </a:p>
+        </p:txBody>
+      </p:sp>
+      <p:graphicFrame>
+        <p:nvGraphicFramePr>
+          <p:cNvPr id="19" name="Espace réservé du contenu 5"/>
+          <p:cNvGraphicFramePr>
+            <a:graphicFrameLocks noGrp="1"/>
+          </p:cNvGraphicFramePr>
+          <p:nvPr>
+            <p:ph idx="1"/>
+            <p:extLst>
+              <p:ext uri="{D42A27DB-BD31-4B8C-83A1-F6EECF244321}">
+                <p14:modId xmlns:p14="http://schemas.microsoft.com/office/powerpoint/2010/main" val="2939112676"/>
+              </p:ext>
+            </p:extLst>
+          </p:nvPr>
+        </p:nvGraphicFramePr>
+        <p:xfrm>
+          <a:off x="5280025" y="642938"/>
+          <a:ext cx="6269038" cy="5572125"/>
+        </p:xfrm>
+        <a:graphic>
+          <a:graphicData uri="http://schemas.openxmlformats.org/drawingml/2006/diagram">
+            <dgm:relIds xmlns:dgm="http://schemas.openxmlformats.org/drawingml/2006/diagram" xmlns:r="http://schemas.openxmlformats.org/officeDocument/2006/relationships" r:dm="rId2" r:lo="rId3" r:qs="rId4" r:cs="rId5"/>
+          </a:graphicData>
+        </a:graphic>
+      </p:graphicFrame>
+    </p:spTree>
+    <p:extLst>
+      <p:ext uri="{BB962C8B-B14F-4D97-AF65-F5344CB8AC3E}">
+        <p14:creationId xmlns:p14="http://schemas.microsoft.com/office/powerpoint/2010/main" val="2326005735"/>
+      </p:ext>
+    </p:extLst>
+  </p:cSld>
+  <p:clrMapOvr>
+    <a:masterClrMapping/>
+  </p:clrMapOvr>
+</p:sld>
+</file>
+
+<file path=ppt/slides/slide48.xml><?xml version="1.0" encoding="utf-8"?>
+<p:sld xmlns:a="http://schemas.openxmlformats.org/drawingml/2006/main" xmlns:r="http://schemas.openxmlformats.org/officeDocument/2006/relationships" xmlns:p="http://schemas.openxmlformats.org/presentationml/2006/main">
+  <p:cSld>
+    <p:bg>
+      <p:bgPr>
+        <a:solidFill>
+          <a:schemeClr val="bg1"/>
+        </a:solidFill>
+        <a:effectLst/>
+      </p:bgPr>
+    </p:bg>
+    <p:spTree>
+      <p:nvGrpSpPr>
+        <p:cNvPr id="1" name=""/>
+        <p:cNvGrpSpPr/>
+        <p:nvPr/>
+      </p:nvGrpSpPr>
+      <p:grpSpPr>
+        <a:xfrm>
+          <a:off x="0" y="0"/>
+          <a:ext cx="0" cy="0"/>
+          <a:chOff x="0" y="0"/>
+          <a:chExt cx="0" cy="0"/>
+        </a:xfrm>
+      </p:grpSpPr>
+      <p:sp>
+        <p:nvSpPr>
+          <p:cNvPr id="11" name="Rectangle 10">
+            <a:extLst>
+              <a:ext uri="{FF2B5EF4-FFF2-40B4-BE49-F238E27FC236}">
+                <a16:creationId xmlns:a16="http://schemas.microsoft.com/office/drawing/2014/main" id="{AD812D85-1A73-4B3F-9942-EA3421A28958}"/>
+              </a:ext>
+            </a:extLst>
+          </p:cNvPr>
+          <p:cNvSpPr>
+            <a:spLocks noGrp="1" noRot="1" noChangeAspect="1" noMove="1" noResize="1" noEditPoints="1" noAdjustHandles="1" noChangeArrowheads="1" noChangeShapeType="1" noTextEdit="1"/>
+          </p:cNvSpPr>
+          <p:nvPr>
+            <p:extLst>
+              <p:ext uri="{386F3935-93C4-4BCD-93E2-E3B085C9AB24}">
+                <p16:designElem xmlns:p16="http://schemas.microsoft.com/office/powerpoint/2015/main" val="1"/>
+              </p:ext>
+            </p:extLst>
+          </p:nvPr>
+        </p:nvSpPr>
+        <p:spPr>
+          <a:xfrm>
+            <a:off x="478135" y="476778"/>
+            <a:ext cx="7212450" cy="5920653"/>
+          </a:xfrm>
+          <a:prstGeom prst="rect">
+            <a:avLst/>
+          </a:prstGeom>
+          <a:solidFill>
+            <a:schemeClr val="accent1"/>
+          </a:solidFill>
+          <a:ln>
+            <a:noFill/>
+          </a:ln>
+        </p:spPr>
+        <p:style>
+          <a:lnRef idx="1">
+            <a:schemeClr val="accent1"/>
+          </a:lnRef>
+          <a:fillRef idx="3">
+            <a:schemeClr val="accent1"/>
+          </a:fillRef>
+          <a:effectRef idx="2">
+            <a:schemeClr val="accent1"/>
+          </a:effectRef>
+          <a:fontRef idx="minor">
+            <a:schemeClr val="lt1"/>
+          </a:fontRef>
+        </p:style>
+        <p:txBody>
+          <a:bodyPr rtlCol="0" anchor="ctr"/>
+          <a:lstStyle/>
+          <a:p>
+            <a:pPr algn="ctr"/>
+            <a:endParaRPr lang="en-US"/>
+          </a:p>
+        </p:txBody>
+      </p:sp>
+      <p:cxnSp>
+        <p:nvCxnSpPr>
+          <p:cNvPr id="13" name="Straight Connector 12">
+            <a:extLst>
+              <a:ext uri="{FF2B5EF4-FFF2-40B4-BE49-F238E27FC236}">
+                <a16:creationId xmlns:a16="http://schemas.microsoft.com/office/drawing/2014/main" id="{0235ADA5-5364-456A-A990-E53F604378F9}"/>
+              </a:ext>
+            </a:extLst>
+          </p:cNvPr>
+          <p:cNvCxnSpPr>
+            <a:cxnSpLocks noGrp="1" noRot="1" noChangeAspect="1" noMove="1" noResize="1" noEditPoints="1" noAdjustHandles="1" noChangeArrowheads="1" noChangeShapeType="1"/>
+          </p:cNvCxnSpPr>
+          <p:nvPr>
+            <p:extLst>
+              <p:ext uri="{386F3935-93C4-4BCD-93E2-E3B085C9AB24}">
+                <p16:designElem xmlns:p16="http://schemas.microsoft.com/office/powerpoint/2015/main" val="1"/>
+              </p:ext>
+            </p:extLst>
+          </p:nvPr>
+        </p:nvCxnSpPr>
+        <p:spPr>
+          <a:xfrm>
+            <a:off x="3230880" y="4424906"/>
+            <a:ext cx="3657600" cy="0"/>
+          </a:xfrm>
+          <a:prstGeom prst="line">
+            <a:avLst/>
+          </a:prstGeom>
+          <a:ln w="19050">
+            <a:solidFill>
+              <a:srgbClr val="FFFFFF">
+                <a:alpha val="80000"/>
+              </a:srgbClr>
+            </a:solidFill>
+          </a:ln>
+        </p:spPr>
+        <p:style>
+          <a:lnRef idx="1">
+            <a:schemeClr val="accent1"/>
+          </a:lnRef>
+          <a:fillRef idx="0">
+            <a:schemeClr val="accent1"/>
+          </a:fillRef>
+          <a:effectRef idx="0">
+            <a:schemeClr val="accent1"/>
+          </a:effectRef>
+          <a:fontRef idx="minor">
+            <a:schemeClr val="tx1"/>
+          </a:fontRef>
+        </p:style>
+      </p:cxnSp>
+      <p:sp>
+        <p:nvSpPr>
+          <p:cNvPr id="15" name="Rectangle 14">
+            <a:extLst>
+              <a:ext uri="{FF2B5EF4-FFF2-40B4-BE49-F238E27FC236}">
+                <a16:creationId xmlns:a16="http://schemas.microsoft.com/office/drawing/2014/main" id="{FCA36376-A222-465D-BC66-44777DE120CC}"/>
+              </a:ext>
+            </a:extLst>
+          </p:cNvPr>
+          <p:cNvSpPr>
+            <a:spLocks noGrp="1" noRot="1" noChangeAspect="1" noMove="1" noResize="1" noEditPoints="1" noAdjustHandles="1" noChangeArrowheads="1" noChangeShapeType="1" noTextEdit="1"/>
+          </p:cNvSpPr>
+          <p:nvPr>
+            <p:extLst>
+              <p:ext uri="{386F3935-93C4-4BCD-93E2-E3B085C9AB24}">
+                <p16:designElem xmlns:p16="http://schemas.microsoft.com/office/powerpoint/2015/main" val="1"/>
+              </p:ext>
+            </p:extLst>
+          </p:nvPr>
+        </p:nvSpPr>
+        <p:spPr>
+          <a:xfrm>
+            <a:off x="7851452" y="476778"/>
+            <a:ext cx="3864383" cy="5920653"/>
+          </a:xfrm>
+          <a:prstGeom prst="rect">
+            <a:avLst/>
+          </a:prstGeom>
+          <a:solidFill>
+            <a:schemeClr val="bg2">
+              <a:lumMod val="90000"/>
+            </a:schemeClr>
+          </a:solidFill>
+          <a:ln>
+            <a:noFill/>
+          </a:ln>
+        </p:spPr>
+        <p:style>
+          <a:lnRef idx="2">
+            <a:schemeClr val="accent1">
+              <a:shade val="50000"/>
+            </a:schemeClr>
+          </a:lnRef>
+          <a:fillRef idx="1">
+            <a:schemeClr val="accent1"/>
+          </a:fillRef>
+          <a:effectRef idx="0">
+            <a:schemeClr val="accent1"/>
+          </a:effectRef>
+          <a:fontRef idx="minor">
+            <a:schemeClr val="lt1"/>
+          </a:fontRef>
+        </p:style>
+        <p:txBody>
+          <a:bodyPr rtlCol="0" anchor="ctr"/>
+          <a:lstStyle/>
+          <a:p>
+            <a:pPr algn="ctr"/>
+            <a:endParaRPr lang="en-US"/>
+          </a:p>
+        </p:txBody>
+      </p:sp>
+      <p:sp>
+        <p:nvSpPr>
+          <p:cNvPr id="5" name="Titre 4">
+            <a:extLst>
+              <a:ext uri="{FF2B5EF4-FFF2-40B4-BE49-F238E27FC236}">
+                <a16:creationId xmlns:a16="http://schemas.microsoft.com/office/drawing/2014/main" id="{4906A919-D020-479A-AC5A-D9F539FF3D33}"/>
+              </a:ext>
+            </a:extLst>
+          </p:cNvPr>
+          <p:cNvSpPr>
+            <a:spLocks noGrp="1"/>
+          </p:cNvSpPr>
+          <p:nvPr>
+            <p:ph type="ctrTitle"/>
+          </p:nvPr>
+        </p:nvSpPr>
+        <p:spPr>
+          <a:xfrm>
+            <a:off x="1118215" y="1269255"/>
+            <a:ext cx="5956353" cy="3038947"/>
+          </a:xfrm>
+        </p:spPr>
+        <p:txBody>
+          <a:bodyPr>
+            <a:normAutofit/>
+          </a:bodyPr>
+          <a:lstStyle/>
+          <a:p>
+            <a:pPr algn="r"/>
+            <a:r>
+              <a:rPr lang="fr-CA" sz="5400" dirty="0">
+                <a:solidFill>
+                  <a:srgbClr val="FFFFFF"/>
+                </a:solidFill>
+              </a:rPr>
+              <a:t>Ressources externes</a:t>
+            </a:r>
+            <a:br>
+              <a:rPr lang="fr-CA" sz="5400" dirty="0">
+                <a:solidFill>
+                  <a:srgbClr val="FFFFFF"/>
+                </a:solidFill>
+              </a:rPr>
+            </a:br>
+            <a:r>
+              <a:rPr lang="fr-CA" sz="5400" dirty="0" err="1">
+                <a:solidFill>
+                  <a:srgbClr val="FFFFFF"/>
+                </a:solidFill>
+              </a:rPr>
+              <a:t>js</a:t>
+            </a:r>
+            <a:r>
+              <a:rPr lang="fr-CA" sz="5400" dirty="0">
+                <a:solidFill>
+                  <a:srgbClr val="FFFFFF"/>
+                </a:solidFill>
+              </a:rPr>
+              <a:t>, </a:t>
+            </a:r>
+            <a:r>
+              <a:rPr lang="fr-CA" sz="5400" dirty="0" err="1">
+                <a:solidFill>
+                  <a:srgbClr val="FFFFFF"/>
+                </a:solidFill>
+              </a:rPr>
+              <a:t>css</a:t>
+            </a:r>
+            <a:r>
+              <a:rPr lang="fr-CA" sz="5400" dirty="0">
+                <a:solidFill>
+                  <a:srgbClr val="FFFFFF"/>
+                </a:solidFill>
+              </a:rPr>
+              <a:t>, etc..</a:t>
+            </a:r>
+          </a:p>
+        </p:txBody>
+      </p:sp>
+      <p:sp>
+        <p:nvSpPr>
+          <p:cNvPr id="6" name="Sous-titre 5">
+            <a:extLst>
+              <a:ext uri="{FF2B5EF4-FFF2-40B4-BE49-F238E27FC236}">
+                <a16:creationId xmlns:a16="http://schemas.microsoft.com/office/drawing/2014/main" id="{D4E8AAF7-3291-42EF-8749-155B01266A3A}"/>
+              </a:ext>
+            </a:extLst>
+          </p:cNvPr>
+          <p:cNvSpPr>
+            <a:spLocks noGrp="1"/>
+          </p:cNvSpPr>
+          <p:nvPr>
+            <p:ph type="subTitle" idx="1"/>
+          </p:nvPr>
+        </p:nvSpPr>
+        <p:spPr>
+          <a:xfrm>
+            <a:off x="1118215" y="4578114"/>
+            <a:ext cx="5956353" cy="1247274"/>
+          </a:xfrm>
+        </p:spPr>
+        <p:txBody>
+          <a:bodyPr>
+            <a:normAutofit/>
+          </a:bodyPr>
+          <a:lstStyle/>
+          <a:p>
+            <a:pPr algn="r"/>
+            <a:r>
+              <a:rPr lang="fr-CA" dirty="0">
+                <a:solidFill>
+                  <a:srgbClr val="FFFFFF"/>
+                </a:solidFill>
+                <a:latin typeface="Consolas" panose="020B0609020204030204" pitchFamily="49" charset="0"/>
+                <a:cs typeface="Consolas" panose="020B0609020204030204" pitchFamily="49" charset="0"/>
+              </a:rPr>
+              <a:t>Toujours plus de balises utiles!</a:t>
+            </a:r>
+          </a:p>
+        </p:txBody>
+      </p:sp>
+    </p:spTree>
+    <p:extLst>
+      <p:ext uri="{BB962C8B-B14F-4D97-AF65-F5344CB8AC3E}">
+        <p14:creationId xmlns:p14="http://schemas.microsoft.com/office/powerpoint/2010/main" val="1103646020"/>
+      </p:ext>
+    </p:extLst>
+  </p:cSld>
+  <p:clrMapOvr>
+    <a:masterClrMapping/>
+  </p:clrMapOvr>
+</p:sld>
+</file>
+
+<file path=ppt/slides/slide49.xml><?xml version="1.0" encoding="utf-8"?>
+<p:sld xmlns:a="http://schemas.openxmlformats.org/drawingml/2006/main" xmlns:r="http://schemas.openxmlformats.org/officeDocument/2006/relationships" xmlns:p="http://schemas.openxmlformats.org/presentationml/2006/main">
+  <p:cSld>
+    <p:bg>
+      <p:bgPr>
+        <a:solidFill>
+          <a:schemeClr val="bg1"/>
+        </a:solidFill>
+        <a:effectLst/>
+      </p:bgPr>
+    </p:bg>
+    <p:spTree>
+      <p:nvGrpSpPr>
+        <p:cNvPr id="1" name=""/>
+        <p:cNvGrpSpPr/>
+        <p:nvPr/>
+      </p:nvGrpSpPr>
+      <p:grpSpPr>
+        <a:xfrm>
+          <a:off x="0" y="0"/>
+          <a:ext cx="0" cy="0"/>
+          <a:chOff x="0" y="0"/>
+          <a:chExt cx="0" cy="0"/>
+        </a:xfrm>
+      </p:grpSpPr>
+      <p:sp>
+        <p:nvSpPr>
+          <p:cNvPr id="11" name="Rectangle 10">
+            <a:extLst>
+              <a:ext uri="{FF2B5EF4-FFF2-40B4-BE49-F238E27FC236}">
+                <a16:creationId xmlns:a16="http://schemas.microsoft.com/office/drawing/2014/main" id="{AD812D85-1A73-4B3F-9942-EA3421A28958}"/>
+              </a:ext>
+            </a:extLst>
+          </p:cNvPr>
+          <p:cNvSpPr>
+            <a:spLocks noGrp="1" noRot="1" noChangeAspect="1" noMove="1" noResize="1" noEditPoints="1" noAdjustHandles="1" noChangeArrowheads="1" noChangeShapeType="1" noTextEdit="1"/>
+          </p:cNvSpPr>
+          <p:nvPr>
+            <p:extLst>
+              <p:ext uri="{386F3935-93C4-4BCD-93E2-E3B085C9AB24}">
+                <p16:designElem xmlns:p16="http://schemas.microsoft.com/office/powerpoint/2015/main" val="1"/>
+              </p:ext>
+            </p:extLst>
+          </p:nvPr>
+        </p:nvSpPr>
+        <p:spPr>
+          <a:xfrm>
+            <a:off x="478135" y="476778"/>
+            <a:ext cx="7212450" cy="5920653"/>
+          </a:xfrm>
+          <a:prstGeom prst="rect">
+            <a:avLst/>
+          </a:prstGeom>
+          <a:solidFill>
+            <a:schemeClr val="accent1"/>
+          </a:solidFill>
+          <a:ln>
+            <a:noFill/>
+          </a:ln>
+        </p:spPr>
+        <p:style>
+          <a:lnRef idx="1">
+            <a:schemeClr val="accent1"/>
+          </a:lnRef>
+          <a:fillRef idx="3">
+            <a:schemeClr val="accent1"/>
+          </a:fillRef>
+          <a:effectRef idx="2">
+            <a:schemeClr val="accent1"/>
+          </a:effectRef>
+          <a:fontRef idx="minor">
+            <a:schemeClr val="lt1"/>
+          </a:fontRef>
+        </p:style>
+        <p:txBody>
+          <a:bodyPr rtlCol="0" anchor="ctr"/>
+          <a:lstStyle/>
+          <a:p>
+            <a:pPr algn="ctr"/>
+            <a:endParaRPr lang="en-US"/>
+          </a:p>
+        </p:txBody>
+      </p:sp>
+      <p:cxnSp>
+        <p:nvCxnSpPr>
+          <p:cNvPr id="13" name="Straight Connector 12">
+            <a:extLst>
+              <a:ext uri="{FF2B5EF4-FFF2-40B4-BE49-F238E27FC236}">
+                <a16:creationId xmlns:a16="http://schemas.microsoft.com/office/drawing/2014/main" id="{0235ADA5-5364-456A-A990-E53F604378F9}"/>
+              </a:ext>
+            </a:extLst>
+          </p:cNvPr>
+          <p:cNvCxnSpPr>
+            <a:cxnSpLocks noGrp="1" noRot="1" noChangeAspect="1" noMove="1" noResize="1" noEditPoints="1" noAdjustHandles="1" noChangeArrowheads="1" noChangeShapeType="1"/>
+          </p:cNvCxnSpPr>
+          <p:nvPr>
+            <p:extLst>
+              <p:ext uri="{386F3935-93C4-4BCD-93E2-E3B085C9AB24}">
+                <p16:designElem xmlns:p16="http://schemas.microsoft.com/office/powerpoint/2015/main" val="1"/>
+              </p:ext>
+            </p:extLst>
+          </p:nvPr>
+        </p:nvCxnSpPr>
+        <p:spPr>
+          <a:xfrm>
+            <a:off x="3230880" y="4424906"/>
+            <a:ext cx="3657600" cy="0"/>
+          </a:xfrm>
+          <a:prstGeom prst="line">
+            <a:avLst/>
+          </a:prstGeom>
+          <a:ln w="19050">
+            <a:solidFill>
+              <a:srgbClr val="FFFFFF">
+                <a:alpha val="80000"/>
+              </a:srgbClr>
+            </a:solidFill>
+          </a:ln>
+        </p:spPr>
+        <p:style>
+          <a:lnRef idx="1">
+            <a:schemeClr val="accent1"/>
+          </a:lnRef>
+          <a:fillRef idx="0">
+            <a:schemeClr val="accent1"/>
+          </a:fillRef>
+          <a:effectRef idx="0">
+            <a:schemeClr val="accent1"/>
+          </a:effectRef>
+          <a:fontRef idx="minor">
+            <a:schemeClr val="tx1"/>
+          </a:fontRef>
+        </p:style>
+      </p:cxnSp>
+      <p:sp>
+        <p:nvSpPr>
+          <p:cNvPr id="15" name="Rectangle 14">
+            <a:extLst>
+              <a:ext uri="{FF2B5EF4-FFF2-40B4-BE49-F238E27FC236}">
+                <a16:creationId xmlns:a16="http://schemas.microsoft.com/office/drawing/2014/main" id="{FCA36376-A222-465D-BC66-44777DE120CC}"/>
+              </a:ext>
+            </a:extLst>
+          </p:cNvPr>
+          <p:cNvSpPr>
+            <a:spLocks noGrp="1" noRot="1" noChangeAspect="1" noMove="1" noResize="1" noEditPoints="1" noAdjustHandles="1" noChangeArrowheads="1" noChangeShapeType="1" noTextEdit="1"/>
+          </p:cNvSpPr>
+          <p:nvPr>
+            <p:extLst>
+              <p:ext uri="{386F3935-93C4-4BCD-93E2-E3B085C9AB24}">
+                <p16:designElem xmlns:p16="http://schemas.microsoft.com/office/powerpoint/2015/main" val="1"/>
+              </p:ext>
+            </p:extLst>
+          </p:nvPr>
+        </p:nvSpPr>
+        <p:spPr>
+          <a:xfrm>
+            <a:off x="7851452" y="476778"/>
+            <a:ext cx="3864383" cy="5920653"/>
+          </a:xfrm>
+          <a:prstGeom prst="rect">
+            <a:avLst/>
+          </a:prstGeom>
+          <a:solidFill>
+            <a:schemeClr val="bg2">
+              <a:lumMod val="90000"/>
+            </a:schemeClr>
+          </a:solidFill>
+          <a:ln>
+            <a:noFill/>
+          </a:ln>
+        </p:spPr>
+        <p:style>
+          <a:lnRef idx="2">
+            <a:schemeClr val="accent1">
+              <a:shade val="50000"/>
+            </a:schemeClr>
+          </a:lnRef>
+          <a:fillRef idx="1">
+            <a:schemeClr val="accent1"/>
+          </a:fillRef>
+          <a:effectRef idx="0">
+            <a:schemeClr val="accent1"/>
+          </a:effectRef>
+          <a:fontRef idx="minor">
+            <a:schemeClr val="lt1"/>
+          </a:fontRef>
+        </p:style>
+        <p:txBody>
+          <a:bodyPr rtlCol="0" anchor="ctr"/>
+          <a:lstStyle/>
+          <a:p>
+            <a:pPr algn="ctr"/>
+            <a:endParaRPr lang="en-US"/>
+          </a:p>
+        </p:txBody>
+      </p:sp>
+      <p:sp>
+        <p:nvSpPr>
+          <p:cNvPr id="5" name="Titre 4">
+            <a:extLst>
+              <a:ext uri="{FF2B5EF4-FFF2-40B4-BE49-F238E27FC236}">
+                <a16:creationId xmlns:a16="http://schemas.microsoft.com/office/drawing/2014/main" id="{4906A919-D020-479A-AC5A-D9F539FF3D33}"/>
+              </a:ext>
+            </a:extLst>
+          </p:cNvPr>
+          <p:cNvSpPr>
+            <a:spLocks noGrp="1"/>
+          </p:cNvSpPr>
+          <p:nvPr>
+            <p:ph type="ctrTitle"/>
+          </p:nvPr>
+        </p:nvSpPr>
+        <p:spPr>
+          <a:xfrm>
+            <a:off x="1118215" y="1269255"/>
+            <a:ext cx="5956353" cy="3038947"/>
+          </a:xfrm>
+        </p:spPr>
+        <p:txBody>
+          <a:bodyPr>
+            <a:normAutofit/>
+          </a:bodyPr>
+          <a:lstStyle/>
+          <a:p>
+            <a:pPr algn="r"/>
+            <a:r>
+              <a:rPr lang="fr-CA" sz="5400" dirty="0">
+                <a:solidFill>
+                  <a:srgbClr val="FFFFFF"/>
+                </a:solidFill>
+              </a:rPr>
+              <a:t>Bonnes pratiques</a:t>
+            </a:r>
+            <a:br>
+              <a:rPr lang="fr-CA" sz="5400" dirty="0">
+                <a:solidFill>
+                  <a:srgbClr val="FFFFFF"/>
+                </a:solidFill>
+              </a:rPr>
+            </a:br>
+            <a:r>
+              <a:rPr lang="fr-CA" sz="5400" dirty="0">
+                <a:solidFill>
+                  <a:srgbClr val="FFFFFF"/>
+                </a:solidFill>
+              </a:rPr>
+              <a:t>Propreté du code</a:t>
+            </a:r>
+            <a:br>
+              <a:rPr lang="fr-CA" sz="5400" dirty="0">
+                <a:solidFill>
+                  <a:srgbClr val="FFFFFF"/>
+                </a:solidFill>
+              </a:rPr>
+            </a:br>
+            <a:r>
+              <a:rPr lang="fr-CA" sz="5400" dirty="0">
+                <a:solidFill>
+                  <a:srgbClr val="FFFFFF"/>
+                </a:solidFill>
+              </a:rPr>
+              <a:t>Sémantisme</a:t>
+            </a:r>
+          </a:p>
+        </p:txBody>
+      </p:sp>
+      <p:sp>
+        <p:nvSpPr>
+          <p:cNvPr id="6" name="Sous-titre 5">
+            <a:extLst>
+              <a:ext uri="{FF2B5EF4-FFF2-40B4-BE49-F238E27FC236}">
+                <a16:creationId xmlns:a16="http://schemas.microsoft.com/office/drawing/2014/main" id="{D4E8AAF7-3291-42EF-8749-155B01266A3A}"/>
+              </a:ext>
+            </a:extLst>
+          </p:cNvPr>
+          <p:cNvSpPr>
+            <a:spLocks noGrp="1"/>
+          </p:cNvSpPr>
+          <p:nvPr>
+            <p:ph type="subTitle" idx="1"/>
+          </p:nvPr>
+        </p:nvSpPr>
+        <p:spPr>
+          <a:xfrm>
+            <a:off x="1118215" y="4578114"/>
+            <a:ext cx="5956353" cy="1247274"/>
+          </a:xfrm>
+        </p:spPr>
+        <p:txBody>
+          <a:bodyPr>
+            <a:normAutofit/>
+          </a:bodyPr>
+          <a:lstStyle/>
+          <a:p>
+            <a:pPr algn="r"/>
+            <a:r>
+              <a:rPr lang="fr-CA" dirty="0">
+                <a:solidFill>
+                  <a:srgbClr val="FFFFFF"/>
+                </a:solidFill>
+                <a:latin typeface="Consolas" panose="020B0609020204030204" pitchFamily="49" charset="0"/>
+                <a:cs typeface="Consolas" panose="020B0609020204030204" pitchFamily="49" charset="0"/>
+              </a:rPr>
+              <a:t>Savoir coder et savoir bien coder</a:t>
+            </a:r>
+          </a:p>
+        </p:txBody>
+      </p:sp>
+    </p:spTree>
+    <p:extLst>
+      <p:ext uri="{BB962C8B-B14F-4D97-AF65-F5344CB8AC3E}">
+        <p14:creationId xmlns:p14="http://schemas.microsoft.com/office/powerpoint/2010/main" val="112262115"/>
       </p:ext>
     </p:extLst>
   </p:cSld>
@@ -49069,6 +54487,377 @@
     <p:extLst>
       <p:ext uri="{BB962C8B-B14F-4D97-AF65-F5344CB8AC3E}">
         <p14:creationId xmlns:p14="http://schemas.microsoft.com/office/powerpoint/2010/main" val="3245321743"/>
+      </p:ext>
+    </p:extLst>
+  </p:cSld>
+  <p:clrMapOvr>
+    <a:masterClrMapping/>
+  </p:clrMapOvr>
+</p:sld>
+</file>
+
+<file path=ppt/slides/slide50.xml><?xml version="1.0" encoding="utf-8"?>
+<p:sld xmlns:a="http://schemas.openxmlformats.org/drawingml/2006/main" xmlns:r="http://schemas.openxmlformats.org/officeDocument/2006/relationships" xmlns:p="http://schemas.openxmlformats.org/presentationml/2006/main">
+  <p:cSld>
+    <p:bg>
+      <p:bgPr>
+        <a:solidFill>
+          <a:schemeClr val="bg1"/>
+        </a:solidFill>
+        <a:effectLst/>
+      </p:bgPr>
+    </p:bg>
+    <p:spTree>
+      <p:nvGrpSpPr>
+        <p:cNvPr id="1" name=""/>
+        <p:cNvGrpSpPr/>
+        <p:nvPr/>
+      </p:nvGrpSpPr>
+      <p:grpSpPr>
+        <a:xfrm>
+          <a:off x="0" y="0"/>
+          <a:ext cx="0" cy="0"/>
+          <a:chOff x="0" y="0"/>
+          <a:chExt cx="0" cy="0"/>
+        </a:xfrm>
+      </p:grpSpPr>
+      <p:sp>
+        <p:nvSpPr>
+          <p:cNvPr id="17" name="Rectangle 16">
+            <a:extLst>
+              <a:ext uri="{FF2B5EF4-FFF2-40B4-BE49-F238E27FC236}">
+                <a16:creationId xmlns:a16="http://schemas.microsoft.com/office/drawing/2014/main" id="{6883D4EE-0D48-47A8-B689-0875A1BD4A85}"/>
+              </a:ext>
+            </a:extLst>
+          </p:cNvPr>
+          <p:cNvSpPr>
+            <a:spLocks noGrp="1" noRot="1" noChangeAspect="1" noMove="1" noResize="1" noEditPoints="1" noAdjustHandles="1" noChangeArrowheads="1" noChangeShapeType="1" noTextEdit="1"/>
+          </p:cNvSpPr>
+          <p:nvPr>
+            <p:extLst>
+              <p:ext uri="{386F3935-93C4-4BCD-93E2-E3B085C9AB24}">
+                <p16:designElem xmlns:p16="http://schemas.microsoft.com/office/powerpoint/2015/main" val="1"/>
+              </p:ext>
+            </p:extLst>
+          </p:nvPr>
+        </p:nvSpPr>
+        <p:spPr>
+          <a:xfrm>
+            <a:off x="7556410" y="0"/>
+            <a:ext cx="4636008" cy="6858000"/>
+          </a:xfrm>
+          <a:prstGeom prst="rect">
+            <a:avLst/>
+          </a:prstGeom>
+          <a:solidFill>
+            <a:schemeClr val="bg2"/>
+          </a:solidFill>
+          <a:ln>
+            <a:noFill/>
+          </a:ln>
+        </p:spPr>
+        <p:style>
+          <a:lnRef idx="2">
+            <a:schemeClr val="accent1">
+              <a:shade val="50000"/>
+            </a:schemeClr>
+          </a:lnRef>
+          <a:fillRef idx="1">
+            <a:schemeClr val="accent1"/>
+          </a:fillRef>
+          <a:effectRef idx="0">
+            <a:schemeClr val="accent1"/>
+          </a:effectRef>
+          <a:fontRef idx="minor">
+            <a:schemeClr val="lt1"/>
+          </a:fontRef>
+        </p:style>
+        <p:txBody>
+          <a:bodyPr rtlCol="0" anchor="ctr"/>
+          <a:lstStyle/>
+          <a:p>
+            <a:pPr algn="ctr"/>
+            <a:endParaRPr lang="en-US"/>
+          </a:p>
+        </p:txBody>
+      </p:sp>
+      <p:sp>
+        <p:nvSpPr>
+          <p:cNvPr id="19" name="Rounded Rectangle 9">
+            <a:extLst>
+              <a:ext uri="{FF2B5EF4-FFF2-40B4-BE49-F238E27FC236}">
+                <a16:creationId xmlns:a16="http://schemas.microsoft.com/office/drawing/2014/main" id="{2BD22A13-C9A1-4D2D-B874-A87817C5CCC0}"/>
+              </a:ext>
+            </a:extLst>
+          </p:cNvPr>
+          <p:cNvSpPr>
+            <a:spLocks noGrp="1" noRot="1" noChangeAspect="1" noMove="1" noResize="1" noEditPoints="1" noAdjustHandles="1" noChangeArrowheads="1" noChangeShapeType="1" noTextEdit="1"/>
+          </p:cNvSpPr>
+          <p:nvPr>
+            <p:extLst>
+              <p:ext uri="{386F3935-93C4-4BCD-93E2-E3B085C9AB24}">
+                <p16:designElem xmlns:p16="http://schemas.microsoft.com/office/powerpoint/2015/main" val="1"/>
+              </p:ext>
+            </p:extLst>
+          </p:nvPr>
+        </p:nvSpPr>
+        <p:spPr>
+          <a:xfrm>
+            <a:off x="8041042" y="484632"/>
+            <a:ext cx="3666744" cy="5739187"/>
+          </a:xfrm>
+          <a:prstGeom prst="roundRect">
+            <a:avLst>
+              <a:gd name="adj" fmla="val 0"/>
+            </a:avLst>
+          </a:prstGeom>
+          <a:solidFill>
+            <a:schemeClr val="bg1"/>
+          </a:solidFill>
+          <a:ln w="9525">
+            <a:noFill/>
+          </a:ln>
+          <a:effectLst>
+            <a:outerShdw blurRad="57150" dist="19050" dir="5400000" algn="t" rotWithShape="0">
+              <a:prstClr val="black">
+                <a:alpha val="63000"/>
+              </a:prstClr>
+            </a:outerShdw>
+          </a:effectLst>
+        </p:spPr>
+        <p:style>
+          <a:lnRef idx="2">
+            <a:schemeClr val="accent1">
+              <a:shade val="50000"/>
+            </a:schemeClr>
+          </a:lnRef>
+          <a:fillRef idx="1">
+            <a:schemeClr val="accent1"/>
+          </a:fillRef>
+          <a:effectRef idx="0">
+            <a:schemeClr val="accent1"/>
+          </a:effectRef>
+          <a:fontRef idx="minor">
+            <a:schemeClr val="lt1"/>
+          </a:fontRef>
+        </p:style>
+        <p:txBody>
+          <a:bodyPr rtlCol="0" anchor="ctr"/>
+          <a:lstStyle/>
+          <a:p>
+            <a:pPr algn="ctr">
+              <a:spcAft>
+                <a:spcPts val="600"/>
+              </a:spcAft>
+            </a:pPr>
+            <a:r>
+              <a:rPr lang="en-US"/>
+              <a:t>A</a:t>
+            </a:r>
+          </a:p>
+        </p:txBody>
+      </p:sp>
+      <p:sp>
+        <p:nvSpPr>
+          <p:cNvPr id="2" name="Titre 1">
+            <a:extLst>
+              <a:ext uri="{FF2B5EF4-FFF2-40B4-BE49-F238E27FC236}">
+                <a16:creationId xmlns:a16="http://schemas.microsoft.com/office/drawing/2014/main" id="{D45E6F31-C2F0-4E9B-9E55-966A4D8AF8B4}"/>
+              </a:ext>
+            </a:extLst>
+          </p:cNvPr>
+          <p:cNvSpPr>
+            <a:spLocks noGrp="1"/>
+          </p:cNvSpPr>
+          <p:nvPr>
+            <p:ph type="title"/>
+          </p:nvPr>
+        </p:nvSpPr>
+        <p:spPr>
+          <a:xfrm>
+            <a:off x="648929" y="629266"/>
+            <a:ext cx="6586491" cy="1622321"/>
+          </a:xfrm>
+        </p:spPr>
+        <p:txBody>
+          <a:bodyPr>
+            <a:normAutofit/>
+          </a:bodyPr>
+          <a:lstStyle/>
+          <a:p>
+            <a:r>
+              <a:rPr lang="fr-CA" dirty="0"/>
+              <a:t>[Nom]</a:t>
+            </a:r>
+          </a:p>
+        </p:txBody>
+      </p:sp>
+      <p:sp>
+        <p:nvSpPr>
+          <p:cNvPr id="3" name="Espace réservé du contenu 2">
+            <a:extLst>
+              <a:ext uri="{FF2B5EF4-FFF2-40B4-BE49-F238E27FC236}">
+                <a16:creationId xmlns:a16="http://schemas.microsoft.com/office/drawing/2014/main" id="{52F2A175-573F-4852-AEA0-C8E550D1C546}"/>
+              </a:ext>
+            </a:extLst>
+          </p:cNvPr>
+          <p:cNvSpPr>
+            <a:spLocks noGrp="1"/>
+          </p:cNvSpPr>
+          <p:nvPr>
+            <p:ph idx="1"/>
+          </p:nvPr>
+        </p:nvSpPr>
+        <p:spPr>
+          <a:xfrm>
+            <a:off x="648930" y="2438400"/>
+            <a:ext cx="6586489" cy="3785419"/>
+          </a:xfrm>
+        </p:spPr>
+        <p:txBody>
+          <a:bodyPr>
+            <a:normAutofit/>
+          </a:bodyPr>
+          <a:lstStyle/>
+          <a:p>
+            <a:pPr marL="0" indent="0">
+              <a:lnSpc>
+                <a:spcPct val="120000"/>
+              </a:lnSpc>
+              <a:spcBef>
+                <a:spcPts val="0"/>
+              </a:spcBef>
+              <a:buNone/>
+            </a:pPr>
+            <a:r>
+              <a:rPr lang="fr-CA" sz="1800" dirty="0">
+                <a:solidFill>
+                  <a:schemeClr val="accent2">
+                    <a:lumMod val="75000"/>
+                  </a:schemeClr>
+                </a:solidFill>
+                <a:latin typeface="Consolas" panose="020B0609020204030204" pitchFamily="49" charset="0"/>
+                <a:cs typeface="Consolas" panose="020B0609020204030204" pitchFamily="49" charset="0"/>
+              </a:rPr>
+              <a:t>&lt;!–- code </a:t>
+            </a:r>
+            <a:r>
+              <a:rPr lang="fr-CA" sz="1800" dirty="0">
+                <a:solidFill>
+                  <a:schemeClr val="accent2">
+                    <a:lumMod val="75000"/>
+                  </a:schemeClr>
+                </a:solidFill>
+                <a:latin typeface="Consolas" panose="020B0609020204030204" pitchFamily="49" charset="0"/>
+                <a:cs typeface="Consolas" panose="020B0609020204030204" pitchFamily="49" charset="0"/>
+                <a:sym typeface="Wingdings" panose="05000000000000000000" pitchFamily="2" charset="2"/>
+              </a:rPr>
+              <a:t>--&gt;</a:t>
+            </a:r>
+            <a:endParaRPr lang="fr-CA" sz="1800" dirty="0">
+              <a:solidFill>
+                <a:srgbClr val="0070C0"/>
+              </a:solidFill>
+              <a:latin typeface="Consolas" panose="020B0609020204030204" pitchFamily="49" charset="0"/>
+              <a:cs typeface="Consolas" panose="020B0609020204030204" pitchFamily="49" charset="0"/>
+            </a:endParaRPr>
+          </a:p>
+        </p:txBody>
+      </p:sp>
+      <p:sp>
+        <p:nvSpPr>
+          <p:cNvPr id="9" name="ZoneTexte 8">
+            <a:extLst>
+              <a:ext uri="{FF2B5EF4-FFF2-40B4-BE49-F238E27FC236}">
+                <a16:creationId xmlns:a16="http://schemas.microsoft.com/office/drawing/2014/main" id="{B575DCE6-F4A2-4528-8BE2-5B5A8B36CF41}"/>
+              </a:ext>
+            </a:extLst>
+          </p:cNvPr>
+          <p:cNvSpPr txBox="1"/>
+          <p:nvPr/>
+        </p:nvSpPr>
+        <p:spPr>
+          <a:xfrm>
+            <a:off x="1021649" y="3612017"/>
+            <a:ext cx="1745991" cy="369332"/>
+          </a:xfrm>
+          <a:prstGeom prst="rect">
+            <a:avLst/>
+          </a:prstGeom>
+          <a:noFill/>
+        </p:spPr>
+        <p:txBody>
+          <a:bodyPr wrap="none" rtlCol="0">
+            <a:spAutoFit/>
+          </a:bodyPr>
+          <a:lstStyle/>
+          <a:p>
+            <a:r>
+              <a:rPr lang="fr-CA" dirty="0">
+                <a:solidFill>
+                  <a:schemeClr val="bg1">
+                    <a:lumMod val="50000"/>
+                  </a:schemeClr>
+                </a:solidFill>
+              </a:rPr>
+              <a:t>* </a:t>
+            </a:r>
+            <a:r>
+              <a:rPr lang="fr-CA" dirty="0">
+                <a:solidFill>
+                  <a:schemeClr val="bg1">
+                    <a:lumMod val="50000"/>
+                  </a:schemeClr>
+                </a:solidFill>
+                <a:latin typeface="Consolas" panose="020B0609020204030204" pitchFamily="49" charset="0"/>
+                <a:cs typeface="Consolas" panose="020B0609020204030204" pitchFamily="49" charset="0"/>
+              </a:rPr>
+              <a:t>Aide rapide</a:t>
+            </a:r>
+            <a:endParaRPr lang="fr-CA" dirty="0">
+              <a:solidFill>
+                <a:schemeClr val="bg1">
+                  <a:lumMod val="50000"/>
+                </a:schemeClr>
+              </a:solidFill>
+            </a:endParaRPr>
+          </a:p>
+        </p:txBody>
+      </p:sp>
+      <p:pic>
+        <p:nvPicPr>
+          <p:cNvPr id="4" name="Image 3">
+            <a:extLst>
+              <a:ext uri="{FF2B5EF4-FFF2-40B4-BE49-F238E27FC236}">
+                <a16:creationId xmlns:a16="http://schemas.microsoft.com/office/drawing/2014/main" id="{4F826FFB-E083-45DC-985E-6078F2280FB3}"/>
+              </a:ext>
+            </a:extLst>
+          </p:cNvPr>
+          <p:cNvPicPr>
+            <a:picLocks noChangeAspect="1"/>
+          </p:cNvPicPr>
+          <p:nvPr/>
+        </p:nvPicPr>
+        <p:blipFill>
+          <a:blip r:embed="rId2"/>
+          <a:stretch>
+            <a:fillRect/>
+          </a:stretch>
+        </p:blipFill>
+        <p:spPr>
+          <a:xfrm>
+            <a:off x="8431376" y="1333500"/>
+            <a:ext cx="2886075" cy="4191000"/>
+          </a:xfrm>
+          <a:prstGeom prst="rect">
+            <a:avLst/>
+          </a:prstGeom>
+        </p:spPr>
+      </p:pic>
+    </p:spTree>
+    <p:extLst>
+      <p:ext uri="{BB962C8B-B14F-4D97-AF65-F5344CB8AC3E}">
+        <p14:creationId xmlns:p14="http://schemas.microsoft.com/office/powerpoint/2010/main" val="1289928794"/>
       </p:ext>
     </p:extLst>
   </p:cSld>
